--- a/lecture-materials/DeveloperTools/amplify/aws_amplify.pptx
+++ b/lecture-materials/DeveloperTools/amplify/aws_amplify.pptx
@@ -205,7 +205,7 @@
           <a:p>
             <a:fld id="{59E022F4-F528-437F-82BB-6463FA355B9E}" type="datetimeFigureOut">
               <a:rPr lang="en-US" smtClean="0"/>
-              <a:t>9/10/2023</a:t>
+              <a:t>4/15/24</a:t>
             </a:fld>
             <a:endParaRPr lang="en-US"/>
           </a:p>
@@ -269,35 +269,35 @@
           <a:p>
             <a:pPr lvl="0"/>
             <a:r>
-              <a:rPr lang="ru-RU" smtClean="0"/>
+              <a:rPr lang="ru-RU"/>
               <a:t>Образец текста</a:t>
             </a:r>
           </a:p>
           <a:p>
             <a:pPr lvl="1"/>
             <a:r>
-              <a:rPr lang="ru-RU" smtClean="0"/>
+              <a:rPr lang="ru-RU"/>
               <a:t>Второй уровень</a:t>
             </a:r>
           </a:p>
           <a:p>
             <a:pPr lvl="2"/>
             <a:r>
-              <a:rPr lang="ru-RU" smtClean="0"/>
+              <a:rPr lang="ru-RU"/>
               <a:t>Третий уровень</a:t>
             </a:r>
           </a:p>
           <a:p>
             <a:pPr lvl="3"/>
             <a:r>
-              <a:rPr lang="ru-RU" smtClean="0"/>
+              <a:rPr lang="ru-RU"/>
               <a:t>Четвертый уровень</a:t>
             </a:r>
           </a:p>
           <a:p>
             <a:pPr lvl="4"/>
             <a:r>
-              <a:rPr lang="ru-RU" smtClean="0"/>
+              <a:rPr lang="ru-RU"/>
               <a:t>Пятый уровень</a:t>
             </a:r>
             <a:endParaRPr lang="en-US"/>
@@ -1271,7 +1271,7 @@
           </a:lstStyle>
           <a:p>
             <a:r>
-              <a:rPr lang="ru-RU" smtClean="0"/>
+              <a:rPr lang="ru-RU"/>
               <a:t>Образец заголовка</a:t>
             </a:r>
             <a:endParaRPr lang="en-US"/>
@@ -1336,7 +1336,7 @@
           </a:lstStyle>
           <a:p>
             <a:r>
-              <a:rPr lang="ru-RU" smtClean="0"/>
+              <a:rPr lang="ru-RU"/>
               <a:t>Образец подзаголовка</a:t>
             </a:r>
             <a:endParaRPr lang="en-US"/>
@@ -1360,7 +1360,7 @@
           <a:p>
             <a:fld id="{711AF214-B52B-469C-B379-97713822EFE5}" type="datetimeFigureOut">
               <a:rPr lang="en-US" smtClean="0"/>
-              <a:t>9/10/2023</a:t>
+              <a:t>4/15/24</a:t>
             </a:fld>
             <a:endParaRPr lang="en-US"/>
           </a:p>
@@ -1454,7 +1454,7 @@
           <a:lstStyle/>
           <a:p>
             <a:r>
-              <a:rPr lang="ru-RU" smtClean="0"/>
+              <a:rPr lang="ru-RU"/>
               <a:t>Образец заголовка</a:t>
             </a:r>
             <a:endParaRPr lang="en-US"/>
@@ -1478,35 +1478,35 @@
           <a:p>
             <a:pPr lvl="0"/>
             <a:r>
-              <a:rPr lang="ru-RU" smtClean="0"/>
+              <a:rPr lang="ru-RU"/>
               <a:t>Образец текста</a:t>
             </a:r>
           </a:p>
           <a:p>
             <a:pPr lvl="1"/>
             <a:r>
-              <a:rPr lang="ru-RU" smtClean="0"/>
+              <a:rPr lang="ru-RU"/>
               <a:t>Второй уровень</a:t>
             </a:r>
           </a:p>
           <a:p>
             <a:pPr lvl="2"/>
             <a:r>
-              <a:rPr lang="ru-RU" smtClean="0"/>
+              <a:rPr lang="ru-RU"/>
               <a:t>Третий уровень</a:t>
             </a:r>
           </a:p>
           <a:p>
             <a:pPr lvl="3"/>
             <a:r>
-              <a:rPr lang="ru-RU" smtClean="0"/>
+              <a:rPr lang="ru-RU"/>
               <a:t>Четвертый уровень</a:t>
             </a:r>
           </a:p>
           <a:p>
             <a:pPr lvl="4"/>
             <a:r>
-              <a:rPr lang="ru-RU" smtClean="0"/>
+              <a:rPr lang="ru-RU"/>
               <a:t>Пятый уровень</a:t>
             </a:r>
             <a:endParaRPr lang="en-US"/>
@@ -1530,7 +1530,7 @@
           <a:p>
             <a:fld id="{711AF214-B52B-469C-B379-97713822EFE5}" type="datetimeFigureOut">
               <a:rPr lang="en-US" smtClean="0"/>
-              <a:t>9/10/2023</a:t>
+              <a:t>4/15/24</a:t>
             </a:fld>
             <a:endParaRPr lang="en-US"/>
           </a:p>
@@ -1629,7 +1629,7 @@
           <a:lstStyle/>
           <a:p>
             <a:r>
-              <a:rPr lang="ru-RU" smtClean="0"/>
+              <a:rPr lang="ru-RU"/>
               <a:t>Образец заголовка</a:t>
             </a:r>
             <a:endParaRPr lang="en-US"/>
@@ -1658,35 +1658,35 @@
           <a:p>
             <a:pPr lvl="0"/>
             <a:r>
-              <a:rPr lang="ru-RU" smtClean="0"/>
+              <a:rPr lang="ru-RU"/>
               <a:t>Образец текста</a:t>
             </a:r>
           </a:p>
           <a:p>
             <a:pPr lvl="1"/>
             <a:r>
-              <a:rPr lang="ru-RU" smtClean="0"/>
+              <a:rPr lang="ru-RU"/>
               <a:t>Второй уровень</a:t>
             </a:r>
           </a:p>
           <a:p>
             <a:pPr lvl="2"/>
             <a:r>
-              <a:rPr lang="ru-RU" smtClean="0"/>
+              <a:rPr lang="ru-RU"/>
               <a:t>Третий уровень</a:t>
             </a:r>
           </a:p>
           <a:p>
             <a:pPr lvl="3"/>
             <a:r>
-              <a:rPr lang="ru-RU" smtClean="0"/>
+              <a:rPr lang="ru-RU"/>
               <a:t>Четвертый уровень</a:t>
             </a:r>
           </a:p>
           <a:p>
             <a:pPr lvl="4"/>
             <a:r>
-              <a:rPr lang="ru-RU" smtClean="0"/>
+              <a:rPr lang="ru-RU"/>
               <a:t>Пятый уровень</a:t>
             </a:r>
             <a:endParaRPr lang="en-US"/>
@@ -1710,7 +1710,7 @@
           <a:p>
             <a:fld id="{711AF214-B52B-469C-B379-97713822EFE5}" type="datetimeFigureOut">
               <a:rPr lang="en-US" smtClean="0"/>
-              <a:t>9/10/2023</a:t>
+              <a:t>4/15/24</a:t>
             </a:fld>
             <a:endParaRPr lang="en-US"/>
           </a:p>
@@ -1804,7 +1804,7 @@
           <a:lstStyle/>
           <a:p>
             <a:r>
-              <a:rPr lang="ru-RU" smtClean="0"/>
+              <a:rPr lang="ru-RU"/>
               <a:t>Образец заголовка</a:t>
             </a:r>
             <a:endParaRPr lang="en-US"/>
@@ -1828,35 +1828,35 @@
           <a:p>
             <a:pPr lvl="0"/>
             <a:r>
-              <a:rPr lang="ru-RU" smtClean="0"/>
+              <a:rPr lang="ru-RU"/>
               <a:t>Образец текста</a:t>
             </a:r>
           </a:p>
           <a:p>
             <a:pPr lvl="1"/>
             <a:r>
-              <a:rPr lang="ru-RU" smtClean="0"/>
+              <a:rPr lang="ru-RU"/>
               <a:t>Второй уровень</a:t>
             </a:r>
           </a:p>
           <a:p>
             <a:pPr lvl="2"/>
             <a:r>
-              <a:rPr lang="ru-RU" smtClean="0"/>
+              <a:rPr lang="ru-RU"/>
               <a:t>Третий уровень</a:t>
             </a:r>
           </a:p>
           <a:p>
             <a:pPr lvl="3"/>
             <a:r>
-              <a:rPr lang="ru-RU" smtClean="0"/>
+              <a:rPr lang="ru-RU"/>
               <a:t>Четвертый уровень</a:t>
             </a:r>
           </a:p>
           <a:p>
             <a:pPr lvl="4"/>
             <a:r>
-              <a:rPr lang="ru-RU" smtClean="0"/>
+              <a:rPr lang="ru-RU"/>
               <a:t>Пятый уровень</a:t>
             </a:r>
             <a:endParaRPr lang="en-US"/>
@@ -1880,7 +1880,7 @@
           <a:p>
             <a:fld id="{711AF214-B52B-469C-B379-97713822EFE5}" type="datetimeFigureOut">
               <a:rPr lang="en-US" smtClean="0"/>
-              <a:t>9/10/2023</a:t>
+              <a:t>4/15/24</a:t>
             </a:fld>
             <a:endParaRPr lang="en-US"/>
           </a:p>
@@ -1983,7 +1983,7 @@
           </a:lstStyle>
           <a:p>
             <a:r>
-              <a:rPr lang="ru-RU" smtClean="0"/>
+              <a:rPr lang="ru-RU"/>
               <a:t>Образец заголовка</a:t>
             </a:r>
             <a:endParaRPr lang="en-US"/>
@@ -2103,7 +2103,7 @@
           <a:p>
             <a:pPr lvl="0"/>
             <a:r>
-              <a:rPr lang="ru-RU" smtClean="0"/>
+              <a:rPr lang="ru-RU"/>
               <a:t>Образец текста</a:t>
             </a:r>
           </a:p>
@@ -2126,7 +2126,7 @@
           <a:p>
             <a:fld id="{711AF214-B52B-469C-B379-97713822EFE5}" type="datetimeFigureOut">
               <a:rPr lang="en-US" smtClean="0"/>
-              <a:t>9/10/2023</a:t>
+              <a:t>4/15/24</a:t>
             </a:fld>
             <a:endParaRPr lang="en-US"/>
           </a:p>
@@ -2220,7 +2220,7 @@
           <a:lstStyle/>
           <a:p>
             <a:r>
-              <a:rPr lang="ru-RU" smtClean="0"/>
+              <a:rPr lang="ru-RU"/>
               <a:t>Образец заголовка</a:t>
             </a:r>
             <a:endParaRPr lang="en-US"/>
@@ -2249,35 +2249,35 @@
           <a:p>
             <a:pPr lvl="0"/>
             <a:r>
-              <a:rPr lang="ru-RU" smtClean="0"/>
+              <a:rPr lang="ru-RU"/>
               <a:t>Образец текста</a:t>
             </a:r>
           </a:p>
           <a:p>
             <a:pPr lvl="1"/>
             <a:r>
-              <a:rPr lang="ru-RU" smtClean="0"/>
+              <a:rPr lang="ru-RU"/>
               <a:t>Второй уровень</a:t>
             </a:r>
           </a:p>
           <a:p>
             <a:pPr lvl="2"/>
             <a:r>
-              <a:rPr lang="ru-RU" smtClean="0"/>
+              <a:rPr lang="ru-RU"/>
               <a:t>Третий уровень</a:t>
             </a:r>
           </a:p>
           <a:p>
             <a:pPr lvl="3"/>
             <a:r>
-              <a:rPr lang="ru-RU" smtClean="0"/>
+              <a:rPr lang="ru-RU"/>
               <a:t>Четвертый уровень</a:t>
             </a:r>
           </a:p>
           <a:p>
             <a:pPr lvl="4"/>
             <a:r>
-              <a:rPr lang="ru-RU" smtClean="0"/>
+              <a:rPr lang="ru-RU"/>
               <a:t>Пятый уровень</a:t>
             </a:r>
             <a:endParaRPr lang="en-US"/>
@@ -2306,35 +2306,35 @@
           <a:p>
             <a:pPr lvl="0"/>
             <a:r>
-              <a:rPr lang="ru-RU" smtClean="0"/>
+              <a:rPr lang="ru-RU"/>
               <a:t>Образец текста</a:t>
             </a:r>
           </a:p>
           <a:p>
             <a:pPr lvl="1"/>
             <a:r>
-              <a:rPr lang="ru-RU" smtClean="0"/>
+              <a:rPr lang="ru-RU"/>
               <a:t>Второй уровень</a:t>
             </a:r>
           </a:p>
           <a:p>
             <a:pPr lvl="2"/>
             <a:r>
-              <a:rPr lang="ru-RU" smtClean="0"/>
+              <a:rPr lang="ru-RU"/>
               <a:t>Третий уровень</a:t>
             </a:r>
           </a:p>
           <a:p>
             <a:pPr lvl="3"/>
             <a:r>
-              <a:rPr lang="ru-RU" smtClean="0"/>
+              <a:rPr lang="ru-RU"/>
               <a:t>Четвертый уровень</a:t>
             </a:r>
           </a:p>
           <a:p>
             <a:pPr lvl="4"/>
             <a:r>
-              <a:rPr lang="ru-RU" smtClean="0"/>
+              <a:rPr lang="ru-RU"/>
               <a:t>Пятый уровень</a:t>
             </a:r>
             <a:endParaRPr lang="en-US"/>
@@ -2358,7 +2358,7 @@
           <a:p>
             <a:fld id="{711AF214-B52B-469C-B379-97713822EFE5}" type="datetimeFigureOut">
               <a:rPr lang="en-US" smtClean="0"/>
-              <a:t>9/10/2023</a:t>
+              <a:t>4/15/24</a:t>
             </a:fld>
             <a:endParaRPr lang="en-US"/>
           </a:p>
@@ -2457,7 +2457,7 @@
           <a:lstStyle/>
           <a:p>
             <a:r>
-              <a:rPr lang="ru-RU" smtClean="0"/>
+              <a:rPr lang="ru-RU"/>
               <a:t>Образец заголовка</a:t>
             </a:r>
             <a:endParaRPr lang="en-US"/>
@@ -2523,7 +2523,7 @@
           <a:p>
             <a:pPr lvl="0"/>
             <a:r>
-              <a:rPr lang="ru-RU" smtClean="0"/>
+              <a:rPr lang="ru-RU"/>
               <a:t>Образец текста</a:t>
             </a:r>
           </a:p>
@@ -2551,35 +2551,35 @@
           <a:p>
             <a:pPr lvl="0"/>
             <a:r>
-              <a:rPr lang="ru-RU" smtClean="0"/>
+              <a:rPr lang="ru-RU"/>
               <a:t>Образец текста</a:t>
             </a:r>
           </a:p>
           <a:p>
             <a:pPr lvl="1"/>
             <a:r>
-              <a:rPr lang="ru-RU" smtClean="0"/>
+              <a:rPr lang="ru-RU"/>
               <a:t>Второй уровень</a:t>
             </a:r>
           </a:p>
           <a:p>
             <a:pPr lvl="2"/>
             <a:r>
-              <a:rPr lang="ru-RU" smtClean="0"/>
+              <a:rPr lang="ru-RU"/>
               <a:t>Третий уровень</a:t>
             </a:r>
           </a:p>
           <a:p>
             <a:pPr lvl="3"/>
             <a:r>
-              <a:rPr lang="ru-RU" smtClean="0"/>
+              <a:rPr lang="ru-RU"/>
               <a:t>Четвертый уровень</a:t>
             </a:r>
           </a:p>
           <a:p>
             <a:pPr lvl="4"/>
             <a:r>
-              <a:rPr lang="ru-RU" smtClean="0"/>
+              <a:rPr lang="ru-RU"/>
               <a:t>Пятый уровень</a:t>
             </a:r>
             <a:endParaRPr lang="en-US"/>
@@ -2645,7 +2645,7 @@
           <a:p>
             <a:pPr lvl="0"/>
             <a:r>
-              <a:rPr lang="ru-RU" smtClean="0"/>
+              <a:rPr lang="ru-RU"/>
               <a:t>Образец текста</a:t>
             </a:r>
           </a:p>
@@ -2673,35 +2673,35 @@
           <a:p>
             <a:pPr lvl="0"/>
             <a:r>
-              <a:rPr lang="ru-RU" smtClean="0"/>
+              <a:rPr lang="ru-RU"/>
               <a:t>Образец текста</a:t>
             </a:r>
           </a:p>
           <a:p>
             <a:pPr lvl="1"/>
             <a:r>
-              <a:rPr lang="ru-RU" smtClean="0"/>
+              <a:rPr lang="ru-RU"/>
               <a:t>Второй уровень</a:t>
             </a:r>
           </a:p>
           <a:p>
             <a:pPr lvl="2"/>
             <a:r>
-              <a:rPr lang="ru-RU" smtClean="0"/>
+              <a:rPr lang="ru-RU"/>
               <a:t>Третий уровень</a:t>
             </a:r>
           </a:p>
           <a:p>
             <a:pPr lvl="3"/>
             <a:r>
-              <a:rPr lang="ru-RU" smtClean="0"/>
+              <a:rPr lang="ru-RU"/>
               <a:t>Четвертый уровень</a:t>
             </a:r>
           </a:p>
           <a:p>
             <a:pPr lvl="4"/>
             <a:r>
-              <a:rPr lang="ru-RU" smtClean="0"/>
+              <a:rPr lang="ru-RU"/>
               <a:t>Пятый уровень</a:t>
             </a:r>
             <a:endParaRPr lang="en-US"/>
@@ -2725,7 +2725,7 @@
           <a:p>
             <a:fld id="{711AF214-B52B-469C-B379-97713822EFE5}" type="datetimeFigureOut">
               <a:rPr lang="en-US" smtClean="0"/>
-              <a:t>9/10/2023</a:t>
+              <a:t>4/15/24</a:t>
             </a:fld>
             <a:endParaRPr lang="en-US"/>
           </a:p>
@@ -2819,7 +2819,7 @@
           <a:lstStyle/>
           <a:p>
             <a:r>
-              <a:rPr lang="ru-RU" smtClean="0"/>
+              <a:rPr lang="ru-RU"/>
               <a:t>Образец заголовка</a:t>
             </a:r>
             <a:endParaRPr lang="en-US"/>
@@ -2843,7 +2843,7 @@
           <a:p>
             <a:fld id="{711AF214-B52B-469C-B379-97713822EFE5}" type="datetimeFigureOut">
               <a:rPr lang="en-US" smtClean="0"/>
-              <a:t>9/10/2023</a:t>
+              <a:t>4/15/24</a:t>
             </a:fld>
             <a:endParaRPr lang="en-US"/>
           </a:p>
@@ -2938,7 +2938,7 @@
           <a:p>
             <a:fld id="{711AF214-B52B-469C-B379-97713822EFE5}" type="datetimeFigureOut">
               <a:rPr lang="en-US" smtClean="0"/>
-              <a:t>9/10/2023</a:t>
+              <a:t>4/15/24</a:t>
             </a:fld>
             <a:endParaRPr lang="en-US"/>
           </a:p>
@@ -3041,7 +3041,7 @@
           </a:lstStyle>
           <a:p>
             <a:r>
-              <a:rPr lang="ru-RU" smtClean="0"/>
+              <a:rPr lang="ru-RU"/>
               <a:t>Образец заголовка</a:t>
             </a:r>
             <a:endParaRPr lang="en-US"/>
@@ -3098,35 +3098,35 @@
           <a:p>
             <a:pPr lvl="0"/>
             <a:r>
-              <a:rPr lang="ru-RU" smtClean="0"/>
+              <a:rPr lang="ru-RU"/>
               <a:t>Образец текста</a:t>
             </a:r>
           </a:p>
           <a:p>
             <a:pPr lvl="1"/>
             <a:r>
-              <a:rPr lang="ru-RU" smtClean="0"/>
+              <a:rPr lang="ru-RU"/>
               <a:t>Второй уровень</a:t>
             </a:r>
           </a:p>
           <a:p>
             <a:pPr lvl="2"/>
             <a:r>
-              <a:rPr lang="ru-RU" smtClean="0"/>
+              <a:rPr lang="ru-RU"/>
               <a:t>Третий уровень</a:t>
             </a:r>
           </a:p>
           <a:p>
             <a:pPr lvl="3"/>
             <a:r>
-              <a:rPr lang="ru-RU" smtClean="0"/>
+              <a:rPr lang="ru-RU"/>
               <a:t>Четвертый уровень</a:t>
             </a:r>
           </a:p>
           <a:p>
             <a:pPr lvl="4"/>
             <a:r>
-              <a:rPr lang="ru-RU" smtClean="0"/>
+              <a:rPr lang="ru-RU"/>
               <a:t>Пятый уровень</a:t>
             </a:r>
             <a:endParaRPr lang="en-US"/>
@@ -3192,7 +3192,7 @@
           <a:p>
             <a:pPr lvl="0"/>
             <a:r>
-              <a:rPr lang="ru-RU" smtClean="0"/>
+              <a:rPr lang="ru-RU"/>
               <a:t>Образец текста</a:t>
             </a:r>
           </a:p>
@@ -3215,7 +3215,7 @@
           <a:p>
             <a:fld id="{711AF214-B52B-469C-B379-97713822EFE5}" type="datetimeFigureOut">
               <a:rPr lang="en-US" smtClean="0"/>
-              <a:t>9/10/2023</a:t>
+              <a:t>4/15/24</a:t>
             </a:fld>
             <a:endParaRPr lang="en-US"/>
           </a:p>
@@ -3318,7 +3318,7 @@
           </a:lstStyle>
           <a:p>
             <a:r>
-              <a:rPr lang="ru-RU" smtClean="0"/>
+              <a:rPr lang="ru-RU"/>
               <a:t>Образец заголовка</a:t>
             </a:r>
             <a:endParaRPr lang="en-US"/>
@@ -3445,7 +3445,7 @@
           <a:p>
             <a:pPr lvl="0"/>
             <a:r>
-              <a:rPr lang="ru-RU" smtClean="0"/>
+              <a:rPr lang="ru-RU"/>
               <a:t>Образец текста</a:t>
             </a:r>
           </a:p>
@@ -3468,7 +3468,7 @@
           <a:p>
             <a:fld id="{711AF214-B52B-469C-B379-97713822EFE5}" type="datetimeFigureOut">
               <a:rPr lang="en-US" smtClean="0"/>
-              <a:t>9/10/2023</a:t>
+              <a:t>4/15/24</a:t>
             </a:fld>
             <a:endParaRPr lang="en-US"/>
           </a:p>
@@ -3577,7 +3577,7 @@
           <a:lstStyle/>
           <a:p>
             <a:r>
-              <a:rPr lang="ru-RU" smtClean="0"/>
+              <a:rPr lang="ru-RU"/>
               <a:t>Образец заголовка</a:t>
             </a:r>
             <a:endParaRPr lang="en-US"/>
@@ -3611,35 +3611,35 @@
           <a:p>
             <a:pPr lvl="0"/>
             <a:r>
-              <a:rPr lang="ru-RU" smtClean="0"/>
+              <a:rPr lang="ru-RU"/>
               <a:t>Образец текста</a:t>
             </a:r>
           </a:p>
           <a:p>
             <a:pPr lvl="1"/>
             <a:r>
-              <a:rPr lang="ru-RU" smtClean="0"/>
+              <a:rPr lang="ru-RU"/>
               <a:t>Второй уровень</a:t>
             </a:r>
           </a:p>
           <a:p>
             <a:pPr lvl="2"/>
             <a:r>
-              <a:rPr lang="ru-RU" smtClean="0"/>
+              <a:rPr lang="ru-RU"/>
               <a:t>Третий уровень</a:t>
             </a:r>
           </a:p>
           <a:p>
             <a:pPr lvl="3"/>
             <a:r>
-              <a:rPr lang="ru-RU" smtClean="0"/>
+              <a:rPr lang="ru-RU"/>
               <a:t>Четвертый уровень</a:t>
             </a:r>
           </a:p>
           <a:p>
             <a:pPr lvl="4"/>
             <a:r>
-              <a:rPr lang="ru-RU" smtClean="0"/>
+              <a:rPr lang="ru-RU"/>
               <a:t>Пятый уровень</a:t>
             </a:r>
             <a:endParaRPr lang="en-US"/>
@@ -3681,7 +3681,7 @@
           <a:p>
             <a:fld id="{711AF214-B52B-469C-B379-97713822EFE5}" type="datetimeFigureOut">
               <a:rPr lang="en-US" smtClean="0"/>
-              <a:t>9/10/2023</a:t>
+              <a:t>4/15/24</a:t>
             </a:fld>
             <a:endParaRPr lang="en-US"/>
           </a:p>
@@ -4072,6 +4072,14 @@
 <file path=ppt/slides/slide1.xml><?xml version="1.0" encoding="utf-8"?>
 <p:sld xmlns:a="http://schemas.openxmlformats.org/drawingml/2006/main" xmlns:r="http://schemas.openxmlformats.org/officeDocument/2006/relationships" xmlns:p="http://schemas.openxmlformats.org/presentationml/2006/main">
   <p:cSld>
+    <p:bg>
+      <p:bgPr>
+        <a:solidFill>
+          <a:schemeClr val="bg1"/>
+        </a:solidFill>
+        <a:effectLst/>
+      </p:bgPr>
+    </p:bg>
     <p:spTree>
       <p:nvGrpSpPr>
         <p:cNvPr id="1" name=""/>
@@ -4086,6 +4094,66 @@
           <a:chExt cx="0" cy="0"/>
         </a:xfrm>
       </p:grpSpPr>
+      <p:sp useBgFill="1">
+        <p:nvSpPr>
+          <p:cNvPr id="10" name="Rectangle 9">
+            <a:extLst>
+              <a:ext uri="{FF2B5EF4-FFF2-40B4-BE49-F238E27FC236}">
+                <a16:creationId xmlns:a16="http://schemas.microsoft.com/office/drawing/2014/main" id="{743AA782-23D1-4521-8CAD-47662984AA08}"/>
+              </a:ext>
+              <a:ext uri="{C183D7F6-B498-43B3-948B-1728B52AA6E4}">
+                <adec:decorative xmlns:adec="http://schemas.microsoft.com/office/drawing/2017/decorative" val="1"/>
+              </a:ext>
+            </a:extLst>
+          </p:cNvPr>
+          <p:cNvSpPr>
+            <a:spLocks noGrp="1" noRot="1" noChangeAspect="1" noMove="1" noResize="1" noEditPoints="1" noAdjustHandles="1" noChangeArrowheads="1" noChangeShapeType="1" noTextEdit="1"/>
+          </p:cNvSpPr>
+          <p:nvPr>
+            <p:extLst>
+              <p:ext uri="{386F3935-93C4-4BCD-93E2-E3B085C9AB24}">
+                <p16:designElem xmlns:p16="http://schemas.microsoft.com/office/powerpoint/2015/main" val="1"/>
+              </p:ext>
+            </p:extLst>
+          </p:nvPr>
+        </p:nvSpPr>
+        <p:spPr>
+          <a:xfrm>
+            <a:off x="0" y="0"/>
+            <a:ext cx="12192000" cy="6858000"/>
+          </a:xfrm>
+          <a:prstGeom prst="rect">
+            <a:avLst/>
+          </a:prstGeom>
+          <a:ln>
+            <a:noFill/>
+          </a:ln>
+        </p:spPr>
+        <p:style>
+          <a:lnRef idx="2">
+            <a:schemeClr val="accent1">
+              <a:shade val="50000"/>
+            </a:schemeClr>
+          </a:lnRef>
+          <a:fillRef idx="1">
+            <a:schemeClr val="accent1"/>
+          </a:fillRef>
+          <a:effectRef idx="0">
+            <a:schemeClr val="accent1"/>
+          </a:effectRef>
+          <a:fontRef idx="minor">
+            <a:schemeClr val="lt1"/>
+          </a:fontRef>
+        </p:style>
+        <p:txBody>
+          <a:bodyPr rtlCol="0" anchor="ctr"/>
+          <a:lstStyle/>
+          <a:p>
+            <a:pPr algn="ctr"/>
+            <a:endParaRPr lang="en-US"/>
+          </a:p>
+        </p:txBody>
+      </p:sp>
       <p:sp>
         <p:nvSpPr>
           <p:cNvPr id="2" name="Заголовок 1"/>
@@ -4096,81 +4164,357 @@
             <p:ph type="title"/>
           </p:nvPr>
         </p:nvSpPr>
-        <p:spPr/>
-        <p:txBody>
-          <a:bodyPr>
+        <p:spPr>
+          <a:xfrm>
+            <a:off x="630936" y="640080"/>
+            <a:ext cx="4818888" cy="1481328"/>
+          </a:xfrm>
+        </p:spPr>
+        <p:txBody>
+          <a:bodyPr vert="horz" lIns="91440" tIns="45720" rIns="91440" bIns="45720" rtlCol="0" anchor="b">
             <a:normAutofit/>
           </a:bodyPr>
           <a:lstStyle/>
           <a:p>
             <a:r>
-              <a:rPr lang="en-US" sz="3200" dirty="0"/>
-              <a:t>AWS </a:t>
-            </a:r>
-            <a:r>
-              <a:rPr lang="en-US" sz="3200" dirty="0" smtClean="0"/>
-              <a:t>Amplify</a:t>
-            </a:r>
-            <a:endParaRPr lang="en-US" sz="3200" dirty="0"/>
-          </a:p>
-        </p:txBody>
-      </p:sp>
-      <p:sp>
-        <p:nvSpPr>
-          <p:cNvPr id="3" name="Объект 2"/>
-          <p:cNvSpPr>
-            <a:spLocks noGrp="1"/>
-          </p:cNvSpPr>
-          <p:nvPr>
-            <p:ph sz="half" idx="1"/>
+              <a:rPr lang="en-US" sz="5400" kern="1200">
+                <a:solidFill>
+                  <a:schemeClr val="tx1"/>
+                </a:solidFill>
+                <a:latin typeface="+mj-lt"/>
+                <a:ea typeface="+mj-ea"/>
+                <a:cs typeface="+mj-cs"/>
+              </a:rPr>
+              <a:t>AWS Amplify</a:t>
+            </a:r>
+          </a:p>
+        </p:txBody>
+      </p:sp>
+      <p:sp>
+        <p:nvSpPr>
+          <p:cNvPr id="12" name="sketch line">
+            <a:extLst>
+              <a:ext uri="{FF2B5EF4-FFF2-40B4-BE49-F238E27FC236}">
+                <a16:creationId xmlns:a16="http://schemas.microsoft.com/office/drawing/2014/main" id="{71877DBC-BB60-40F0-AC93-2ACDBAAE60CE}"/>
+              </a:ext>
+              <a:ext uri="{C183D7F6-B498-43B3-948B-1728B52AA6E4}">
+                <adec:decorative xmlns:adec="http://schemas.microsoft.com/office/drawing/2017/decorative" val="1"/>
+              </a:ext>
+            </a:extLst>
+          </p:cNvPr>
+          <p:cNvSpPr>
+            <a:spLocks noGrp="1" noRot="1" noChangeAspect="1" noMove="1" noResize="1" noEditPoints="1" noAdjustHandles="1" noChangeArrowheads="1" noChangeShapeType="1" noTextEdit="1"/>
+          </p:cNvSpPr>
+          <p:nvPr>
+            <p:extLst>
+              <p:ext uri="{386F3935-93C4-4BCD-93E2-E3B085C9AB24}">
+                <p16:designElem xmlns:p16="http://schemas.microsoft.com/office/powerpoint/2015/main" val="1"/>
+              </p:ext>
+            </p:extLst>
           </p:nvPr>
         </p:nvSpPr>
         <p:spPr>
           <a:xfrm>
-            <a:off x="838200" y="1825625"/>
-            <a:ext cx="5855208" cy="4351338"/>
+            <a:off x="643278" y="2372868"/>
+            <a:ext cx="3255095" cy="18288"/>
+          </a:xfrm>
+          <a:custGeom>
+            <a:avLst/>
+            <a:gdLst>
+              <a:gd name="connsiteX0" fmla="*/ 0 w 3255095"/>
+              <a:gd name="connsiteY0" fmla="*/ 0 h 18288"/>
+              <a:gd name="connsiteX1" fmla="*/ 618468 w 3255095"/>
+              <a:gd name="connsiteY1" fmla="*/ 0 h 18288"/>
+              <a:gd name="connsiteX2" fmla="*/ 1269487 w 3255095"/>
+              <a:gd name="connsiteY2" fmla="*/ 0 h 18288"/>
+              <a:gd name="connsiteX3" fmla="*/ 1953057 w 3255095"/>
+              <a:gd name="connsiteY3" fmla="*/ 0 h 18288"/>
+              <a:gd name="connsiteX4" fmla="*/ 2636627 w 3255095"/>
+              <a:gd name="connsiteY4" fmla="*/ 0 h 18288"/>
+              <a:gd name="connsiteX5" fmla="*/ 3255095 w 3255095"/>
+              <a:gd name="connsiteY5" fmla="*/ 0 h 18288"/>
+              <a:gd name="connsiteX6" fmla="*/ 3255095 w 3255095"/>
+              <a:gd name="connsiteY6" fmla="*/ 18288 h 18288"/>
+              <a:gd name="connsiteX7" fmla="*/ 2538974 w 3255095"/>
+              <a:gd name="connsiteY7" fmla="*/ 18288 h 18288"/>
+              <a:gd name="connsiteX8" fmla="*/ 1822853 w 3255095"/>
+              <a:gd name="connsiteY8" fmla="*/ 18288 h 18288"/>
+              <a:gd name="connsiteX9" fmla="*/ 1171834 w 3255095"/>
+              <a:gd name="connsiteY9" fmla="*/ 18288 h 18288"/>
+              <a:gd name="connsiteX10" fmla="*/ 0 w 3255095"/>
+              <a:gd name="connsiteY10" fmla="*/ 18288 h 18288"/>
+              <a:gd name="connsiteX11" fmla="*/ 0 w 3255095"/>
+              <a:gd name="connsiteY11" fmla="*/ 0 h 18288"/>
+            </a:gdLst>
+            <a:ahLst/>
+            <a:cxnLst>
+              <a:cxn ang="0">
+                <a:pos x="connsiteX0" y="connsiteY0"/>
+              </a:cxn>
+              <a:cxn ang="0">
+                <a:pos x="connsiteX1" y="connsiteY1"/>
+              </a:cxn>
+              <a:cxn ang="0">
+                <a:pos x="connsiteX2" y="connsiteY2"/>
+              </a:cxn>
+              <a:cxn ang="0">
+                <a:pos x="connsiteX3" y="connsiteY3"/>
+              </a:cxn>
+              <a:cxn ang="0">
+                <a:pos x="connsiteX4" y="connsiteY4"/>
+              </a:cxn>
+              <a:cxn ang="0">
+                <a:pos x="connsiteX5" y="connsiteY5"/>
+              </a:cxn>
+              <a:cxn ang="0">
+                <a:pos x="connsiteX6" y="connsiteY6"/>
+              </a:cxn>
+              <a:cxn ang="0">
+                <a:pos x="connsiteX7" y="connsiteY7"/>
+              </a:cxn>
+              <a:cxn ang="0">
+                <a:pos x="connsiteX8" y="connsiteY8"/>
+              </a:cxn>
+              <a:cxn ang="0">
+                <a:pos x="connsiteX9" y="connsiteY9"/>
+              </a:cxn>
+              <a:cxn ang="0">
+                <a:pos x="connsiteX10" y="connsiteY10"/>
+              </a:cxn>
+              <a:cxn ang="0">
+                <a:pos x="connsiteX11" y="connsiteY11"/>
+              </a:cxn>
+            </a:cxnLst>
+            <a:rect l="l" t="t" r="r" b="b"/>
+            <a:pathLst>
+              <a:path w="3255095" h="18288" fill="none" extrusionOk="0">
+                <a:moveTo>
+                  <a:pt x="0" y="0"/>
+                </a:moveTo>
+                <a:cubicBezTo>
+                  <a:pt x="240201" y="-22123"/>
+                  <a:pt x="462021" y="-19623"/>
+                  <a:pt x="618468" y="0"/>
+                </a:cubicBezTo>
+                <a:cubicBezTo>
+                  <a:pt x="774915" y="19623"/>
+                  <a:pt x="974734" y="2035"/>
+                  <a:pt x="1269487" y="0"/>
+                </a:cubicBezTo>
+                <a:cubicBezTo>
+                  <a:pt x="1564240" y="-2035"/>
+                  <a:pt x="1733579" y="10639"/>
+                  <a:pt x="1953057" y="0"/>
+                </a:cubicBezTo>
+                <a:cubicBezTo>
+                  <a:pt x="2172535" y="-10639"/>
+                  <a:pt x="2453962" y="14018"/>
+                  <a:pt x="2636627" y="0"/>
+                </a:cubicBezTo>
+                <a:cubicBezTo>
+                  <a:pt x="2819292" y="-14018"/>
+                  <a:pt x="3121375" y="5399"/>
+                  <a:pt x="3255095" y="0"/>
+                </a:cubicBezTo>
+                <a:cubicBezTo>
+                  <a:pt x="3254386" y="8157"/>
+                  <a:pt x="3254682" y="12125"/>
+                  <a:pt x="3255095" y="18288"/>
+                </a:cubicBezTo>
+                <a:cubicBezTo>
+                  <a:pt x="3088545" y="23203"/>
+                  <a:pt x="2687475" y="7419"/>
+                  <a:pt x="2538974" y="18288"/>
+                </a:cubicBezTo>
+                <a:cubicBezTo>
+                  <a:pt x="2390473" y="29157"/>
+                  <a:pt x="2137381" y="-8959"/>
+                  <a:pt x="1822853" y="18288"/>
+                </a:cubicBezTo>
+                <a:cubicBezTo>
+                  <a:pt x="1508325" y="45535"/>
+                  <a:pt x="1466437" y="20385"/>
+                  <a:pt x="1171834" y="18288"/>
+                </a:cubicBezTo>
+                <a:cubicBezTo>
+                  <a:pt x="877231" y="16191"/>
+                  <a:pt x="561097" y="37643"/>
+                  <a:pt x="0" y="18288"/>
+                </a:cubicBezTo>
+                <a:cubicBezTo>
+                  <a:pt x="-46" y="12483"/>
+                  <a:pt x="-203" y="6491"/>
+                  <a:pt x="0" y="0"/>
+                </a:cubicBezTo>
+                <a:close/>
+              </a:path>
+              <a:path w="3255095" h="18288" stroke="0" extrusionOk="0">
+                <a:moveTo>
+                  <a:pt x="0" y="0"/>
+                </a:moveTo>
+                <a:cubicBezTo>
+                  <a:pt x="291965" y="19429"/>
+                  <a:pt x="363155" y="8568"/>
+                  <a:pt x="618468" y="0"/>
+                </a:cubicBezTo>
+                <a:cubicBezTo>
+                  <a:pt x="873781" y="-8568"/>
+                  <a:pt x="904459" y="-19505"/>
+                  <a:pt x="1171834" y="0"/>
+                </a:cubicBezTo>
+                <a:cubicBezTo>
+                  <a:pt x="1439209" y="19505"/>
+                  <a:pt x="1744369" y="9790"/>
+                  <a:pt x="1887955" y="0"/>
+                </a:cubicBezTo>
+                <a:cubicBezTo>
+                  <a:pt x="2031541" y="-9790"/>
+                  <a:pt x="2346378" y="21240"/>
+                  <a:pt x="2506423" y="0"/>
+                </a:cubicBezTo>
+                <a:cubicBezTo>
+                  <a:pt x="2666468" y="-21240"/>
+                  <a:pt x="2990257" y="30414"/>
+                  <a:pt x="3255095" y="0"/>
+                </a:cubicBezTo>
+                <a:cubicBezTo>
+                  <a:pt x="3254831" y="4493"/>
+                  <a:pt x="3255479" y="9472"/>
+                  <a:pt x="3255095" y="18288"/>
+                </a:cubicBezTo>
+                <a:cubicBezTo>
+                  <a:pt x="3120743" y="16690"/>
+                  <a:pt x="2759628" y="42462"/>
+                  <a:pt x="2604076" y="18288"/>
+                </a:cubicBezTo>
+                <a:cubicBezTo>
+                  <a:pt x="2448524" y="-5886"/>
+                  <a:pt x="2184336" y="19599"/>
+                  <a:pt x="1887955" y="18288"/>
+                </a:cubicBezTo>
+                <a:cubicBezTo>
+                  <a:pt x="1591574" y="16977"/>
+                  <a:pt x="1548845" y="6870"/>
+                  <a:pt x="1334589" y="18288"/>
+                </a:cubicBezTo>
+                <a:cubicBezTo>
+                  <a:pt x="1120333" y="29706"/>
+                  <a:pt x="996014" y="9662"/>
+                  <a:pt x="683570" y="18288"/>
+                </a:cubicBezTo>
+                <a:cubicBezTo>
+                  <a:pt x="371126" y="26914"/>
+                  <a:pt x="198687" y="16167"/>
+                  <a:pt x="0" y="18288"/>
+                </a:cubicBezTo>
+                <a:cubicBezTo>
+                  <a:pt x="843" y="9577"/>
+                  <a:pt x="371" y="6900"/>
+                  <a:pt x="0" y="0"/>
+                </a:cubicBezTo>
+                <a:close/>
+              </a:path>
+            </a:pathLst>
+          </a:custGeom>
+          <a:solidFill>
+            <a:schemeClr val="accent2"/>
+          </a:solidFill>
+          <a:ln w="38100" cap="rnd">
+            <a:solidFill>
+              <a:schemeClr val="accent2"/>
+            </a:solidFill>
+            <a:round/>
+            <a:extLst>
+              <a:ext uri="{C807C97D-BFC1-408E-A445-0C87EB9F89A2}">
+                <ask:lineSketchStyleProps xmlns:ask="http://schemas.microsoft.com/office/drawing/2018/sketchyshapes" sd="1219033472">
+                  <a:prstGeom prst="rect">
+                    <a:avLst/>
+                  </a:prstGeom>
+                  <ask:type>
+                    <ask:lineSketchFreehand/>
+                  </ask:type>
+                </ask:lineSketchStyleProps>
+              </a:ext>
+            </a:extLst>
+          </a:ln>
+        </p:spPr>
+        <p:style>
+          <a:lnRef idx="2">
+            <a:schemeClr val="accent1">
+              <a:shade val="50000"/>
+            </a:schemeClr>
+          </a:lnRef>
+          <a:fillRef idx="1">
+            <a:schemeClr val="accent1"/>
+          </a:fillRef>
+          <a:effectRef idx="0">
+            <a:schemeClr val="accent1"/>
+          </a:effectRef>
+          <a:fontRef idx="minor">
+            <a:schemeClr val="lt1"/>
+          </a:fontRef>
+        </p:style>
+        <p:txBody>
+          <a:bodyPr rtlCol="0" anchor="ctr"/>
+          <a:lstStyle/>
+          <a:p>
+            <a:pPr algn="ctr"/>
+            <a:endParaRPr lang="en-US"/>
+          </a:p>
+        </p:txBody>
+      </p:sp>
+      <p:sp>
+        <p:nvSpPr>
+          <p:cNvPr id="3" name="Объект 2"/>
+          <p:cNvSpPr>
+            <a:spLocks noGrp="1"/>
+          </p:cNvSpPr>
+          <p:nvPr>
+            <p:ph sz="half" idx="1"/>
+          </p:nvPr>
+        </p:nvSpPr>
+        <p:spPr>
+          <a:xfrm>
+            <a:off x="630936" y="2660904"/>
+            <a:ext cx="4818888" cy="3547872"/>
           </a:xfrm>
         </p:spPr>
         <p:txBody>
-          <a:bodyPr>
+          <a:bodyPr vert="horz" lIns="91440" tIns="45720" rIns="91440" bIns="45720" rtlCol="0" anchor="t">
             <a:normAutofit/>
           </a:bodyPr>
           <a:lstStyle/>
           <a:p>
-            <a:pPr marL="0" indent="0">
-              <a:buNone/>
-            </a:pPr>
-            <a:r>
-              <a:rPr lang="en-US" sz="1400" b="1" dirty="0" smtClean="0"/>
+            <a:pPr marL="0"/>
+            <a:r>
+              <a:rPr lang="en-US" sz="2200" b="1"/>
               <a:t>AWS Amplify </a:t>
             </a:r>
             <a:r>
-              <a:rPr lang="en-US" sz="1400" dirty="0" smtClean="0"/>
+              <a:rPr lang="en-US" sz="2200"/>
               <a:t>is a set of purpose-built tools and features that enables frontend web and mobile developers to quickly and easily build full-stack applications on AWS. </a:t>
             </a:r>
           </a:p>
           <a:p>
-            <a:pPr marL="0" indent="0">
-              <a:buNone/>
-            </a:pPr>
-            <a:r>
-              <a:rPr lang="en-US" sz="1400" dirty="0"/>
+            <a:pPr marL="0"/>
+            <a:r>
+              <a:rPr lang="en-US" sz="2200"/>
               <a:t>Amplify provides two services: </a:t>
             </a:r>
             <a:r>
-              <a:rPr lang="en-US" sz="1400" u="sng" dirty="0"/>
+              <a:rPr lang="en-US" sz="2200" u="sng"/>
               <a:t>Amplify Hosting </a:t>
             </a:r>
             <a:r>
-              <a:rPr lang="en-US" sz="1400" dirty="0"/>
+              <a:rPr lang="en-US" sz="2200"/>
               <a:t>and </a:t>
             </a:r>
             <a:r>
-              <a:rPr lang="en-US" sz="1400" u="sng" dirty="0"/>
+              <a:rPr lang="en-US" sz="2200" u="sng"/>
               <a:t>Amplify Studio</a:t>
             </a:r>
             <a:r>
-              <a:rPr lang="en-US" sz="1400" dirty="0"/>
+              <a:rPr lang="en-US" sz="2200"/>
               <a:t>.</a:t>
             </a:r>
           </a:p>
@@ -4192,8 +4536,8 @@
         </p:blipFill>
         <p:spPr>
           <a:xfrm>
-            <a:off x="7315200" y="2074545"/>
-            <a:ext cx="4772025" cy="3257550"/>
+            <a:off x="6099048" y="1566127"/>
+            <a:ext cx="5458968" cy="3725746"/>
           </a:xfrm>
           <a:prstGeom prst="rect">
             <a:avLst/>
@@ -4216,6 +4560,14 @@
 <file path=ppt/slides/slide2.xml><?xml version="1.0" encoding="utf-8"?>
 <p:sld xmlns:a="http://schemas.openxmlformats.org/drawingml/2006/main" xmlns:r="http://schemas.openxmlformats.org/officeDocument/2006/relationships" xmlns:p="http://schemas.openxmlformats.org/presentationml/2006/main">
   <p:cSld>
+    <p:bg>
+      <p:bgPr>
+        <a:solidFill>
+          <a:schemeClr val="bg1"/>
+        </a:solidFill>
+        <a:effectLst/>
+      </p:bgPr>
+    </p:bg>
     <p:spTree>
       <p:nvGrpSpPr>
         <p:cNvPr id="1" name=""/>
@@ -4230,6 +4582,66 @@
           <a:chExt cx="0" cy="0"/>
         </a:xfrm>
       </p:grpSpPr>
+      <p:sp useBgFill="1">
+        <p:nvSpPr>
+          <p:cNvPr id="9" name="Rectangle 8">
+            <a:extLst>
+              <a:ext uri="{FF2B5EF4-FFF2-40B4-BE49-F238E27FC236}">
+                <a16:creationId xmlns:a16="http://schemas.microsoft.com/office/drawing/2014/main" id="{743AA782-23D1-4521-8CAD-47662984AA08}"/>
+              </a:ext>
+              <a:ext uri="{C183D7F6-B498-43B3-948B-1728B52AA6E4}">
+                <adec:decorative xmlns:adec="http://schemas.microsoft.com/office/drawing/2017/decorative" val="1"/>
+              </a:ext>
+            </a:extLst>
+          </p:cNvPr>
+          <p:cNvSpPr>
+            <a:spLocks noGrp="1" noRot="1" noChangeAspect="1" noMove="1" noResize="1" noEditPoints="1" noAdjustHandles="1" noChangeArrowheads="1" noChangeShapeType="1" noTextEdit="1"/>
+          </p:cNvSpPr>
+          <p:nvPr>
+            <p:extLst>
+              <p:ext uri="{386F3935-93C4-4BCD-93E2-E3B085C9AB24}">
+                <p16:designElem xmlns:p16="http://schemas.microsoft.com/office/powerpoint/2015/main" val="1"/>
+              </p:ext>
+            </p:extLst>
+          </p:nvPr>
+        </p:nvSpPr>
+        <p:spPr>
+          <a:xfrm>
+            <a:off x="0" y="0"/>
+            <a:ext cx="12192000" cy="6858000"/>
+          </a:xfrm>
+          <a:prstGeom prst="rect">
+            <a:avLst/>
+          </a:prstGeom>
+          <a:ln>
+            <a:noFill/>
+          </a:ln>
+        </p:spPr>
+        <p:style>
+          <a:lnRef idx="2">
+            <a:schemeClr val="accent1">
+              <a:shade val="50000"/>
+            </a:schemeClr>
+          </a:lnRef>
+          <a:fillRef idx="1">
+            <a:schemeClr val="accent1"/>
+          </a:fillRef>
+          <a:effectRef idx="0">
+            <a:schemeClr val="accent1"/>
+          </a:effectRef>
+          <a:fontRef idx="minor">
+            <a:schemeClr val="lt1"/>
+          </a:fontRef>
+        </p:style>
+        <p:txBody>
+          <a:bodyPr rtlCol="0" anchor="ctr"/>
+          <a:lstStyle/>
+          <a:p>
+            <a:pPr algn="ctr"/>
+            <a:endParaRPr lang="en-US"/>
+          </a:p>
+        </p:txBody>
+      </p:sp>
       <p:sp>
         <p:nvSpPr>
           <p:cNvPr id="2" name="Заголовок 1"/>
@@ -4240,121 +4652,343 @@
             <p:ph type="title"/>
           </p:nvPr>
         </p:nvSpPr>
-        <p:spPr/>
-        <p:txBody>
-          <a:bodyPr>
+        <p:spPr>
+          <a:xfrm>
+            <a:off x="630936" y="640080"/>
+            <a:ext cx="4818888" cy="1481328"/>
+          </a:xfrm>
+        </p:spPr>
+        <p:txBody>
+          <a:bodyPr vert="horz" lIns="91440" tIns="45720" rIns="91440" bIns="45720" rtlCol="0" anchor="b">
             <a:normAutofit/>
           </a:bodyPr>
           <a:lstStyle/>
           <a:p>
             <a:r>
-              <a:rPr lang="en-US" sz="3200" dirty="0"/>
+              <a:rPr lang="en-US" sz="3800" kern="1200">
+                <a:solidFill>
+                  <a:schemeClr val="tx1"/>
+                </a:solidFill>
+                <a:latin typeface="+mj-lt"/>
+                <a:ea typeface="+mj-ea"/>
+                <a:cs typeface="+mj-cs"/>
+              </a:rPr>
               <a:t>AWS Amplify - web and mobile applications </a:t>
             </a:r>
-            <a:endParaRPr lang="en-US" sz="3200" dirty="0"/>
-          </a:p>
-        </p:txBody>
-      </p:sp>
-      <p:sp>
-        <p:nvSpPr>
-          <p:cNvPr id="3" name="Объект 2"/>
-          <p:cNvSpPr>
-            <a:spLocks noGrp="1"/>
-          </p:cNvSpPr>
-          <p:nvPr>
-            <p:ph sz="half" idx="1"/>
+          </a:p>
+        </p:txBody>
+      </p:sp>
+      <p:sp>
+        <p:nvSpPr>
+          <p:cNvPr id="11" name="sketch line">
+            <a:extLst>
+              <a:ext uri="{FF2B5EF4-FFF2-40B4-BE49-F238E27FC236}">
+                <a16:creationId xmlns:a16="http://schemas.microsoft.com/office/drawing/2014/main" id="{71877DBC-BB60-40F0-AC93-2ACDBAAE60CE}"/>
+              </a:ext>
+              <a:ext uri="{C183D7F6-B498-43B3-948B-1728B52AA6E4}">
+                <adec:decorative xmlns:adec="http://schemas.microsoft.com/office/drawing/2017/decorative" val="1"/>
+              </a:ext>
+            </a:extLst>
+          </p:cNvPr>
+          <p:cNvSpPr>
+            <a:spLocks noGrp="1" noRot="1" noChangeAspect="1" noMove="1" noResize="1" noEditPoints="1" noAdjustHandles="1" noChangeArrowheads="1" noChangeShapeType="1" noTextEdit="1"/>
+          </p:cNvSpPr>
+          <p:nvPr>
+            <p:extLst>
+              <p:ext uri="{386F3935-93C4-4BCD-93E2-E3B085C9AB24}">
+                <p16:designElem xmlns:p16="http://schemas.microsoft.com/office/powerpoint/2015/main" val="1"/>
+              </p:ext>
+            </p:extLst>
           </p:nvPr>
         </p:nvSpPr>
         <p:spPr>
           <a:xfrm>
-            <a:off x="329184" y="1825625"/>
-            <a:ext cx="10835640" cy="4351338"/>
+            <a:off x="643278" y="2372868"/>
+            <a:ext cx="3255095" cy="18288"/>
+          </a:xfrm>
+          <a:custGeom>
+            <a:avLst/>
+            <a:gdLst>
+              <a:gd name="connsiteX0" fmla="*/ 0 w 3255095"/>
+              <a:gd name="connsiteY0" fmla="*/ 0 h 18288"/>
+              <a:gd name="connsiteX1" fmla="*/ 618468 w 3255095"/>
+              <a:gd name="connsiteY1" fmla="*/ 0 h 18288"/>
+              <a:gd name="connsiteX2" fmla="*/ 1269487 w 3255095"/>
+              <a:gd name="connsiteY2" fmla="*/ 0 h 18288"/>
+              <a:gd name="connsiteX3" fmla="*/ 1953057 w 3255095"/>
+              <a:gd name="connsiteY3" fmla="*/ 0 h 18288"/>
+              <a:gd name="connsiteX4" fmla="*/ 2636627 w 3255095"/>
+              <a:gd name="connsiteY4" fmla="*/ 0 h 18288"/>
+              <a:gd name="connsiteX5" fmla="*/ 3255095 w 3255095"/>
+              <a:gd name="connsiteY5" fmla="*/ 0 h 18288"/>
+              <a:gd name="connsiteX6" fmla="*/ 3255095 w 3255095"/>
+              <a:gd name="connsiteY6" fmla="*/ 18288 h 18288"/>
+              <a:gd name="connsiteX7" fmla="*/ 2538974 w 3255095"/>
+              <a:gd name="connsiteY7" fmla="*/ 18288 h 18288"/>
+              <a:gd name="connsiteX8" fmla="*/ 1822853 w 3255095"/>
+              <a:gd name="connsiteY8" fmla="*/ 18288 h 18288"/>
+              <a:gd name="connsiteX9" fmla="*/ 1171834 w 3255095"/>
+              <a:gd name="connsiteY9" fmla="*/ 18288 h 18288"/>
+              <a:gd name="connsiteX10" fmla="*/ 0 w 3255095"/>
+              <a:gd name="connsiteY10" fmla="*/ 18288 h 18288"/>
+              <a:gd name="connsiteX11" fmla="*/ 0 w 3255095"/>
+              <a:gd name="connsiteY11" fmla="*/ 0 h 18288"/>
+            </a:gdLst>
+            <a:ahLst/>
+            <a:cxnLst>
+              <a:cxn ang="0">
+                <a:pos x="connsiteX0" y="connsiteY0"/>
+              </a:cxn>
+              <a:cxn ang="0">
+                <a:pos x="connsiteX1" y="connsiteY1"/>
+              </a:cxn>
+              <a:cxn ang="0">
+                <a:pos x="connsiteX2" y="connsiteY2"/>
+              </a:cxn>
+              <a:cxn ang="0">
+                <a:pos x="connsiteX3" y="connsiteY3"/>
+              </a:cxn>
+              <a:cxn ang="0">
+                <a:pos x="connsiteX4" y="connsiteY4"/>
+              </a:cxn>
+              <a:cxn ang="0">
+                <a:pos x="connsiteX5" y="connsiteY5"/>
+              </a:cxn>
+              <a:cxn ang="0">
+                <a:pos x="connsiteX6" y="connsiteY6"/>
+              </a:cxn>
+              <a:cxn ang="0">
+                <a:pos x="connsiteX7" y="connsiteY7"/>
+              </a:cxn>
+              <a:cxn ang="0">
+                <a:pos x="connsiteX8" y="connsiteY8"/>
+              </a:cxn>
+              <a:cxn ang="0">
+                <a:pos x="connsiteX9" y="connsiteY9"/>
+              </a:cxn>
+              <a:cxn ang="0">
+                <a:pos x="connsiteX10" y="connsiteY10"/>
+              </a:cxn>
+              <a:cxn ang="0">
+                <a:pos x="connsiteX11" y="connsiteY11"/>
+              </a:cxn>
+            </a:cxnLst>
+            <a:rect l="l" t="t" r="r" b="b"/>
+            <a:pathLst>
+              <a:path w="3255095" h="18288" fill="none" extrusionOk="0">
+                <a:moveTo>
+                  <a:pt x="0" y="0"/>
+                </a:moveTo>
+                <a:cubicBezTo>
+                  <a:pt x="240201" y="-22123"/>
+                  <a:pt x="462021" y="-19623"/>
+                  <a:pt x="618468" y="0"/>
+                </a:cubicBezTo>
+                <a:cubicBezTo>
+                  <a:pt x="774915" y="19623"/>
+                  <a:pt x="974734" y="2035"/>
+                  <a:pt x="1269487" y="0"/>
+                </a:cubicBezTo>
+                <a:cubicBezTo>
+                  <a:pt x="1564240" y="-2035"/>
+                  <a:pt x="1733579" y="10639"/>
+                  <a:pt x="1953057" y="0"/>
+                </a:cubicBezTo>
+                <a:cubicBezTo>
+                  <a:pt x="2172535" y="-10639"/>
+                  <a:pt x="2453962" y="14018"/>
+                  <a:pt x="2636627" y="0"/>
+                </a:cubicBezTo>
+                <a:cubicBezTo>
+                  <a:pt x="2819292" y="-14018"/>
+                  <a:pt x="3121375" y="5399"/>
+                  <a:pt x="3255095" y="0"/>
+                </a:cubicBezTo>
+                <a:cubicBezTo>
+                  <a:pt x="3254386" y="8157"/>
+                  <a:pt x="3254682" y="12125"/>
+                  <a:pt x="3255095" y="18288"/>
+                </a:cubicBezTo>
+                <a:cubicBezTo>
+                  <a:pt x="3088545" y="23203"/>
+                  <a:pt x="2687475" y="7419"/>
+                  <a:pt x="2538974" y="18288"/>
+                </a:cubicBezTo>
+                <a:cubicBezTo>
+                  <a:pt x="2390473" y="29157"/>
+                  <a:pt x="2137381" y="-8959"/>
+                  <a:pt x="1822853" y="18288"/>
+                </a:cubicBezTo>
+                <a:cubicBezTo>
+                  <a:pt x="1508325" y="45535"/>
+                  <a:pt x="1466437" y="20385"/>
+                  <a:pt x="1171834" y="18288"/>
+                </a:cubicBezTo>
+                <a:cubicBezTo>
+                  <a:pt x="877231" y="16191"/>
+                  <a:pt x="561097" y="37643"/>
+                  <a:pt x="0" y="18288"/>
+                </a:cubicBezTo>
+                <a:cubicBezTo>
+                  <a:pt x="-46" y="12483"/>
+                  <a:pt x="-203" y="6491"/>
+                  <a:pt x="0" y="0"/>
+                </a:cubicBezTo>
+                <a:close/>
+              </a:path>
+              <a:path w="3255095" h="18288" stroke="0" extrusionOk="0">
+                <a:moveTo>
+                  <a:pt x="0" y="0"/>
+                </a:moveTo>
+                <a:cubicBezTo>
+                  <a:pt x="291965" y="19429"/>
+                  <a:pt x="363155" y="8568"/>
+                  <a:pt x="618468" y="0"/>
+                </a:cubicBezTo>
+                <a:cubicBezTo>
+                  <a:pt x="873781" y="-8568"/>
+                  <a:pt x="904459" y="-19505"/>
+                  <a:pt x="1171834" y="0"/>
+                </a:cubicBezTo>
+                <a:cubicBezTo>
+                  <a:pt x="1439209" y="19505"/>
+                  <a:pt x="1744369" y="9790"/>
+                  <a:pt x="1887955" y="0"/>
+                </a:cubicBezTo>
+                <a:cubicBezTo>
+                  <a:pt x="2031541" y="-9790"/>
+                  <a:pt x="2346378" y="21240"/>
+                  <a:pt x="2506423" y="0"/>
+                </a:cubicBezTo>
+                <a:cubicBezTo>
+                  <a:pt x="2666468" y="-21240"/>
+                  <a:pt x="2990257" y="30414"/>
+                  <a:pt x="3255095" y="0"/>
+                </a:cubicBezTo>
+                <a:cubicBezTo>
+                  <a:pt x="3254831" y="4493"/>
+                  <a:pt x="3255479" y="9472"/>
+                  <a:pt x="3255095" y="18288"/>
+                </a:cubicBezTo>
+                <a:cubicBezTo>
+                  <a:pt x="3120743" y="16690"/>
+                  <a:pt x="2759628" y="42462"/>
+                  <a:pt x="2604076" y="18288"/>
+                </a:cubicBezTo>
+                <a:cubicBezTo>
+                  <a:pt x="2448524" y="-5886"/>
+                  <a:pt x="2184336" y="19599"/>
+                  <a:pt x="1887955" y="18288"/>
+                </a:cubicBezTo>
+                <a:cubicBezTo>
+                  <a:pt x="1591574" y="16977"/>
+                  <a:pt x="1548845" y="6870"/>
+                  <a:pt x="1334589" y="18288"/>
+                </a:cubicBezTo>
+                <a:cubicBezTo>
+                  <a:pt x="1120333" y="29706"/>
+                  <a:pt x="996014" y="9662"/>
+                  <a:pt x="683570" y="18288"/>
+                </a:cubicBezTo>
+                <a:cubicBezTo>
+                  <a:pt x="371126" y="26914"/>
+                  <a:pt x="198687" y="16167"/>
+                  <a:pt x="0" y="18288"/>
+                </a:cubicBezTo>
+                <a:cubicBezTo>
+                  <a:pt x="843" y="9577"/>
+                  <a:pt x="371" y="6900"/>
+                  <a:pt x="0" y="0"/>
+                </a:cubicBezTo>
+                <a:close/>
+              </a:path>
+            </a:pathLst>
+          </a:custGeom>
+          <a:solidFill>
+            <a:schemeClr val="accent2"/>
+          </a:solidFill>
+          <a:ln w="38100" cap="rnd">
+            <a:solidFill>
+              <a:schemeClr val="accent2"/>
+            </a:solidFill>
+            <a:round/>
+            <a:extLst>
+              <a:ext uri="{C807C97D-BFC1-408E-A445-0C87EB9F89A2}">
+                <ask:lineSketchStyleProps xmlns:ask="http://schemas.microsoft.com/office/drawing/2018/sketchyshapes" sd="1219033472">
+                  <a:prstGeom prst="rect">
+                    <a:avLst/>
+                  </a:prstGeom>
+                  <ask:type>
+                    <ask:lineSketchFreehand/>
+                  </ask:type>
+                </ask:lineSketchStyleProps>
+              </a:ext>
+            </a:extLst>
+          </a:ln>
+        </p:spPr>
+        <p:style>
+          <a:lnRef idx="2">
+            <a:schemeClr val="accent1">
+              <a:shade val="50000"/>
+            </a:schemeClr>
+          </a:lnRef>
+          <a:fillRef idx="1">
+            <a:schemeClr val="accent1"/>
+          </a:fillRef>
+          <a:effectRef idx="0">
+            <a:schemeClr val="accent1"/>
+          </a:effectRef>
+          <a:fontRef idx="minor">
+            <a:schemeClr val="lt1"/>
+          </a:fontRef>
+        </p:style>
+        <p:txBody>
+          <a:bodyPr rtlCol="0" anchor="ctr"/>
+          <a:lstStyle/>
+          <a:p>
+            <a:pPr algn="ctr"/>
+            <a:endParaRPr lang="en-US"/>
+          </a:p>
+        </p:txBody>
+      </p:sp>
+      <p:sp>
+        <p:nvSpPr>
+          <p:cNvPr id="3" name="Объект 2"/>
+          <p:cNvSpPr>
+            <a:spLocks noGrp="1"/>
+          </p:cNvSpPr>
+          <p:nvPr>
+            <p:ph sz="half" idx="1"/>
+          </p:nvPr>
+        </p:nvSpPr>
+        <p:spPr>
+          <a:xfrm>
+            <a:off x="630936" y="2660904"/>
+            <a:ext cx="4818888" cy="3547872"/>
           </a:xfrm>
         </p:spPr>
         <p:txBody>
-          <a:bodyPr>
+          <a:bodyPr vert="horz" lIns="91440" tIns="45720" rIns="91440" bIns="45720" rtlCol="0" anchor="t">
             <a:normAutofit/>
           </a:bodyPr>
           <a:lstStyle/>
           <a:p>
             <a:r>
-              <a:rPr lang="en-US" sz="1400" dirty="0"/>
-              <a:t>A set of tools and services that helps you develop and deploy scalable full stack web and mobile </a:t>
-            </a:r>
-            <a:r>
-              <a:rPr lang="en-US" sz="1400" dirty="0" smtClean="0"/>
-              <a:t>applications </a:t>
-            </a:r>
-            <a:endParaRPr lang="en-US" sz="1400" dirty="0"/>
-          </a:p>
-          <a:p>
-            <a:r>
-              <a:rPr lang="en-US" sz="1400" dirty="0" smtClean="0"/>
-              <a:t>Authentication</a:t>
-            </a:r>
-            <a:r>
-              <a:rPr lang="en-US" sz="1400" dirty="0"/>
-              <a:t>, Storage, API (REST, </a:t>
-            </a:r>
-            <a:r>
-              <a:rPr lang="en-US" sz="1400" dirty="0" err="1"/>
-              <a:t>GraphQL</a:t>
-            </a:r>
-            <a:r>
-              <a:rPr lang="en-US" sz="1400" dirty="0"/>
-              <a:t>), CI/CD, </a:t>
-            </a:r>
-            <a:r>
-              <a:rPr lang="en-US" sz="1400" dirty="0" err="1"/>
-              <a:t>PubSub</a:t>
-            </a:r>
-            <a:r>
-              <a:rPr lang="en-US" sz="1400" dirty="0"/>
-              <a:t>, Analytics, AI/ML Predictions, Monitoring, …</a:t>
-            </a:r>
-          </a:p>
-          <a:p>
-            <a:r>
-              <a:rPr lang="en-US" sz="1400" dirty="0" smtClean="0"/>
-              <a:t>Connect </a:t>
-            </a:r>
-            <a:r>
-              <a:rPr lang="en-US" sz="1400" dirty="0"/>
-              <a:t>your source code from </a:t>
-            </a:r>
-            <a:r>
-              <a:rPr lang="en-US" sz="1400" dirty="0" err="1"/>
-              <a:t>GitHub</a:t>
-            </a:r>
-            <a:r>
-              <a:rPr lang="en-US" sz="1400" dirty="0"/>
-              <a:t>, AWS </a:t>
-            </a:r>
-            <a:r>
-              <a:rPr lang="en-US" sz="1400" dirty="0" err="1"/>
-              <a:t>CodeCommit</a:t>
-            </a:r>
-            <a:r>
-              <a:rPr lang="en-US" sz="1400" dirty="0"/>
-              <a:t>, </a:t>
-            </a:r>
-            <a:r>
-              <a:rPr lang="en-US" sz="1400" dirty="0" err="1"/>
-              <a:t>Bitbucket</a:t>
-            </a:r>
-            <a:r>
-              <a:rPr lang="en-US" sz="1400" dirty="0"/>
-              <a:t>, </a:t>
-            </a:r>
-            <a:r>
-              <a:rPr lang="en-US" sz="1400" dirty="0" err="1"/>
-              <a:t>GitLab</a:t>
-            </a:r>
-            <a:r>
-              <a:rPr lang="en-US" sz="1400" dirty="0"/>
-              <a:t>, or upload directly</a:t>
-            </a:r>
-            <a:endParaRPr lang="en-US" sz="1400" dirty="0"/>
+              <a:rPr lang="en-US" sz="2200"/>
+              <a:t>A set of tools and services that helps you develop and deploy scalable full stack web and mobile applications </a:t>
+            </a:r>
+          </a:p>
+          <a:p>
+            <a:r>
+              <a:rPr lang="en-US" sz="2200"/>
+              <a:t>Authentication, Storage, API (REST, GraphQL), CI/CD, PubSub, Analytics, AI/ML Predictions, Monitoring, …</a:t>
+            </a:r>
+          </a:p>
+          <a:p>
+            <a:r>
+              <a:rPr lang="en-US" sz="2200"/>
+              <a:t>Connect your source code from GitHub, AWS CodeCommit, Bitbucket, GitLab, or upload directly</a:t>
+            </a:r>
           </a:p>
         </p:txBody>
       </p:sp>
@@ -4380,8 +5014,8 @@
         </p:blipFill>
         <p:spPr>
           <a:xfrm>
-            <a:off x="980837" y="3182303"/>
-            <a:ext cx="9532333" cy="2875788"/>
+            <a:off x="6099048" y="2603331"/>
+            <a:ext cx="5458968" cy="1651337"/>
           </a:xfrm>
           <a:prstGeom prst="rect">
             <a:avLst/>
@@ -4404,6 +5038,14 @@
 <file path=ppt/slides/slide3.xml><?xml version="1.0" encoding="utf-8"?>
 <p:sld xmlns:a="http://schemas.openxmlformats.org/drawingml/2006/main" xmlns:r="http://schemas.openxmlformats.org/officeDocument/2006/relationships" xmlns:p="http://schemas.openxmlformats.org/presentationml/2006/main">
   <p:cSld>
+    <p:bg>
+      <p:bgPr>
+        <a:solidFill>
+          <a:schemeClr val="bg1"/>
+        </a:solidFill>
+        <a:effectLst/>
+      </p:bgPr>
+    </p:bg>
     <p:spTree>
       <p:nvGrpSpPr>
         <p:cNvPr id="1" name=""/>
@@ -4418,6 +5060,66 @@
           <a:chExt cx="0" cy="0"/>
         </a:xfrm>
       </p:grpSpPr>
+      <p:sp useBgFill="1">
+        <p:nvSpPr>
+          <p:cNvPr id="8" name="Rectangle 7">
+            <a:extLst>
+              <a:ext uri="{FF2B5EF4-FFF2-40B4-BE49-F238E27FC236}">
+                <a16:creationId xmlns:a16="http://schemas.microsoft.com/office/drawing/2014/main" id="{100EDD19-6802-4EC3-95CE-CFFAB042CFD6}"/>
+              </a:ext>
+              <a:ext uri="{C183D7F6-B498-43B3-948B-1728B52AA6E4}">
+                <adec:decorative xmlns:adec="http://schemas.microsoft.com/office/drawing/2017/decorative" val="1"/>
+              </a:ext>
+            </a:extLst>
+          </p:cNvPr>
+          <p:cNvSpPr>
+            <a:spLocks noGrp="1" noRot="1" noChangeAspect="1" noMove="1" noResize="1" noEditPoints="1" noAdjustHandles="1" noChangeArrowheads="1" noChangeShapeType="1" noTextEdit="1"/>
+          </p:cNvSpPr>
+          <p:nvPr>
+            <p:extLst>
+              <p:ext uri="{386F3935-93C4-4BCD-93E2-E3B085C9AB24}">
+                <p16:designElem xmlns:p16="http://schemas.microsoft.com/office/powerpoint/2015/main" val="1"/>
+              </p:ext>
+            </p:extLst>
+          </p:nvPr>
+        </p:nvSpPr>
+        <p:spPr>
+          <a:xfrm>
+            <a:off x="0" y="0"/>
+            <a:ext cx="12188952" cy="6858000"/>
+          </a:xfrm>
+          <a:prstGeom prst="rect">
+            <a:avLst/>
+          </a:prstGeom>
+          <a:ln>
+            <a:noFill/>
+          </a:ln>
+        </p:spPr>
+        <p:style>
+          <a:lnRef idx="2">
+            <a:schemeClr val="accent1">
+              <a:shade val="50000"/>
+            </a:schemeClr>
+          </a:lnRef>
+          <a:fillRef idx="1">
+            <a:schemeClr val="accent1"/>
+          </a:fillRef>
+          <a:effectRef idx="0">
+            <a:schemeClr val="accent1"/>
+          </a:effectRef>
+          <a:fontRef idx="minor">
+            <a:schemeClr val="lt1"/>
+          </a:fontRef>
+        </p:style>
+        <p:txBody>
+          <a:bodyPr rtlCol="0" anchor="ctr"/>
+          <a:lstStyle/>
+          <a:p>
+            <a:pPr algn="ctr"/>
+            <a:endParaRPr lang="en-US"/>
+          </a:p>
+        </p:txBody>
+      </p:sp>
       <p:sp>
         <p:nvSpPr>
           <p:cNvPr id="2" name="Заголовок 1"/>
@@ -4428,180 +5130,808 @@
             <p:ph type="title"/>
           </p:nvPr>
         </p:nvSpPr>
-        <p:spPr/>
-        <p:txBody>
-          <a:bodyPr>
+        <p:spPr>
+          <a:xfrm>
+            <a:off x="838200" y="365125"/>
+            <a:ext cx="10515600" cy="1325563"/>
+          </a:xfrm>
+        </p:spPr>
+        <p:txBody>
+          <a:bodyPr vert="horz" lIns="91440" tIns="45720" rIns="91440" bIns="45720" rtlCol="0" anchor="ctr">
             <a:normAutofit/>
           </a:bodyPr>
           <a:lstStyle/>
           <a:p>
             <a:r>
-              <a:rPr lang="en-US" sz="3200" dirty="0"/>
-              <a:t>Amplify Hosting </a:t>
-            </a:r>
-            <a:r>
-              <a:rPr lang="en-US" sz="3200" dirty="0" smtClean="0"/>
-              <a:t>features</a:t>
-            </a:r>
-            <a:endParaRPr lang="en-US" sz="3200" dirty="0"/>
-          </a:p>
-        </p:txBody>
-      </p:sp>
-      <p:sp>
-        <p:nvSpPr>
-          <p:cNvPr id="3" name="Объект 2"/>
-          <p:cNvSpPr>
-            <a:spLocks noGrp="1"/>
-          </p:cNvSpPr>
-          <p:nvPr>
-            <p:ph sz="half" idx="1"/>
+              <a:rPr lang="en-US" sz="5400" kern="1200">
+                <a:solidFill>
+                  <a:schemeClr val="tx1"/>
+                </a:solidFill>
+                <a:latin typeface="+mj-lt"/>
+                <a:ea typeface="+mj-ea"/>
+                <a:cs typeface="+mj-cs"/>
+              </a:rPr>
+              <a:t>Amplify Hosting features</a:t>
+            </a:r>
+          </a:p>
+        </p:txBody>
+      </p:sp>
+      <p:sp>
+        <p:nvSpPr>
+          <p:cNvPr id="10" name="sketch line">
+            <a:extLst>
+              <a:ext uri="{FF2B5EF4-FFF2-40B4-BE49-F238E27FC236}">
+                <a16:creationId xmlns:a16="http://schemas.microsoft.com/office/drawing/2014/main" id="{DB17E863-922E-4C26-BD64-E8FD41D28661}"/>
+              </a:ext>
+              <a:ext uri="{C183D7F6-B498-43B3-948B-1728B52AA6E4}">
+                <adec:decorative xmlns:adec="http://schemas.microsoft.com/office/drawing/2017/decorative" val="1"/>
+              </a:ext>
+            </a:extLst>
+          </p:cNvPr>
+          <p:cNvSpPr>
+            <a:spLocks noGrp="1" noRot="1" noChangeAspect="1" noMove="1" noResize="1" noEditPoints="1" noAdjustHandles="1" noChangeArrowheads="1" noChangeShapeType="1" noTextEdit="1"/>
+          </p:cNvSpPr>
+          <p:nvPr>
+            <p:extLst>
+              <p:ext uri="{386F3935-93C4-4BCD-93E2-E3B085C9AB24}">
+                <p16:designElem xmlns:p16="http://schemas.microsoft.com/office/powerpoint/2015/main" val="1"/>
+              </p:ext>
+            </p:extLst>
           </p:nvPr>
         </p:nvSpPr>
         <p:spPr>
           <a:xfrm>
-            <a:off x="173736" y="1825625"/>
-            <a:ext cx="10680192" cy="4351338"/>
+            <a:off x="669036" y="1677373"/>
+            <a:ext cx="10853928" cy="18288"/>
+          </a:xfrm>
+          <a:custGeom>
+            <a:avLst/>
+            <a:gdLst>
+              <a:gd name="connsiteX0" fmla="*/ 0 w 10853928"/>
+              <a:gd name="connsiteY0" fmla="*/ 0 h 18288"/>
+              <a:gd name="connsiteX1" fmla="*/ 461292 w 10853928"/>
+              <a:gd name="connsiteY1" fmla="*/ 0 h 18288"/>
+              <a:gd name="connsiteX2" fmla="*/ 1139662 w 10853928"/>
+              <a:gd name="connsiteY2" fmla="*/ 0 h 18288"/>
+              <a:gd name="connsiteX3" fmla="*/ 1926572 w 10853928"/>
+              <a:gd name="connsiteY3" fmla="*/ 0 h 18288"/>
+              <a:gd name="connsiteX4" fmla="*/ 2279325 w 10853928"/>
+              <a:gd name="connsiteY4" fmla="*/ 0 h 18288"/>
+              <a:gd name="connsiteX5" fmla="*/ 2632078 w 10853928"/>
+              <a:gd name="connsiteY5" fmla="*/ 0 h 18288"/>
+              <a:gd name="connsiteX6" fmla="*/ 3527527 w 10853928"/>
+              <a:gd name="connsiteY6" fmla="*/ 0 h 18288"/>
+              <a:gd name="connsiteX7" fmla="*/ 4205897 w 10853928"/>
+              <a:gd name="connsiteY7" fmla="*/ 0 h 18288"/>
+              <a:gd name="connsiteX8" fmla="*/ 4558650 w 10853928"/>
+              <a:gd name="connsiteY8" fmla="*/ 0 h 18288"/>
+              <a:gd name="connsiteX9" fmla="*/ 5237020 w 10853928"/>
+              <a:gd name="connsiteY9" fmla="*/ 0 h 18288"/>
+              <a:gd name="connsiteX10" fmla="*/ 6132469 w 10853928"/>
+              <a:gd name="connsiteY10" fmla="*/ 0 h 18288"/>
+              <a:gd name="connsiteX11" fmla="*/ 6702301 w 10853928"/>
+              <a:gd name="connsiteY11" fmla="*/ 0 h 18288"/>
+              <a:gd name="connsiteX12" fmla="*/ 7272132 w 10853928"/>
+              <a:gd name="connsiteY12" fmla="*/ 0 h 18288"/>
+              <a:gd name="connsiteX13" fmla="*/ 7950502 w 10853928"/>
+              <a:gd name="connsiteY13" fmla="*/ 0 h 18288"/>
+              <a:gd name="connsiteX14" fmla="*/ 8737412 w 10853928"/>
+              <a:gd name="connsiteY14" fmla="*/ 0 h 18288"/>
+              <a:gd name="connsiteX15" fmla="*/ 9524322 w 10853928"/>
+              <a:gd name="connsiteY15" fmla="*/ 0 h 18288"/>
+              <a:gd name="connsiteX16" fmla="*/ 10853928 w 10853928"/>
+              <a:gd name="connsiteY16" fmla="*/ 0 h 18288"/>
+              <a:gd name="connsiteX17" fmla="*/ 10853928 w 10853928"/>
+              <a:gd name="connsiteY17" fmla="*/ 18288 h 18288"/>
+              <a:gd name="connsiteX18" fmla="*/ 10392636 w 10853928"/>
+              <a:gd name="connsiteY18" fmla="*/ 18288 h 18288"/>
+              <a:gd name="connsiteX19" fmla="*/ 9497187 w 10853928"/>
+              <a:gd name="connsiteY19" fmla="*/ 18288 h 18288"/>
+              <a:gd name="connsiteX20" fmla="*/ 8818817 w 10853928"/>
+              <a:gd name="connsiteY20" fmla="*/ 18288 h 18288"/>
+              <a:gd name="connsiteX21" fmla="*/ 8466064 w 10853928"/>
+              <a:gd name="connsiteY21" fmla="*/ 18288 h 18288"/>
+              <a:gd name="connsiteX22" fmla="*/ 7787693 w 10853928"/>
+              <a:gd name="connsiteY22" fmla="*/ 18288 h 18288"/>
+              <a:gd name="connsiteX23" fmla="*/ 7217862 w 10853928"/>
+              <a:gd name="connsiteY23" fmla="*/ 18288 h 18288"/>
+              <a:gd name="connsiteX24" fmla="*/ 6648031 w 10853928"/>
+              <a:gd name="connsiteY24" fmla="*/ 18288 h 18288"/>
+              <a:gd name="connsiteX25" fmla="*/ 6078200 w 10853928"/>
+              <a:gd name="connsiteY25" fmla="*/ 18288 h 18288"/>
+              <a:gd name="connsiteX26" fmla="*/ 5508368 w 10853928"/>
+              <a:gd name="connsiteY26" fmla="*/ 18288 h 18288"/>
+              <a:gd name="connsiteX27" fmla="*/ 4721459 w 10853928"/>
+              <a:gd name="connsiteY27" fmla="*/ 18288 h 18288"/>
+              <a:gd name="connsiteX28" fmla="*/ 4043088 w 10853928"/>
+              <a:gd name="connsiteY28" fmla="*/ 18288 h 18288"/>
+              <a:gd name="connsiteX29" fmla="*/ 3690336 w 10853928"/>
+              <a:gd name="connsiteY29" fmla="*/ 18288 h 18288"/>
+              <a:gd name="connsiteX30" fmla="*/ 3120504 w 10853928"/>
+              <a:gd name="connsiteY30" fmla="*/ 18288 h 18288"/>
+              <a:gd name="connsiteX31" fmla="*/ 2333595 w 10853928"/>
+              <a:gd name="connsiteY31" fmla="*/ 18288 h 18288"/>
+              <a:gd name="connsiteX32" fmla="*/ 1872303 w 10853928"/>
+              <a:gd name="connsiteY32" fmla="*/ 18288 h 18288"/>
+              <a:gd name="connsiteX33" fmla="*/ 976854 w 10853928"/>
+              <a:gd name="connsiteY33" fmla="*/ 18288 h 18288"/>
+              <a:gd name="connsiteX34" fmla="*/ 0 w 10853928"/>
+              <a:gd name="connsiteY34" fmla="*/ 18288 h 18288"/>
+              <a:gd name="connsiteX35" fmla="*/ 0 w 10853928"/>
+              <a:gd name="connsiteY35" fmla="*/ 0 h 18288"/>
+            </a:gdLst>
+            <a:ahLst/>
+            <a:cxnLst>
+              <a:cxn ang="0">
+                <a:pos x="connsiteX0" y="connsiteY0"/>
+              </a:cxn>
+              <a:cxn ang="0">
+                <a:pos x="connsiteX1" y="connsiteY1"/>
+              </a:cxn>
+              <a:cxn ang="0">
+                <a:pos x="connsiteX2" y="connsiteY2"/>
+              </a:cxn>
+              <a:cxn ang="0">
+                <a:pos x="connsiteX3" y="connsiteY3"/>
+              </a:cxn>
+              <a:cxn ang="0">
+                <a:pos x="connsiteX4" y="connsiteY4"/>
+              </a:cxn>
+              <a:cxn ang="0">
+                <a:pos x="connsiteX5" y="connsiteY5"/>
+              </a:cxn>
+              <a:cxn ang="0">
+                <a:pos x="connsiteX6" y="connsiteY6"/>
+              </a:cxn>
+              <a:cxn ang="0">
+                <a:pos x="connsiteX7" y="connsiteY7"/>
+              </a:cxn>
+              <a:cxn ang="0">
+                <a:pos x="connsiteX8" y="connsiteY8"/>
+              </a:cxn>
+              <a:cxn ang="0">
+                <a:pos x="connsiteX9" y="connsiteY9"/>
+              </a:cxn>
+              <a:cxn ang="0">
+                <a:pos x="connsiteX10" y="connsiteY10"/>
+              </a:cxn>
+              <a:cxn ang="0">
+                <a:pos x="connsiteX11" y="connsiteY11"/>
+              </a:cxn>
+              <a:cxn ang="0">
+                <a:pos x="connsiteX12" y="connsiteY12"/>
+              </a:cxn>
+              <a:cxn ang="0">
+                <a:pos x="connsiteX13" y="connsiteY13"/>
+              </a:cxn>
+              <a:cxn ang="0">
+                <a:pos x="connsiteX14" y="connsiteY14"/>
+              </a:cxn>
+              <a:cxn ang="0">
+                <a:pos x="connsiteX15" y="connsiteY15"/>
+              </a:cxn>
+              <a:cxn ang="0">
+                <a:pos x="connsiteX16" y="connsiteY16"/>
+              </a:cxn>
+              <a:cxn ang="0">
+                <a:pos x="connsiteX17" y="connsiteY17"/>
+              </a:cxn>
+              <a:cxn ang="0">
+                <a:pos x="connsiteX18" y="connsiteY18"/>
+              </a:cxn>
+              <a:cxn ang="0">
+                <a:pos x="connsiteX19" y="connsiteY19"/>
+              </a:cxn>
+              <a:cxn ang="0">
+                <a:pos x="connsiteX20" y="connsiteY20"/>
+              </a:cxn>
+              <a:cxn ang="0">
+                <a:pos x="connsiteX21" y="connsiteY21"/>
+              </a:cxn>
+              <a:cxn ang="0">
+                <a:pos x="connsiteX22" y="connsiteY22"/>
+              </a:cxn>
+              <a:cxn ang="0">
+                <a:pos x="connsiteX23" y="connsiteY23"/>
+              </a:cxn>
+              <a:cxn ang="0">
+                <a:pos x="connsiteX24" y="connsiteY24"/>
+              </a:cxn>
+              <a:cxn ang="0">
+                <a:pos x="connsiteX25" y="connsiteY25"/>
+              </a:cxn>
+              <a:cxn ang="0">
+                <a:pos x="connsiteX26" y="connsiteY26"/>
+              </a:cxn>
+              <a:cxn ang="0">
+                <a:pos x="connsiteX27" y="connsiteY27"/>
+              </a:cxn>
+              <a:cxn ang="0">
+                <a:pos x="connsiteX28" y="connsiteY28"/>
+              </a:cxn>
+              <a:cxn ang="0">
+                <a:pos x="connsiteX29" y="connsiteY29"/>
+              </a:cxn>
+              <a:cxn ang="0">
+                <a:pos x="connsiteX30" y="connsiteY30"/>
+              </a:cxn>
+              <a:cxn ang="0">
+                <a:pos x="connsiteX31" y="connsiteY31"/>
+              </a:cxn>
+              <a:cxn ang="0">
+                <a:pos x="connsiteX32" y="connsiteY32"/>
+              </a:cxn>
+              <a:cxn ang="0">
+                <a:pos x="connsiteX33" y="connsiteY33"/>
+              </a:cxn>
+              <a:cxn ang="0">
+                <a:pos x="connsiteX34" y="connsiteY34"/>
+              </a:cxn>
+              <a:cxn ang="0">
+                <a:pos x="connsiteX35" y="connsiteY35"/>
+              </a:cxn>
+            </a:cxnLst>
+            <a:rect l="l" t="t" r="r" b="b"/>
+            <a:pathLst>
+              <a:path w="10853928" h="18288" fill="none" extrusionOk="0">
+                <a:moveTo>
+                  <a:pt x="0" y="0"/>
+                </a:moveTo>
+                <a:cubicBezTo>
+                  <a:pt x="146993" y="-19076"/>
+                  <a:pt x="347684" y="-4790"/>
+                  <a:pt x="461292" y="0"/>
+                </a:cubicBezTo>
+                <a:cubicBezTo>
+                  <a:pt x="574900" y="4790"/>
+                  <a:pt x="808367" y="19821"/>
+                  <a:pt x="1139662" y="0"/>
+                </a:cubicBezTo>
+                <a:cubicBezTo>
+                  <a:pt x="1470957" y="-19821"/>
+                  <a:pt x="1627405" y="5721"/>
+                  <a:pt x="1926572" y="0"/>
+                </a:cubicBezTo>
+                <a:cubicBezTo>
+                  <a:pt x="2225739" y="-5721"/>
+                  <a:pt x="2137730" y="-3235"/>
+                  <a:pt x="2279325" y="0"/>
+                </a:cubicBezTo>
+                <a:cubicBezTo>
+                  <a:pt x="2420920" y="3235"/>
+                  <a:pt x="2456518" y="9685"/>
+                  <a:pt x="2632078" y="0"/>
+                </a:cubicBezTo>
+                <a:cubicBezTo>
+                  <a:pt x="2807638" y="-9685"/>
+                  <a:pt x="3211516" y="-43007"/>
+                  <a:pt x="3527527" y="0"/>
+                </a:cubicBezTo>
+                <a:cubicBezTo>
+                  <a:pt x="3843538" y="43007"/>
+                  <a:pt x="4058833" y="22042"/>
+                  <a:pt x="4205897" y="0"/>
+                </a:cubicBezTo>
+                <a:cubicBezTo>
+                  <a:pt x="4352961" y="-22042"/>
+                  <a:pt x="4474805" y="-11846"/>
+                  <a:pt x="4558650" y="0"/>
+                </a:cubicBezTo>
+                <a:cubicBezTo>
+                  <a:pt x="4642495" y="11846"/>
+                  <a:pt x="5041928" y="-6069"/>
+                  <a:pt x="5237020" y="0"/>
+                </a:cubicBezTo>
+                <a:cubicBezTo>
+                  <a:pt x="5432112" y="6069"/>
+                  <a:pt x="5943266" y="-17479"/>
+                  <a:pt x="6132469" y="0"/>
+                </a:cubicBezTo>
+                <a:cubicBezTo>
+                  <a:pt x="6321672" y="17479"/>
+                  <a:pt x="6483872" y="26234"/>
+                  <a:pt x="6702301" y="0"/>
+                </a:cubicBezTo>
+                <a:cubicBezTo>
+                  <a:pt x="6920730" y="-26234"/>
+                  <a:pt x="6991194" y="-15156"/>
+                  <a:pt x="7272132" y="0"/>
+                </a:cubicBezTo>
+                <a:cubicBezTo>
+                  <a:pt x="7553070" y="15156"/>
+                  <a:pt x="7684444" y="-32961"/>
+                  <a:pt x="7950502" y="0"/>
+                </a:cubicBezTo>
+                <a:cubicBezTo>
+                  <a:pt x="8216560" y="32961"/>
+                  <a:pt x="8493290" y="-10491"/>
+                  <a:pt x="8737412" y="0"/>
+                </a:cubicBezTo>
+                <a:cubicBezTo>
+                  <a:pt x="8981534" y="10491"/>
+                  <a:pt x="9191586" y="-13899"/>
+                  <a:pt x="9524322" y="0"/>
+                </a:cubicBezTo>
+                <a:cubicBezTo>
+                  <a:pt x="9857058" y="13899"/>
+                  <a:pt x="10297509" y="7485"/>
+                  <a:pt x="10853928" y="0"/>
+                </a:cubicBezTo>
+                <a:cubicBezTo>
+                  <a:pt x="10854574" y="4451"/>
+                  <a:pt x="10854418" y="9226"/>
+                  <a:pt x="10853928" y="18288"/>
+                </a:cubicBezTo>
+                <a:cubicBezTo>
+                  <a:pt x="10691638" y="28522"/>
+                  <a:pt x="10574319" y="29578"/>
+                  <a:pt x="10392636" y="18288"/>
+                </a:cubicBezTo>
+                <a:cubicBezTo>
+                  <a:pt x="10210953" y="6998"/>
+                  <a:pt x="9836277" y="-16742"/>
+                  <a:pt x="9497187" y="18288"/>
+                </a:cubicBezTo>
+                <a:cubicBezTo>
+                  <a:pt x="9158097" y="53318"/>
+                  <a:pt x="9119479" y="30714"/>
+                  <a:pt x="8818817" y="18288"/>
+                </a:cubicBezTo>
+                <a:cubicBezTo>
+                  <a:pt x="8518155" y="5863"/>
+                  <a:pt x="8640037" y="6483"/>
+                  <a:pt x="8466064" y="18288"/>
+                </a:cubicBezTo>
+                <a:cubicBezTo>
+                  <a:pt x="8292091" y="30093"/>
+                  <a:pt x="7997656" y="18914"/>
+                  <a:pt x="7787693" y="18288"/>
+                </a:cubicBezTo>
+                <a:cubicBezTo>
+                  <a:pt x="7577730" y="17662"/>
+                  <a:pt x="7412468" y="21416"/>
+                  <a:pt x="7217862" y="18288"/>
+                </a:cubicBezTo>
+                <a:cubicBezTo>
+                  <a:pt x="7023256" y="15160"/>
+                  <a:pt x="6898018" y="14824"/>
+                  <a:pt x="6648031" y="18288"/>
+                </a:cubicBezTo>
+                <a:cubicBezTo>
+                  <a:pt x="6398044" y="21752"/>
+                  <a:pt x="6254402" y="38625"/>
+                  <a:pt x="6078200" y="18288"/>
+                </a:cubicBezTo>
+                <a:cubicBezTo>
+                  <a:pt x="5901998" y="-2049"/>
+                  <a:pt x="5622886" y="3213"/>
+                  <a:pt x="5508368" y="18288"/>
+                </a:cubicBezTo>
+                <a:cubicBezTo>
+                  <a:pt x="5393850" y="33363"/>
+                  <a:pt x="5036260" y="26830"/>
+                  <a:pt x="4721459" y="18288"/>
+                </a:cubicBezTo>
+                <a:cubicBezTo>
+                  <a:pt x="4406658" y="9746"/>
+                  <a:pt x="4239221" y="41551"/>
+                  <a:pt x="4043088" y="18288"/>
+                </a:cubicBezTo>
+                <a:cubicBezTo>
+                  <a:pt x="3846955" y="-4975"/>
+                  <a:pt x="3818802" y="34658"/>
+                  <a:pt x="3690336" y="18288"/>
+                </a:cubicBezTo>
+                <a:cubicBezTo>
+                  <a:pt x="3561870" y="1918"/>
+                  <a:pt x="3265491" y="42194"/>
+                  <a:pt x="3120504" y="18288"/>
+                </a:cubicBezTo>
+                <a:cubicBezTo>
+                  <a:pt x="2975517" y="-5618"/>
+                  <a:pt x="2720254" y="36673"/>
+                  <a:pt x="2333595" y="18288"/>
+                </a:cubicBezTo>
+                <a:cubicBezTo>
+                  <a:pt x="1946936" y="-97"/>
+                  <a:pt x="2097241" y="5776"/>
+                  <a:pt x="1872303" y="18288"/>
+                </a:cubicBezTo>
+                <a:cubicBezTo>
+                  <a:pt x="1647365" y="30800"/>
+                  <a:pt x="1282708" y="45380"/>
+                  <a:pt x="976854" y="18288"/>
+                </a:cubicBezTo>
+                <a:cubicBezTo>
+                  <a:pt x="671000" y="-8804"/>
+                  <a:pt x="408401" y="-12775"/>
+                  <a:pt x="0" y="18288"/>
+                </a:cubicBezTo>
+                <a:cubicBezTo>
+                  <a:pt x="-213" y="9468"/>
+                  <a:pt x="187" y="4459"/>
+                  <a:pt x="0" y="0"/>
+                </a:cubicBezTo>
+                <a:close/>
+              </a:path>
+              <a:path w="10853928" h="18288" stroke="0" extrusionOk="0">
+                <a:moveTo>
+                  <a:pt x="0" y="0"/>
+                </a:moveTo>
+                <a:cubicBezTo>
+                  <a:pt x="267322" y="15284"/>
+                  <a:pt x="415388" y="-21048"/>
+                  <a:pt x="569831" y="0"/>
+                </a:cubicBezTo>
+                <a:cubicBezTo>
+                  <a:pt x="724274" y="21048"/>
+                  <a:pt x="769333" y="-2353"/>
+                  <a:pt x="922584" y="0"/>
+                </a:cubicBezTo>
+                <a:cubicBezTo>
+                  <a:pt x="1075835" y="2353"/>
+                  <a:pt x="1399490" y="-145"/>
+                  <a:pt x="1818033" y="0"/>
+                </a:cubicBezTo>
+                <a:cubicBezTo>
+                  <a:pt x="2236576" y="145"/>
+                  <a:pt x="2145330" y="5482"/>
+                  <a:pt x="2387864" y="0"/>
+                </a:cubicBezTo>
+                <a:cubicBezTo>
+                  <a:pt x="2630398" y="-5482"/>
+                  <a:pt x="2793207" y="18487"/>
+                  <a:pt x="2957695" y="0"/>
+                </a:cubicBezTo>
+                <a:cubicBezTo>
+                  <a:pt x="3122183" y="-18487"/>
+                  <a:pt x="3579141" y="19003"/>
+                  <a:pt x="3853144" y="0"/>
+                </a:cubicBezTo>
+                <a:cubicBezTo>
+                  <a:pt x="4127147" y="-19003"/>
+                  <a:pt x="4209857" y="12211"/>
+                  <a:pt x="4314436" y="0"/>
+                </a:cubicBezTo>
+                <a:cubicBezTo>
+                  <a:pt x="4419015" y="-12211"/>
+                  <a:pt x="4762459" y="-17220"/>
+                  <a:pt x="5209885" y="0"/>
+                </a:cubicBezTo>
+                <a:cubicBezTo>
+                  <a:pt x="5657311" y="17220"/>
+                  <a:pt x="5692663" y="-3290"/>
+                  <a:pt x="6105335" y="0"/>
+                </a:cubicBezTo>
+                <a:cubicBezTo>
+                  <a:pt x="6518007" y="3290"/>
+                  <a:pt x="6455516" y="-5124"/>
+                  <a:pt x="6783705" y="0"/>
+                </a:cubicBezTo>
+                <a:cubicBezTo>
+                  <a:pt x="7111894" y="5124"/>
+                  <a:pt x="7441941" y="-17829"/>
+                  <a:pt x="7679154" y="0"/>
+                </a:cubicBezTo>
+                <a:cubicBezTo>
+                  <a:pt x="7916367" y="17829"/>
+                  <a:pt x="8102967" y="-24363"/>
+                  <a:pt x="8248985" y="0"/>
+                </a:cubicBezTo>
+                <a:cubicBezTo>
+                  <a:pt x="8395003" y="24363"/>
+                  <a:pt x="8552393" y="25505"/>
+                  <a:pt x="8818817" y="0"/>
+                </a:cubicBezTo>
+                <a:cubicBezTo>
+                  <a:pt x="9085241" y="-25505"/>
+                  <a:pt x="9411308" y="38000"/>
+                  <a:pt x="9605726" y="0"/>
+                </a:cubicBezTo>
+                <a:cubicBezTo>
+                  <a:pt x="9800144" y="-38000"/>
+                  <a:pt x="10006468" y="-25741"/>
+                  <a:pt x="10175558" y="0"/>
+                </a:cubicBezTo>
+                <a:cubicBezTo>
+                  <a:pt x="10344648" y="25741"/>
+                  <a:pt x="10696282" y="695"/>
+                  <a:pt x="10853928" y="0"/>
+                </a:cubicBezTo>
+                <a:cubicBezTo>
+                  <a:pt x="10853521" y="8690"/>
+                  <a:pt x="10853774" y="14141"/>
+                  <a:pt x="10853928" y="18288"/>
+                </a:cubicBezTo>
+                <a:cubicBezTo>
+                  <a:pt x="10608124" y="24255"/>
+                  <a:pt x="10343415" y="22307"/>
+                  <a:pt x="10067018" y="18288"/>
+                </a:cubicBezTo>
+                <a:cubicBezTo>
+                  <a:pt x="9790621" y="14270"/>
+                  <a:pt x="9843266" y="3564"/>
+                  <a:pt x="9714266" y="18288"/>
+                </a:cubicBezTo>
+                <a:cubicBezTo>
+                  <a:pt x="9585266" y="33012"/>
+                  <a:pt x="9379484" y="1875"/>
+                  <a:pt x="9252974" y="18288"/>
+                </a:cubicBezTo>
+                <a:cubicBezTo>
+                  <a:pt x="9126464" y="34701"/>
+                  <a:pt x="8580678" y="-4904"/>
+                  <a:pt x="8357525" y="18288"/>
+                </a:cubicBezTo>
+                <a:cubicBezTo>
+                  <a:pt x="8134372" y="41480"/>
+                  <a:pt x="7903199" y="26458"/>
+                  <a:pt x="7679154" y="18288"/>
+                </a:cubicBezTo>
+                <a:cubicBezTo>
+                  <a:pt x="7455109" y="10118"/>
+                  <a:pt x="7435944" y="27109"/>
+                  <a:pt x="7217862" y="18288"/>
+                </a:cubicBezTo>
+                <a:cubicBezTo>
+                  <a:pt x="6999780" y="9467"/>
+                  <a:pt x="6680409" y="18985"/>
+                  <a:pt x="6539492" y="18288"/>
+                </a:cubicBezTo>
+                <a:cubicBezTo>
+                  <a:pt x="6398575" y="17592"/>
+                  <a:pt x="6312077" y="33018"/>
+                  <a:pt x="6186739" y="18288"/>
+                </a:cubicBezTo>
+                <a:cubicBezTo>
+                  <a:pt x="6061401" y="3558"/>
+                  <a:pt x="5947033" y="12075"/>
+                  <a:pt x="5833986" y="18288"/>
+                </a:cubicBezTo>
+                <a:cubicBezTo>
+                  <a:pt x="5720939" y="24501"/>
+                  <a:pt x="5482226" y="8586"/>
+                  <a:pt x="5155616" y="18288"/>
+                </a:cubicBezTo>
+                <a:cubicBezTo>
+                  <a:pt x="4829006" y="27991"/>
+                  <a:pt x="4841274" y="29316"/>
+                  <a:pt x="4694324" y="18288"/>
+                </a:cubicBezTo>
+                <a:cubicBezTo>
+                  <a:pt x="4547374" y="7260"/>
+                  <a:pt x="4077675" y="7013"/>
+                  <a:pt x="3907414" y="18288"/>
+                </a:cubicBezTo>
+                <a:cubicBezTo>
+                  <a:pt x="3737153" y="29564"/>
+                  <a:pt x="3538393" y="21630"/>
+                  <a:pt x="3446122" y="18288"/>
+                </a:cubicBezTo>
+                <a:cubicBezTo>
+                  <a:pt x="3353851" y="14946"/>
+                  <a:pt x="2990320" y="-8091"/>
+                  <a:pt x="2659212" y="18288"/>
+                </a:cubicBezTo>
+                <a:cubicBezTo>
+                  <a:pt x="2328104" y="44667"/>
+                  <a:pt x="2427653" y="9607"/>
+                  <a:pt x="2306460" y="18288"/>
+                </a:cubicBezTo>
+                <a:cubicBezTo>
+                  <a:pt x="2185267" y="26969"/>
+                  <a:pt x="1719763" y="3717"/>
+                  <a:pt x="1519550" y="18288"/>
+                </a:cubicBezTo>
+                <a:cubicBezTo>
+                  <a:pt x="1319337" y="32860"/>
+                  <a:pt x="1167371" y="17040"/>
+                  <a:pt x="1058258" y="18288"/>
+                </a:cubicBezTo>
+                <a:cubicBezTo>
+                  <a:pt x="949145" y="19536"/>
+                  <a:pt x="780234" y="31447"/>
+                  <a:pt x="705505" y="18288"/>
+                </a:cubicBezTo>
+                <a:cubicBezTo>
+                  <a:pt x="630776" y="5129"/>
+                  <a:pt x="215796" y="30056"/>
+                  <a:pt x="0" y="18288"/>
+                </a:cubicBezTo>
+                <a:cubicBezTo>
+                  <a:pt x="-53" y="11301"/>
+                  <a:pt x="-649" y="7756"/>
+                  <a:pt x="0" y="0"/>
+                </a:cubicBezTo>
+                <a:close/>
+              </a:path>
+            </a:pathLst>
+          </a:custGeom>
+          <a:solidFill>
+            <a:schemeClr val="accent2"/>
+          </a:solidFill>
+          <a:ln w="41275" cap="rnd">
+            <a:solidFill>
+              <a:schemeClr val="accent2"/>
+            </a:solidFill>
+            <a:round/>
+            <a:extLst>
+              <a:ext uri="{C807C97D-BFC1-408E-A445-0C87EB9F89A2}">
+                <ask:lineSketchStyleProps xmlns:ask="http://schemas.microsoft.com/office/drawing/2018/sketchyshapes" sd="1219033472">
+                  <a:prstGeom prst="rect">
+                    <a:avLst/>
+                  </a:prstGeom>
+                  <ask:type>
+                    <ask:lineSketchFreehand/>
+                  </ask:type>
+                </ask:lineSketchStyleProps>
+              </a:ext>
+            </a:extLst>
+          </a:ln>
+        </p:spPr>
+        <p:style>
+          <a:lnRef idx="2">
+            <a:schemeClr val="accent1">
+              <a:shade val="50000"/>
+            </a:schemeClr>
+          </a:lnRef>
+          <a:fillRef idx="1">
+            <a:schemeClr val="accent1"/>
+          </a:fillRef>
+          <a:effectRef idx="0">
+            <a:schemeClr val="accent1"/>
+          </a:effectRef>
+          <a:fontRef idx="minor">
+            <a:schemeClr val="lt1"/>
+          </a:fontRef>
+        </p:style>
+        <p:txBody>
+          <a:bodyPr rtlCol="0" anchor="ctr"/>
+          <a:lstStyle/>
+          <a:p>
+            <a:pPr algn="ctr"/>
+            <a:endParaRPr lang="en-US"/>
+          </a:p>
+        </p:txBody>
+      </p:sp>
+      <p:sp>
+        <p:nvSpPr>
+          <p:cNvPr id="3" name="Объект 2"/>
+          <p:cNvSpPr>
+            <a:spLocks noGrp="1"/>
+          </p:cNvSpPr>
+          <p:nvPr>
+            <p:ph sz="half" idx="1"/>
+          </p:nvPr>
+        </p:nvSpPr>
+        <p:spPr>
+          <a:xfrm>
+            <a:off x="838200" y="1929384"/>
+            <a:ext cx="10515600" cy="4251960"/>
           </a:xfrm>
         </p:spPr>
         <p:txBody>
-          <a:bodyPr>
+          <a:bodyPr vert="horz" lIns="91440" tIns="45720" rIns="91440" bIns="45720" rtlCol="0">
             <a:normAutofit/>
           </a:bodyPr>
           <a:lstStyle/>
           <a:p>
             <a:r>
-              <a:rPr lang="en-US" sz="1400" dirty="0" smtClean="0"/>
-              <a:t>Amplify Hosting supports the common SPA frameworks, for example, React, Angular, Vue.js, Ionic, and Ember, as well as static site generators like Gatsby, </a:t>
-            </a:r>
-            <a:r>
-              <a:rPr lang="en-US" sz="1400" dirty="0" err="1" smtClean="0"/>
-              <a:t>Eleventy</a:t>
-            </a:r>
-            <a:r>
-              <a:rPr lang="en-US" sz="1400" dirty="0" smtClean="0"/>
-              <a:t>, Hugo, </a:t>
-            </a:r>
-            <a:r>
-              <a:rPr lang="en-US" sz="1400" dirty="0" err="1" smtClean="0"/>
-              <a:t>VuePress</a:t>
-            </a:r>
-            <a:r>
-              <a:rPr lang="en-US" sz="1400" dirty="0" smtClean="0"/>
-              <a:t>, and Jekyll.</a:t>
-            </a:r>
-          </a:p>
-          <a:p>
-            <a:r>
-              <a:rPr lang="en-US" sz="1400" dirty="0" smtClean="0"/>
+              <a:rPr lang="en-US" sz="1500"/>
+              <a:t>Amplify Hosting supports the common SPA frameworks, for example, React, Angular, Vue.js, Ionic, and Ember, as well as static site generators like Gatsby, Eleventy, Hugo, VuePress, and Jekyll.</a:t>
+            </a:r>
+          </a:p>
+          <a:p>
+            <a:r>
+              <a:rPr lang="en-US" sz="1500"/>
               <a:t>Manage production and staging environments for your frontend and backend by connecting new branches.</a:t>
             </a:r>
           </a:p>
           <a:p>
             <a:r>
-              <a:rPr lang="en-US" sz="1400" dirty="0" smtClean="0"/>
+              <a:rPr lang="en-US" sz="1500"/>
               <a:t>Connect your application to a </a:t>
             </a:r>
             <a:r>
-              <a:rPr lang="en-US" sz="1400" b="1" dirty="0" smtClean="0"/>
+              <a:rPr lang="en-US" sz="1500" b="1"/>
               <a:t>custom domain</a:t>
             </a:r>
             <a:r>
-              <a:rPr lang="en-US" sz="1400" dirty="0" smtClean="0"/>
+              <a:rPr lang="en-US" sz="1500"/>
               <a:t>.</a:t>
             </a:r>
           </a:p>
           <a:p>
             <a:r>
-              <a:rPr lang="en-US" sz="1400" b="1" dirty="0" smtClean="0"/>
+              <a:rPr lang="en-US" sz="1500" b="1"/>
               <a:t>Deploy</a:t>
             </a:r>
             <a:r>
-              <a:rPr lang="en-US" sz="1400" dirty="0" smtClean="0"/>
+              <a:rPr lang="en-US" sz="1500"/>
               <a:t> and </a:t>
             </a:r>
             <a:r>
-              <a:rPr lang="en-US" sz="1400" b="1" dirty="0" smtClean="0"/>
+              <a:rPr lang="en-US" sz="1500" b="1"/>
               <a:t>host</a:t>
             </a:r>
             <a:r>
-              <a:rPr lang="en-US" sz="1400" dirty="0" smtClean="0"/>
+              <a:rPr lang="en-US" sz="1500"/>
               <a:t> </a:t>
             </a:r>
             <a:r>
-              <a:rPr lang="en-US" sz="1400" b="1" dirty="0" smtClean="0"/>
+              <a:rPr lang="en-US" sz="1500" b="1"/>
               <a:t>SSR</a:t>
             </a:r>
             <a:r>
-              <a:rPr lang="en-US" sz="1400" dirty="0" smtClean="0"/>
+              <a:rPr lang="en-US" sz="1500"/>
               <a:t> </a:t>
             </a:r>
             <a:r>
-              <a:rPr lang="en-US" sz="1400" b="1" dirty="0" smtClean="0"/>
+              <a:rPr lang="en-US" sz="1500" b="1"/>
               <a:t>web</a:t>
             </a:r>
             <a:r>
-              <a:rPr lang="en-US" sz="1400" dirty="0" smtClean="0"/>
+              <a:rPr lang="en-US" sz="1500"/>
               <a:t> </a:t>
             </a:r>
             <a:r>
-              <a:rPr lang="en-US" sz="1400" b="1" dirty="0" smtClean="0"/>
+              <a:rPr lang="en-US" sz="1500" b="1"/>
               <a:t>apps</a:t>
             </a:r>
             <a:r>
-              <a:rPr lang="en-US" sz="1400" dirty="0" smtClean="0"/>
+              <a:rPr lang="en-US" sz="1500"/>
               <a:t> created using the Next.js. framework.</a:t>
             </a:r>
           </a:p>
           <a:p>
             <a:r>
-              <a:rPr lang="en-US" sz="1400" dirty="0" smtClean="0"/>
+              <a:rPr lang="en-US" sz="1500"/>
               <a:t>Preview changes during code reviews by setting up pull request previews.</a:t>
             </a:r>
           </a:p>
           <a:p>
             <a:r>
-              <a:rPr lang="en-US" sz="1400" dirty="0" smtClean="0"/>
+              <a:rPr lang="en-US" sz="1500"/>
               <a:t>Improve your app quality with end to end tests.</a:t>
             </a:r>
           </a:p>
           <a:p>
             <a:r>
-              <a:rPr lang="en-US" sz="1400" b="1" dirty="0" smtClean="0"/>
+              <a:rPr lang="en-US" sz="1500" b="1"/>
               <a:t>Password protect </a:t>
             </a:r>
             <a:r>
-              <a:rPr lang="en-US" sz="1400" dirty="0" smtClean="0"/>
+              <a:rPr lang="en-US" sz="1500"/>
               <a:t>your web app so you can work on new features without making them publicly accessible.</a:t>
             </a:r>
           </a:p>
           <a:p>
             <a:r>
-              <a:rPr lang="en-US" sz="1400" dirty="0" smtClean="0"/>
+              <a:rPr lang="en-US" sz="1500"/>
               <a:t>Set up rewrites and redirects to maintain SEO rankings and route traffic based on your client app requirements.</a:t>
             </a:r>
           </a:p>
           <a:p>
             <a:r>
-              <a:rPr lang="en-US" sz="1400" dirty="0" smtClean="0"/>
+              <a:rPr lang="en-US" sz="1500"/>
               <a:t>Instant cache invalidations ensure your app is updated instantly on every code commit.</a:t>
             </a:r>
           </a:p>
           <a:p>
             <a:r>
-              <a:rPr lang="en-US" sz="1400" b="1" dirty="0" smtClean="0"/>
+              <a:rPr lang="en-US" sz="1500" b="1"/>
               <a:t>Atomic deployments </a:t>
             </a:r>
             <a:r>
-              <a:rPr lang="en-US" sz="1400" dirty="0" smtClean="0"/>
+              <a:rPr lang="en-US" sz="1500"/>
               <a:t>eliminate maintenance windows by ensuring that the web app is updated only after the entire deployment finishes. This eliminates scenarios where files fail to upload properly.</a:t>
             </a:r>
           </a:p>
           <a:p>
             <a:r>
-              <a:rPr lang="en-US" sz="1400" dirty="0" smtClean="0"/>
+              <a:rPr lang="en-US" sz="1500"/>
               <a:t>Get screen shots of your app rendered on different mobile devices to identify layout issues.</a:t>
             </a:r>
-            <a:endParaRPr lang="en-US" sz="1400" dirty="0"/>
           </a:p>
         </p:txBody>
       </p:sp>
@@ -4621,6 +5951,14 @@
 <file path=ppt/slides/slide4.xml><?xml version="1.0" encoding="utf-8"?>
 <p:sld xmlns:a="http://schemas.openxmlformats.org/drawingml/2006/main" xmlns:r="http://schemas.openxmlformats.org/officeDocument/2006/relationships" xmlns:p="http://schemas.openxmlformats.org/presentationml/2006/main">
   <p:cSld>
+    <p:bg>
+      <p:bgPr>
+        <a:solidFill>
+          <a:schemeClr val="bg1"/>
+        </a:solidFill>
+        <a:effectLst/>
+      </p:bgPr>
+    </p:bg>
     <p:spTree>
       <p:nvGrpSpPr>
         <p:cNvPr id="1" name=""/>
@@ -4635,6 +5973,66 @@
           <a:chExt cx="0" cy="0"/>
         </a:xfrm>
       </p:grpSpPr>
+      <p:sp useBgFill="1">
+        <p:nvSpPr>
+          <p:cNvPr id="9" name="Rectangle 8">
+            <a:extLst>
+              <a:ext uri="{FF2B5EF4-FFF2-40B4-BE49-F238E27FC236}">
+                <a16:creationId xmlns:a16="http://schemas.microsoft.com/office/drawing/2014/main" id="{BCED4D40-4B67-4331-AC48-79B82B4A47D8}"/>
+              </a:ext>
+              <a:ext uri="{C183D7F6-B498-43B3-948B-1728B52AA6E4}">
+                <adec:decorative xmlns:adec="http://schemas.microsoft.com/office/drawing/2017/decorative" val="1"/>
+              </a:ext>
+            </a:extLst>
+          </p:cNvPr>
+          <p:cNvSpPr>
+            <a:spLocks noGrp="1" noRot="1" noChangeAspect="1" noMove="1" noResize="1" noEditPoints="1" noAdjustHandles="1" noChangeArrowheads="1" noChangeShapeType="1" noTextEdit="1"/>
+          </p:cNvSpPr>
+          <p:nvPr>
+            <p:extLst>
+              <p:ext uri="{386F3935-93C4-4BCD-93E2-E3B085C9AB24}">
+                <p16:designElem xmlns:p16="http://schemas.microsoft.com/office/powerpoint/2015/main" val="1"/>
+              </p:ext>
+            </p:extLst>
+          </p:nvPr>
+        </p:nvSpPr>
+        <p:spPr>
+          <a:xfrm>
+            <a:off x="0" y="0"/>
+            <a:ext cx="12192000" cy="6858000"/>
+          </a:xfrm>
+          <a:prstGeom prst="rect">
+            <a:avLst/>
+          </a:prstGeom>
+          <a:ln>
+            <a:noFill/>
+          </a:ln>
+        </p:spPr>
+        <p:style>
+          <a:lnRef idx="2">
+            <a:schemeClr val="accent1">
+              <a:shade val="50000"/>
+            </a:schemeClr>
+          </a:lnRef>
+          <a:fillRef idx="1">
+            <a:schemeClr val="accent1"/>
+          </a:fillRef>
+          <a:effectRef idx="0">
+            <a:schemeClr val="accent1"/>
+          </a:effectRef>
+          <a:fontRef idx="minor">
+            <a:schemeClr val="lt1"/>
+          </a:fontRef>
+        </p:style>
+        <p:txBody>
+          <a:bodyPr rtlCol="0" anchor="ctr"/>
+          <a:lstStyle/>
+          <a:p>
+            <a:pPr algn="ctr"/>
+            <a:endParaRPr lang="en-US"/>
+          </a:p>
+        </p:txBody>
+      </p:sp>
       <p:sp>
         <p:nvSpPr>
           <p:cNvPr id="2" name="Заголовок 1"/>
@@ -4645,18 +6043,373 @@
             <p:ph type="title"/>
           </p:nvPr>
         </p:nvSpPr>
-        <p:spPr/>
-        <p:txBody>
-          <a:bodyPr>
+        <p:spPr>
+          <a:xfrm>
+            <a:off x="638881" y="417576"/>
+            <a:ext cx="10909640" cy="1249394"/>
+          </a:xfrm>
+        </p:spPr>
+        <p:txBody>
+          <a:bodyPr vert="horz" lIns="91440" tIns="45720" rIns="91440" bIns="45720" rtlCol="0" anchor="ctr">
             <a:normAutofit/>
           </a:bodyPr>
           <a:lstStyle/>
           <a:p>
-            <a:r>
-              <a:rPr lang="en-US" sz="3200" dirty="0" smtClean="0"/>
+            <a:pPr algn="ctr"/>
+            <a:r>
+              <a:rPr lang="en-US" sz="6600" kern="1200">
+                <a:solidFill>
+                  <a:schemeClr val="tx1"/>
+                </a:solidFill>
+                <a:latin typeface="+mj-lt"/>
+                <a:ea typeface="+mj-ea"/>
+                <a:cs typeface="+mj-cs"/>
+              </a:rPr>
               <a:t>Amplify Hosting diagram</a:t>
             </a:r>
-            <a:endParaRPr lang="en-US" sz="3200" dirty="0"/>
+          </a:p>
+        </p:txBody>
+      </p:sp>
+      <p:sp>
+        <p:nvSpPr>
+          <p:cNvPr id="11" name="sketch line">
+            <a:extLst>
+              <a:ext uri="{FF2B5EF4-FFF2-40B4-BE49-F238E27FC236}">
+                <a16:creationId xmlns:a16="http://schemas.microsoft.com/office/drawing/2014/main" id="{670CEDEF-4F34-412E-84EE-329C1E936AF5}"/>
+              </a:ext>
+              <a:ext uri="{C183D7F6-B498-43B3-948B-1728B52AA6E4}">
+                <adec:decorative xmlns:adec="http://schemas.microsoft.com/office/drawing/2017/decorative" val="1"/>
+              </a:ext>
+            </a:extLst>
+          </p:cNvPr>
+          <p:cNvSpPr>
+            <a:spLocks noGrp="1" noRot="1" noChangeAspect="1" noMove="1" noResize="1" noEditPoints="1" noAdjustHandles="1" noChangeArrowheads="1" noChangeShapeType="1" noTextEdit="1"/>
+          </p:cNvSpPr>
+          <p:nvPr>
+            <p:extLst>
+              <p:ext uri="{386F3935-93C4-4BCD-93E2-E3B085C9AB24}">
+                <p16:designElem xmlns:p16="http://schemas.microsoft.com/office/powerpoint/2015/main" val="1"/>
+              </p:ext>
+            </p:extLst>
+          </p:nvPr>
+        </p:nvSpPr>
+        <p:spPr>
+          <a:xfrm>
+            <a:off x="3807702" y="1733454"/>
+            <a:ext cx="4572000" cy="18288"/>
+          </a:xfrm>
+          <a:custGeom>
+            <a:avLst/>
+            <a:gdLst>
+              <a:gd name="connsiteX0" fmla="*/ 0 w 4572000"/>
+              <a:gd name="connsiteY0" fmla="*/ 0 h 18288"/>
+              <a:gd name="connsiteX1" fmla="*/ 515983 w 4572000"/>
+              <a:gd name="connsiteY1" fmla="*/ 0 h 18288"/>
+              <a:gd name="connsiteX2" fmla="*/ 1031966 w 4572000"/>
+              <a:gd name="connsiteY2" fmla="*/ 0 h 18288"/>
+              <a:gd name="connsiteX3" fmla="*/ 1639389 w 4572000"/>
+              <a:gd name="connsiteY3" fmla="*/ 0 h 18288"/>
+              <a:gd name="connsiteX4" fmla="*/ 2383971 w 4572000"/>
+              <a:gd name="connsiteY4" fmla="*/ 0 h 18288"/>
+              <a:gd name="connsiteX5" fmla="*/ 2945674 w 4572000"/>
+              <a:gd name="connsiteY5" fmla="*/ 0 h 18288"/>
+              <a:gd name="connsiteX6" fmla="*/ 3507377 w 4572000"/>
+              <a:gd name="connsiteY6" fmla="*/ 0 h 18288"/>
+              <a:gd name="connsiteX7" fmla="*/ 4572000 w 4572000"/>
+              <a:gd name="connsiteY7" fmla="*/ 0 h 18288"/>
+              <a:gd name="connsiteX8" fmla="*/ 4572000 w 4572000"/>
+              <a:gd name="connsiteY8" fmla="*/ 18288 h 18288"/>
+              <a:gd name="connsiteX9" fmla="*/ 3873137 w 4572000"/>
+              <a:gd name="connsiteY9" fmla="*/ 18288 h 18288"/>
+              <a:gd name="connsiteX10" fmla="*/ 3311434 w 4572000"/>
+              <a:gd name="connsiteY10" fmla="*/ 18288 h 18288"/>
+              <a:gd name="connsiteX11" fmla="*/ 2749731 w 4572000"/>
+              <a:gd name="connsiteY11" fmla="*/ 18288 h 18288"/>
+              <a:gd name="connsiteX12" fmla="*/ 2050869 w 4572000"/>
+              <a:gd name="connsiteY12" fmla="*/ 18288 h 18288"/>
+              <a:gd name="connsiteX13" fmla="*/ 1306286 w 4572000"/>
+              <a:gd name="connsiteY13" fmla="*/ 18288 h 18288"/>
+              <a:gd name="connsiteX14" fmla="*/ 790303 w 4572000"/>
+              <a:gd name="connsiteY14" fmla="*/ 18288 h 18288"/>
+              <a:gd name="connsiteX15" fmla="*/ 0 w 4572000"/>
+              <a:gd name="connsiteY15" fmla="*/ 18288 h 18288"/>
+              <a:gd name="connsiteX16" fmla="*/ 0 w 4572000"/>
+              <a:gd name="connsiteY16" fmla="*/ 0 h 18288"/>
+            </a:gdLst>
+            <a:ahLst/>
+            <a:cxnLst>
+              <a:cxn ang="0">
+                <a:pos x="connsiteX0" y="connsiteY0"/>
+              </a:cxn>
+              <a:cxn ang="0">
+                <a:pos x="connsiteX1" y="connsiteY1"/>
+              </a:cxn>
+              <a:cxn ang="0">
+                <a:pos x="connsiteX2" y="connsiteY2"/>
+              </a:cxn>
+              <a:cxn ang="0">
+                <a:pos x="connsiteX3" y="connsiteY3"/>
+              </a:cxn>
+              <a:cxn ang="0">
+                <a:pos x="connsiteX4" y="connsiteY4"/>
+              </a:cxn>
+              <a:cxn ang="0">
+                <a:pos x="connsiteX5" y="connsiteY5"/>
+              </a:cxn>
+              <a:cxn ang="0">
+                <a:pos x="connsiteX6" y="connsiteY6"/>
+              </a:cxn>
+              <a:cxn ang="0">
+                <a:pos x="connsiteX7" y="connsiteY7"/>
+              </a:cxn>
+              <a:cxn ang="0">
+                <a:pos x="connsiteX8" y="connsiteY8"/>
+              </a:cxn>
+              <a:cxn ang="0">
+                <a:pos x="connsiteX9" y="connsiteY9"/>
+              </a:cxn>
+              <a:cxn ang="0">
+                <a:pos x="connsiteX10" y="connsiteY10"/>
+              </a:cxn>
+              <a:cxn ang="0">
+                <a:pos x="connsiteX11" y="connsiteY11"/>
+              </a:cxn>
+              <a:cxn ang="0">
+                <a:pos x="connsiteX12" y="connsiteY12"/>
+              </a:cxn>
+              <a:cxn ang="0">
+                <a:pos x="connsiteX13" y="connsiteY13"/>
+              </a:cxn>
+              <a:cxn ang="0">
+                <a:pos x="connsiteX14" y="connsiteY14"/>
+              </a:cxn>
+              <a:cxn ang="0">
+                <a:pos x="connsiteX15" y="connsiteY15"/>
+              </a:cxn>
+              <a:cxn ang="0">
+                <a:pos x="connsiteX16" y="connsiteY16"/>
+              </a:cxn>
+            </a:cxnLst>
+            <a:rect l="l" t="t" r="r" b="b"/>
+            <a:pathLst>
+              <a:path w="4572000" h="18288" fill="none" extrusionOk="0">
+                <a:moveTo>
+                  <a:pt x="0" y="0"/>
+                </a:moveTo>
+                <a:cubicBezTo>
+                  <a:pt x="105156" y="-20963"/>
+                  <a:pt x="340432" y="822"/>
+                  <a:pt x="515983" y="0"/>
+                </a:cubicBezTo>
+                <a:cubicBezTo>
+                  <a:pt x="691534" y="-822"/>
+                  <a:pt x="850679" y="16479"/>
+                  <a:pt x="1031966" y="0"/>
+                </a:cubicBezTo>
+                <a:cubicBezTo>
+                  <a:pt x="1213253" y="-16479"/>
+                  <a:pt x="1443646" y="-18730"/>
+                  <a:pt x="1639389" y="0"/>
+                </a:cubicBezTo>
+                <a:cubicBezTo>
+                  <a:pt x="1835132" y="18730"/>
+                  <a:pt x="2159975" y="18531"/>
+                  <a:pt x="2383971" y="0"/>
+                </a:cubicBezTo>
+                <a:cubicBezTo>
+                  <a:pt x="2607967" y="-18531"/>
+                  <a:pt x="2719096" y="-12030"/>
+                  <a:pt x="2945674" y="0"/>
+                </a:cubicBezTo>
+                <a:cubicBezTo>
+                  <a:pt x="3172252" y="12030"/>
+                  <a:pt x="3269167" y="27666"/>
+                  <a:pt x="3507377" y="0"/>
+                </a:cubicBezTo>
+                <a:cubicBezTo>
+                  <a:pt x="3745587" y="-27666"/>
+                  <a:pt x="4116741" y="18705"/>
+                  <a:pt x="4572000" y="0"/>
+                </a:cubicBezTo>
+                <a:cubicBezTo>
+                  <a:pt x="4572895" y="8974"/>
+                  <a:pt x="4571454" y="9359"/>
+                  <a:pt x="4572000" y="18288"/>
+                </a:cubicBezTo>
+                <a:cubicBezTo>
+                  <a:pt x="4374698" y="3942"/>
+                  <a:pt x="4098874" y="-11042"/>
+                  <a:pt x="3873137" y="18288"/>
+                </a:cubicBezTo>
+                <a:cubicBezTo>
+                  <a:pt x="3647400" y="47618"/>
+                  <a:pt x="3517055" y="5421"/>
+                  <a:pt x="3311434" y="18288"/>
+                </a:cubicBezTo>
+                <a:cubicBezTo>
+                  <a:pt x="3105813" y="31155"/>
+                  <a:pt x="3025168" y="17856"/>
+                  <a:pt x="2749731" y="18288"/>
+                </a:cubicBezTo>
+                <a:cubicBezTo>
+                  <a:pt x="2474294" y="18720"/>
+                  <a:pt x="2291766" y="-14168"/>
+                  <a:pt x="2050869" y="18288"/>
+                </a:cubicBezTo>
+                <a:cubicBezTo>
+                  <a:pt x="1809972" y="50744"/>
+                  <a:pt x="1540276" y="46798"/>
+                  <a:pt x="1306286" y="18288"/>
+                </a:cubicBezTo>
+                <a:cubicBezTo>
+                  <a:pt x="1072296" y="-10222"/>
+                  <a:pt x="972445" y="19645"/>
+                  <a:pt x="790303" y="18288"/>
+                </a:cubicBezTo>
+                <a:cubicBezTo>
+                  <a:pt x="608161" y="16931"/>
+                  <a:pt x="200981" y="8241"/>
+                  <a:pt x="0" y="18288"/>
+                </a:cubicBezTo>
+                <a:cubicBezTo>
+                  <a:pt x="-229" y="14222"/>
+                  <a:pt x="509" y="5816"/>
+                  <a:pt x="0" y="0"/>
+                </a:cubicBezTo>
+                <a:close/>
+              </a:path>
+              <a:path w="4572000" h="18288" stroke="0" extrusionOk="0">
+                <a:moveTo>
+                  <a:pt x="0" y="0"/>
+                </a:moveTo>
+                <a:cubicBezTo>
+                  <a:pt x="143285" y="-9565"/>
+                  <a:pt x="327959" y="-11498"/>
+                  <a:pt x="561703" y="0"/>
+                </a:cubicBezTo>
+                <a:cubicBezTo>
+                  <a:pt x="795447" y="11498"/>
+                  <a:pt x="838260" y="18255"/>
+                  <a:pt x="1077686" y="0"/>
+                </a:cubicBezTo>
+                <a:cubicBezTo>
+                  <a:pt x="1317112" y="-18255"/>
+                  <a:pt x="1437472" y="23514"/>
+                  <a:pt x="1639389" y="0"/>
+                </a:cubicBezTo>
+                <a:cubicBezTo>
+                  <a:pt x="1841306" y="-23514"/>
+                  <a:pt x="2037142" y="-12551"/>
+                  <a:pt x="2292531" y="0"/>
+                </a:cubicBezTo>
+                <a:cubicBezTo>
+                  <a:pt x="2547920" y="12551"/>
+                  <a:pt x="2810436" y="-20352"/>
+                  <a:pt x="2991394" y="0"/>
+                </a:cubicBezTo>
+                <a:cubicBezTo>
+                  <a:pt x="3172352" y="20352"/>
+                  <a:pt x="3530025" y="-13347"/>
+                  <a:pt x="3735977" y="0"/>
+                </a:cubicBezTo>
+                <a:cubicBezTo>
+                  <a:pt x="3941929" y="13347"/>
+                  <a:pt x="4161497" y="34086"/>
+                  <a:pt x="4572000" y="0"/>
+                </a:cubicBezTo>
+                <a:cubicBezTo>
+                  <a:pt x="4571545" y="6162"/>
+                  <a:pt x="4571903" y="11775"/>
+                  <a:pt x="4572000" y="18288"/>
+                </a:cubicBezTo>
+                <a:cubicBezTo>
+                  <a:pt x="4228040" y="36490"/>
+                  <a:pt x="4199736" y="42557"/>
+                  <a:pt x="3873137" y="18288"/>
+                </a:cubicBezTo>
+                <a:cubicBezTo>
+                  <a:pt x="3546538" y="-5981"/>
+                  <a:pt x="3472124" y="16809"/>
+                  <a:pt x="3128554" y="18288"/>
+                </a:cubicBezTo>
+                <a:cubicBezTo>
+                  <a:pt x="2784984" y="19767"/>
+                  <a:pt x="2735896" y="-17781"/>
+                  <a:pt x="2383971" y="18288"/>
+                </a:cubicBezTo>
+                <a:cubicBezTo>
+                  <a:pt x="2032046" y="54357"/>
+                  <a:pt x="2019324" y="2920"/>
+                  <a:pt x="1867989" y="18288"/>
+                </a:cubicBezTo>
+                <a:cubicBezTo>
+                  <a:pt x="1716654" y="33656"/>
+                  <a:pt x="1418675" y="32575"/>
+                  <a:pt x="1169126" y="18288"/>
+                </a:cubicBezTo>
+                <a:cubicBezTo>
+                  <a:pt x="919577" y="4001"/>
+                  <a:pt x="798537" y="16165"/>
+                  <a:pt x="561703" y="18288"/>
+                </a:cubicBezTo>
+                <a:cubicBezTo>
+                  <a:pt x="324869" y="20411"/>
+                  <a:pt x="221395" y="-912"/>
+                  <a:pt x="0" y="18288"/>
+                </a:cubicBezTo>
+                <a:cubicBezTo>
+                  <a:pt x="766" y="10800"/>
+                  <a:pt x="-457" y="8180"/>
+                  <a:pt x="0" y="0"/>
+                </a:cubicBezTo>
+                <a:close/>
+              </a:path>
+            </a:pathLst>
+          </a:custGeom>
+          <a:solidFill>
+            <a:schemeClr val="accent2"/>
+          </a:solidFill>
+          <a:ln w="41275" cap="rnd">
+            <a:solidFill>
+              <a:schemeClr val="accent2"/>
+            </a:solidFill>
+            <a:round/>
+            <a:extLst>
+              <a:ext uri="{C807C97D-BFC1-408E-A445-0C87EB9F89A2}">
+                <ask:lineSketchStyleProps xmlns:ask="http://schemas.microsoft.com/office/drawing/2018/sketchyshapes" sd="2727557108">
+                  <a:prstGeom prst="rect">
+                    <a:avLst/>
+                  </a:prstGeom>
+                  <ask:type>
+                    <ask:lineSketchFreehand/>
+                  </ask:type>
+                </ask:lineSketchStyleProps>
+              </a:ext>
+            </a:extLst>
+          </a:ln>
+        </p:spPr>
+        <p:style>
+          <a:lnRef idx="2">
+            <a:schemeClr val="accent1">
+              <a:shade val="50000"/>
+            </a:schemeClr>
+          </a:lnRef>
+          <a:fillRef idx="1">
+            <a:schemeClr val="accent1"/>
+          </a:fillRef>
+          <a:effectRef idx="0">
+            <a:schemeClr val="accent1"/>
+          </a:effectRef>
+          <a:fontRef idx="minor">
+            <a:schemeClr val="lt1"/>
+          </a:fontRef>
+        </p:style>
+        <p:txBody>
+          <a:bodyPr rtlCol="0" anchor="ctr"/>
+          <a:lstStyle/>
+          <a:p>
+            <a:pPr algn="ctr"/>
+            <a:endParaRPr lang="en-US"/>
           </a:p>
         </p:txBody>
       </p:sp>
@@ -4676,8 +6429,8 @@
         </p:blipFill>
         <p:spPr>
           <a:xfrm>
-            <a:off x="897978" y="2382964"/>
-            <a:ext cx="10396044" cy="3386900"/>
+            <a:off x="577011" y="2633472"/>
+            <a:ext cx="11034929" cy="3586353"/>
           </a:xfrm>
           <a:prstGeom prst="rect">
             <a:avLst/>
@@ -4700,6 +6453,14 @@
 <file path=ppt/slides/slide5.xml><?xml version="1.0" encoding="utf-8"?>
 <p:sld xmlns:a="http://schemas.openxmlformats.org/drawingml/2006/main" xmlns:r="http://schemas.openxmlformats.org/officeDocument/2006/relationships" xmlns:p="http://schemas.openxmlformats.org/presentationml/2006/main">
   <p:cSld>
+    <p:bg>
+      <p:bgPr>
+        <a:solidFill>
+          <a:schemeClr val="bg1"/>
+        </a:solidFill>
+        <a:effectLst/>
+      </p:bgPr>
+    </p:bg>
     <p:spTree>
       <p:nvGrpSpPr>
         <p:cNvPr id="1" name=""/>
@@ -4714,6 +6475,66 @@
           <a:chExt cx="0" cy="0"/>
         </a:xfrm>
       </p:grpSpPr>
+      <p:sp useBgFill="1">
+        <p:nvSpPr>
+          <p:cNvPr id="8" name="Rectangle 7">
+            <a:extLst>
+              <a:ext uri="{FF2B5EF4-FFF2-40B4-BE49-F238E27FC236}">
+                <a16:creationId xmlns:a16="http://schemas.microsoft.com/office/drawing/2014/main" id="{100EDD19-6802-4EC3-95CE-CFFAB042CFD6}"/>
+              </a:ext>
+              <a:ext uri="{C183D7F6-B498-43B3-948B-1728B52AA6E4}">
+                <adec:decorative xmlns:adec="http://schemas.microsoft.com/office/drawing/2017/decorative" val="1"/>
+              </a:ext>
+            </a:extLst>
+          </p:cNvPr>
+          <p:cNvSpPr>
+            <a:spLocks noGrp="1" noRot="1" noChangeAspect="1" noMove="1" noResize="1" noEditPoints="1" noAdjustHandles="1" noChangeArrowheads="1" noChangeShapeType="1" noTextEdit="1"/>
+          </p:cNvSpPr>
+          <p:nvPr>
+            <p:extLst>
+              <p:ext uri="{386F3935-93C4-4BCD-93E2-E3B085C9AB24}">
+                <p16:designElem xmlns:p16="http://schemas.microsoft.com/office/powerpoint/2015/main" val="1"/>
+              </p:ext>
+            </p:extLst>
+          </p:nvPr>
+        </p:nvSpPr>
+        <p:spPr>
+          <a:xfrm>
+            <a:off x="0" y="0"/>
+            <a:ext cx="12188952" cy="6858000"/>
+          </a:xfrm>
+          <a:prstGeom prst="rect">
+            <a:avLst/>
+          </a:prstGeom>
+          <a:ln>
+            <a:noFill/>
+          </a:ln>
+        </p:spPr>
+        <p:style>
+          <a:lnRef idx="2">
+            <a:schemeClr val="accent1">
+              <a:shade val="50000"/>
+            </a:schemeClr>
+          </a:lnRef>
+          <a:fillRef idx="1">
+            <a:schemeClr val="accent1"/>
+          </a:fillRef>
+          <a:effectRef idx="0">
+            <a:schemeClr val="accent1"/>
+          </a:effectRef>
+          <a:fontRef idx="minor">
+            <a:schemeClr val="lt1"/>
+          </a:fontRef>
+        </p:style>
+        <p:txBody>
+          <a:bodyPr rtlCol="0" anchor="ctr"/>
+          <a:lstStyle/>
+          <a:p>
+            <a:pPr algn="ctr"/>
+            <a:endParaRPr lang="en-US"/>
+          </a:p>
+        </p:txBody>
+      </p:sp>
       <p:sp>
         <p:nvSpPr>
           <p:cNvPr id="2" name="Заголовок 1"/>
@@ -4724,166 +6545,810 @@
             <p:ph type="title"/>
           </p:nvPr>
         </p:nvSpPr>
-        <p:spPr/>
-        <p:txBody>
-          <a:bodyPr>
+        <p:spPr>
+          <a:xfrm>
+            <a:off x="838200" y="365125"/>
+            <a:ext cx="10515600" cy="1325563"/>
+          </a:xfrm>
+        </p:spPr>
+        <p:txBody>
+          <a:bodyPr vert="horz" lIns="91440" tIns="45720" rIns="91440" bIns="45720" rtlCol="0" anchor="ctr">
             <a:normAutofit/>
           </a:bodyPr>
           <a:lstStyle/>
           <a:p>
             <a:r>
-              <a:rPr lang="en-US" sz="3200" dirty="0"/>
-              <a:t>Amplify Studio </a:t>
-            </a:r>
-            <a:r>
-              <a:rPr lang="en-US" sz="3200" dirty="0" smtClean="0"/>
-              <a:t>features</a:t>
-            </a:r>
-            <a:endParaRPr lang="en-US" sz="3200" dirty="0"/>
-          </a:p>
-        </p:txBody>
-      </p:sp>
-      <p:sp>
-        <p:nvSpPr>
-          <p:cNvPr id="3" name="Объект 2"/>
-          <p:cNvSpPr>
-            <a:spLocks noGrp="1"/>
-          </p:cNvSpPr>
-          <p:nvPr>
-            <p:ph sz="half" idx="1"/>
+              <a:rPr lang="en-US" sz="5400" kern="1200">
+                <a:solidFill>
+                  <a:schemeClr val="tx1"/>
+                </a:solidFill>
+                <a:latin typeface="+mj-lt"/>
+                <a:ea typeface="+mj-ea"/>
+                <a:cs typeface="+mj-cs"/>
+              </a:rPr>
+              <a:t>Amplify Studio features</a:t>
+            </a:r>
+          </a:p>
+        </p:txBody>
+      </p:sp>
+      <p:sp>
+        <p:nvSpPr>
+          <p:cNvPr id="10" name="sketch line">
+            <a:extLst>
+              <a:ext uri="{FF2B5EF4-FFF2-40B4-BE49-F238E27FC236}">
+                <a16:creationId xmlns:a16="http://schemas.microsoft.com/office/drawing/2014/main" id="{DB17E863-922E-4C26-BD64-E8FD41D28661}"/>
+              </a:ext>
+              <a:ext uri="{C183D7F6-B498-43B3-948B-1728B52AA6E4}">
+                <adec:decorative xmlns:adec="http://schemas.microsoft.com/office/drawing/2017/decorative" val="1"/>
+              </a:ext>
+            </a:extLst>
+          </p:cNvPr>
+          <p:cNvSpPr>
+            <a:spLocks noGrp="1" noRot="1" noChangeAspect="1" noMove="1" noResize="1" noEditPoints="1" noAdjustHandles="1" noChangeArrowheads="1" noChangeShapeType="1" noTextEdit="1"/>
+          </p:cNvSpPr>
+          <p:nvPr>
+            <p:extLst>
+              <p:ext uri="{386F3935-93C4-4BCD-93E2-E3B085C9AB24}">
+                <p16:designElem xmlns:p16="http://schemas.microsoft.com/office/powerpoint/2015/main" val="1"/>
+              </p:ext>
+            </p:extLst>
           </p:nvPr>
         </p:nvSpPr>
         <p:spPr>
           <a:xfrm>
-            <a:off x="292608" y="1825625"/>
-            <a:ext cx="11265408" cy="4351338"/>
+            <a:off x="669036" y="1677373"/>
+            <a:ext cx="10853928" cy="18288"/>
+          </a:xfrm>
+          <a:custGeom>
+            <a:avLst/>
+            <a:gdLst>
+              <a:gd name="connsiteX0" fmla="*/ 0 w 10853928"/>
+              <a:gd name="connsiteY0" fmla="*/ 0 h 18288"/>
+              <a:gd name="connsiteX1" fmla="*/ 461292 w 10853928"/>
+              <a:gd name="connsiteY1" fmla="*/ 0 h 18288"/>
+              <a:gd name="connsiteX2" fmla="*/ 1139662 w 10853928"/>
+              <a:gd name="connsiteY2" fmla="*/ 0 h 18288"/>
+              <a:gd name="connsiteX3" fmla="*/ 1926572 w 10853928"/>
+              <a:gd name="connsiteY3" fmla="*/ 0 h 18288"/>
+              <a:gd name="connsiteX4" fmla="*/ 2279325 w 10853928"/>
+              <a:gd name="connsiteY4" fmla="*/ 0 h 18288"/>
+              <a:gd name="connsiteX5" fmla="*/ 2632078 w 10853928"/>
+              <a:gd name="connsiteY5" fmla="*/ 0 h 18288"/>
+              <a:gd name="connsiteX6" fmla="*/ 3527527 w 10853928"/>
+              <a:gd name="connsiteY6" fmla="*/ 0 h 18288"/>
+              <a:gd name="connsiteX7" fmla="*/ 4205897 w 10853928"/>
+              <a:gd name="connsiteY7" fmla="*/ 0 h 18288"/>
+              <a:gd name="connsiteX8" fmla="*/ 4558650 w 10853928"/>
+              <a:gd name="connsiteY8" fmla="*/ 0 h 18288"/>
+              <a:gd name="connsiteX9" fmla="*/ 5237020 w 10853928"/>
+              <a:gd name="connsiteY9" fmla="*/ 0 h 18288"/>
+              <a:gd name="connsiteX10" fmla="*/ 6132469 w 10853928"/>
+              <a:gd name="connsiteY10" fmla="*/ 0 h 18288"/>
+              <a:gd name="connsiteX11" fmla="*/ 6702301 w 10853928"/>
+              <a:gd name="connsiteY11" fmla="*/ 0 h 18288"/>
+              <a:gd name="connsiteX12" fmla="*/ 7272132 w 10853928"/>
+              <a:gd name="connsiteY12" fmla="*/ 0 h 18288"/>
+              <a:gd name="connsiteX13" fmla="*/ 7950502 w 10853928"/>
+              <a:gd name="connsiteY13" fmla="*/ 0 h 18288"/>
+              <a:gd name="connsiteX14" fmla="*/ 8737412 w 10853928"/>
+              <a:gd name="connsiteY14" fmla="*/ 0 h 18288"/>
+              <a:gd name="connsiteX15" fmla="*/ 9524322 w 10853928"/>
+              <a:gd name="connsiteY15" fmla="*/ 0 h 18288"/>
+              <a:gd name="connsiteX16" fmla="*/ 10853928 w 10853928"/>
+              <a:gd name="connsiteY16" fmla="*/ 0 h 18288"/>
+              <a:gd name="connsiteX17" fmla="*/ 10853928 w 10853928"/>
+              <a:gd name="connsiteY17" fmla="*/ 18288 h 18288"/>
+              <a:gd name="connsiteX18" fmla="*/ 10392636 w 10853928"/>
+              <a:gd name="connsiteY18" fmla="*/ 18288 h 18288"/>
+              <a:gd name="connsiteX19" fmla="*/ 9497187 w 10853928"/>
+              <a:gd name="connsiteY19" fmla="*/ 18288 h 18288"/>
+              <a:gd name="connsiteX20" fmla="*/ 8818817 w 10853928"/>
+              <a:gd name="connsiteY20" fmla="*/ 18288 h 18288"/>
+              <a:gd name="connsiteX21" fmla="*/ 8466064 w 10853928"/>
+              <a:gd name="connsiteY21" fmla="*/ 18288 h 18288"/>
+              <a:gd name="connsiteX22" fmla="*/ 7787693 w 10853928"/>
+              <a:gd name="connsiteY22" fmla="*/ 18288 h 18288"/>
+              <a:gd name="connsiteX23" fmla="*/ 7217862 w 10853928"/>
+              <a:gd name="connsiteY23" fmla="*/ 18288 h 18288"/>
+              <a:gd name="connsiteX24" fmla="*/ 6648031 w 10853928"/>
+              <a:gd name="connsiteY24" fmla="*/ 18288 h 18288"/>
+              <a:gd name="connsiteX25" fmla="*/ 6078200 w 10853928"/>
+              <a:gd name="connsiteY25" fmla="*/ 18288 h 18288"/>
+              <a:gd name="connsiteX26" fmla="*/ 5508368 w 10853928"/>
+              <a:gd name="connsiteY26" fmla="*/ 18288 h 18288"/>
+              <a:gd name="connsiteX27" fmla="*/ 4721459 w 10853928"/>
+              <a:gd name="connsiteY27" fmla="*/ 18288 h 18288"/>
+              <a:gd name="connsiteX28" fmla="*/ 4043088 w 10853928"/>
+              <a:gd name="connsiteY28" fmla="*/ 18288 h 18288"/>
+              <a:gd name="connsiteX29" fmla="*/ 3690336 w 10853928"/>
+              <a:gd name="connsiteY29" fmla="*/ 18288 h 18288"/>
+              <a:gd name="connsiteX30" fmla="*/ 3120504 w 10853928"/>
+              <a:gd name="connsiteY30" fmla="*/ 18288 h 18288"/>
+              <a:gd name="connsiteX31" fmla="*/ 2333595 w 10853928"/>
+              <a:gd name="connsiteY31" fmla="*/ 18288 h 18288"/>
+              <a:gd name="connsiteX32" fmla="*/ 1872303 w 10853928"/>
+              <a:gd name="connsiteY32" fmla="*/ 18288 h 18288"/>
+              <a:gd name="connsiteX33" fmla="*/ 976854 w 10853928"/>
+              <a:gd name="connsiteY33" fmla="*/ 18288 h 18288"/>
+              <a:gd name="connsiteX34" fmla="*/ 0 w 10853928"/>
+              <a:gd name="connsiteY34" fmla="*/ 18288 h 18288"/>
+              <a:gd name="connsiteX35" fmla="*/ 0 w 10853928"/>
+              <a:gd name="connsiteY35" fmla="*/ 0 h 18288"/>
+            </a:gdLst>
+            <a:ahLst/>
+            <a:cxnLst>
+              <a:cxn ang="0">
+                <a:pos x="connsiteX0" y="connsiteY0"/>
+              </a:cxn>
+              <a:cxn ang="0">
+                <a:pos x="connsiteX1" y="connsiteY1"/>
+              </a:cxn>
+              <a:cxn ang="0">
+                <a:pos x="connsiteX2" y="connsiteY2"/>
+              </a:cxn>
+              <a:cxn ang="0">
+                <a:pos x="connsiteX3" y="connsiteY3"/>
+              </a:cxn>
+              <a:cxn ang="0">
+                <a:pos x="connsiteX4" y="connsiteY4"/>
+              </a:cxn>
+              <a:cxn ang="0">
+                <a:pos x="connsiteX5" y="connsiteY5"/>
+              </a:cxn>
+              <a:cxn ang="0">
+                <a:pos x="connsiteX6" y="connsiteY6"/>
+              </a:cxn>
+              <a:cxn ang="0">
+                <a:pos x="connsiteX7" y="connsiteY7"/>
+              </a:cxn>
+              <a:cxn ang="0">
+                <a:pos x="connsiteX8" y="connsiteY8"/>
+              </a:cxn>
+              <a:cxn ang="0">
+                <a:pos x="connsiteX9" y="connsiteY9"/>
+              </a:cxn>
+              <a:cxn ang="0">
+                <a:pos x="connsiteX10" y="connsiteY10"/>
+              </a:cxn>
+              <a:cxn ang="0">
+                <a:pos x="connsiteX11" y="connsiteY11"/>
+              </a:cxn>
+              <a:cxn ang="0">
+                <a:pos x="connsiteX12" y="connsiteY12"/>
+              </a:cxn>
+              <a:cxn ang="0">
+                <a:pos x="connsiteX13" y="connsiteY13"/>
+              </a:cxn>
+              <a:cxn ang="0">
+                <a:pos x="connsiteX14" y="connsiteY14"/>
+              </a:cxn>
+              <a:cxn ang="0">
+                <a:pos x="connsiteX15" y="connsiteY15"/>
+              </a:cxn>
+              <a:cxn ang="0">
+                <a:pos x="connsiteX16" y="connsiteY16"/>
+              </a:cxn>
+              <a:cxn ang="0">
+                <a:pos x="connsiteX17" y="connsiteY17"/>
+              </a:cxn>
+              <a:cxn ang="0">
+                <a:pos x="connsiteX18" y="connsiteY18"/>
+              </a:cxn>
+              <a:cxn ang="0">
+                <a:pos x="connsiteX19" y="connsiteY19"/>
+              </a:cxn>
+              <a:cxn ang="0">
+                <a:pos x="connsiteX20" y="connsiteY20"/>
+              </a:cxn>
+              <a:cxn ang="0">
+                <a:pos x="connsiteX21" y="connsiteY21"/>
+              </a:cxn>
+              <a:cxn ang="0">
+                <a:pos x="connsiteX22" y="connsiteY22"/>
+              </a:cxn>
+              <a:cxn ang="0">
+                <a:pos x="connsiteX23" y="connsiteY23"/>
+              </a:cxn>
+              <a:cxn ang="0">
+                <a:pos x="connsiteX24" y="connsiteY24"/>
+              </a:cxn>
+              <a:cxn ang="0">
+                <a:pos x="connsiteX25" y="connsiteY25"/>
+              </a:cxn>
+              <a:cxn ang="0">
+                <a:pos x="connsiteX26" y="connsiteY26"/>
+              </a:cxn>
+              <a:cxn ang="0">
+                <a:pos x="connsiteX27" y="connsiteY27"/>
+              </a:cxn>
+              <a:cxn ang="0">
+                <a:pos x="connsiteX28" y="connsiteY28"/>
+              </a:cxn>
+              <a:cxn ang="0">
+                <a:pos x="connsiteX29" y="connsiteY29"/>
+              </a:cxn>
+              <a:cxn ang="0">
+                <a:pos x="connsiteX30" y="connsiteY30"/>
+              </a:cxn>
+              <a:cxn ang="0">
+                <a:pos x="connsiteX31" y="connsiteY31"/>
+              </a:cxn>
+              <a:cxn ang="0">
+                <a:pos x="connsiteX32" y="connsiteY32"/>
+              </a:cxn>
+              <a:cxn ang="0">
+                <a:pos x="connsiteX33" y="connsiteY33"/>
+              </a:cxn>
+              <a:cxn ang="0">
+                <a:pos x="connsiteX34" y="connsiteY34"/>
+              </a:cxn>
+              <a:cxn ang="0">
+                <a:pos x="connsiteX35" y="connsiteY35"/>
+              </a:cxn>
+            </a:cxnLst>
+            <a:rect l="l" t="t" r="r" b="b"/>
+            <a:pathLst>
+              <a:path w="10853928" h="18288" fill="none" extrusionOk="0">
+                <a:moveTo>
+                  <a:pt x="0" y="0"/>
+                </a:moveTo>
+                <a:cubicBezTo>
+                  <a:pt x="146993" y="-19076"/>
+                  <a:pt x="347684" y="-4790"/>
+                  <a:pt x="461292" y="0"/>
+                </a:cubicBezTo>
+                <a:cubicBezTo>
+                  <a:pt x="574900" y="4790"/>
+                  <a:pt x="808367" y="19821"/>
+                  <a:pt x="1139662" y="0"/>
+                </a:cubicBezTo>
+                <a:cubicBezTo>
+                  <a:pt x="1470957" y="-19821"/>
+                  <a:pt x="1627405" y="5721"/>
+                  <a:pt x="1926572" y="0"/>
+                </a:cubicBezTo>
+                <a:cubicBezTo>
+                  <a:pt x="2225739" y="-5721"/>
+                  <a:pt x="2137730" y="-3235"/>
+                  <a:pt x="2279325" y="0"/>
+                </a:cubicBezTo>
+                <a:cubicBezTo>
+                  <a:pt x="2420920" y="3235"/>
+                  <a:pt x="2456518" y="9685"/>
+                  <a:pt x="2632078" y="0"/>
+                </a:cubicBezTo>
+                <a:cubicBezTo>
+                  <a:pt x="2807638" y="-9685"/>
+                  <a:pt x="3211516" y="-43007"/>
+                  <a:pt x="3527527" y="0"/>
+                </a:cubicBezTo>
+                <a:cubicBezTo>
+                  <a:pt x="3843538" y="43007"/>
+                  <a:pt x="4058833" y="22042"/>
+                  <a:pt x="4205897" y="0"/>
+                </a:cubicBezTo>
+                <a:cubicBezTo>
+                  <a:pt x="4352961" y="-22042"/>
+                  <a:pt x="4474805" y="-11846"/>
+                  <a:pt x="4558650" y="0"/>
+                </a:cubicBezTo>
+                <a:cubicBezTo>
+                  <a:pt x="4642495" y="11846"/>
+                  <a:pt x="5041928" y="-6069"/>
+                  <a:pt x="5237020" y="0"/>
+                </a:cubicBezTo>
+                <a:cubicBezTo>
+                  <a:pt x="5432112" y="6069"/>
+                  <a:pt x="5943266" y="-17479"/>
+                  <a:pt x="6132469" y="0"/>
+                </a:cubicBezTo>
+                <a:cubicBezTo>
+                  <a:pt x="6321672" y="17479"/>
+                  <a:pt x="6483872" y="26234"/>
+                  <a:pt x="6702301" y="0"/>
+                </a:cubicBezTo>
+                <a:cubicBezTo>
+                  <a:pt x="6920730" y="-26234"/>
+                  <a:pt x="6991194" y="-15156"/>
+                  <a:pt x="7272132" y="0"/>
+                </a:cubicBezTo>
+                <a:cubicBezTo>
+                  <a:pt x="7553070" y="15156"/>
+                  <a:pt x="7684444" y="-32961"/>
+                  <a:pt x="7950502" y="0"/>
+                </a:cubicBezTo>
+                <a:cubicBezTo>
+                  <a:pt x="8216560" y="32961"/>
+                  <a:pt x="8493290" y="-10491"/>
+                  <a:pt x="8737412" y="0"/>
+                </a:cubicBezTo>
+                <a:cubicBezTo>
+                  <a:pt x="8981534" y="10491"/>
+                  <a:pt x="9191586" y="-13899"/>
+                  <a:pt x="9524322" y="0"/>
+                </a:cubicBezTo>
+                <a:cubicBezTo>
+                  <a:pt x="9857058" y="13899"/>
+                  <a:pt x="10297509" y="7485"/>
+                  <a:pt x="10853928" y="0"/>
+                </a:cubicBezTo>
+                <a:cubicBezTo>
+                  <a:pt x="10854574" y="4451"/>
+                  <a:pt x="10854418" y="9226"/>
+                  <a:pt x="10853928" y="18288"/>
+                </a:cubicBezTo>
+                <a:cubicBezTo>
+                  <a:pt x="10691638" y="28522"/>
+                  <a:pt x="10574319" y="29578"/>
+                  <a:pt x="10392636" y="18288"/>
+                </a:cubicBezTo>
+                <a:cubicBezTo>
+                  <a:pt x="10210953" y="6998"/>
+                  <a:pt x="9836277" y="-16742"/>
+                  <a:pt x="9497187" y="18288"/>
+                </a:cubicBezTo>
+                <a:cubicBezTo>
+                  <a:pt x="9158097" y="53318"/>
+                  <a:pt x="9119479" y="30714"/>
+                  <a:pt x="8818817" y="18288"/>
+                </a:cubicBezTo>
+                <a:cubicBezTo>
+                  <a:pt x="8518155" y="5863"/>
+                  <a:pt x="8640037" y="6483"/>
+                  <a:pt x="8466064" y="18288"/>
+                </a:cubicBezTo>
+                <a:cubicBezTo>
+                  <a:pt x="8292091" y="30093"/>
+                  <a:pt x="7997656" y="18914"/>
+                  <a:pt x="7787693" y="18288"/>
+                </a:cubicBezTo>
+                <a:cubicBezTo>
+                  <a:pt x="7577730" y="17662"/>
+                  <a:pt x="7412468" y="21416"/>
+                  <a:pt x="7217862" y="18288"/>
+                </a:cubicBezTo>
+                <a:cubicBezTo>
+                  <a:pt x="7023256" y="15160"/>
+                  <a:pt x="6898018" y="14824"/>
+                  <a:pt x="6648031" y="18288"/>
+                </a:cubicBezTo>
+                <a:cubicBezTo>
+                  <a:pt x="6398044" y="21752"/>
+                  <a:pt x="6254402" y="38625"/>
+                  <a:pt x="6078200" y="18288"/>
+                </a:cubicBezTo>
+                <a:cubicBezTo>
+                  <a:pt x="5901998" y="-2049"/>
+                  <a:pt x="5622886" y="3213"/>
+                  <a:pt x="5508368" y="18288"/>
+                </a:cubicBezTo>
+                <a:cubicBezTo>
+                  <a:pt x="5393850" y="33363"/>
+                  <a:pt x="5036260" y="26830"/>
+                  <a:pt x="4721459" y="18288"/>
+                </a:cubicBezTo>
+                <a:cubicBezTo>
+                  <a:pt x="4406658" y="9746"/>
+                  <a:pt x="4239221" y="41551"/>
+                  <a:pt x="4043088" y="18288"/>
+                </a:cubicBezTo>
+                <a:cubicBezTo>
+                  <a:pt x="3846955" y="-4975"/>
+                  <a:pt x="3818802" y="34658"/>
+                  <a:pt x="3690336" y="18288"/>
+                </a:cubicBezTo>
+                <a:cubicBezTo>
+                  <a:pt x="3561870" y="1918"/>
+                  <a:pt x="3265491" y="42194"/>
+                  <a:pt x="3120504" y="18288"/>
+                </a:cubicBezTo>
+                <a:cubicBezTo>
+                  <a:pt x="2975517" y="-5618"/>
+                  <a:pt x="2720254" y="36673"/>
+                  <a:pt x="2333595" y="18288"/>
+                </a:cubicBezTo>
+                <a:cubicBezTo>
+                  <a:pt x="1946936" y="-97"/>
+                  <a:pt x="2097241" y="5776"/>
+                  <a:pt x="1872303" y="18288"/>
+                </a:cubicBezTo>
+                <a:cubicBezTo>
+                  <a:pt x="1647365" y="30800"/>
+                  <a:pt x="1282708" y="45380"/>
+                  <a:pt x="976854" y="18288"/>
+                </a:cubicBezTo>
+                <a:cubicBezTo>
+                  <a:pt x="671000" y="-8804"/>
+                  <a:pt x="408401" y="-12775"/>
+                  <a:pt x="0" y="18288"/>
+                </a:cubicBezTo>
+                <a:cubicBezTo>
+                  <a:pt x="-213" y="9468"/>
+                  <a:pt x="187" y="4459"/>
+                  <a:pt x="0" y="0"/>
+                </a:cubicBezTo>
+                <a:close/>
+              </a:path>
+              <a:path w="10853928" h="18288" stroke="0" extrusionOk="0">
+                <a:moveTo>
+                  <a:pt x="0" y="0"/>
+                </a:moveTo>
+                <a:cubicBezTo>
+                  <a:pt x="267322" y="15284"/>
+                  <a:pt x="415388" y="-21048"/>
+                  <a:pt x="569831" y="0"/>
+                </a:cubicBezTo>
+                <a:cubicBezTo>
+                  <a:pt x="724274" y="21048"/>
+                  <a:pt x="769333" y="-2353"/>
+                  <a:pt x="922584" y="0"/>
+                </a:cubicBezTo>
+                <a:cubicBezTo>
+                  <a:pt x="1075835" y="2353"/>
+                  <a:pt x="1399490" y="-145"/>
+                  <a:pt x="1818033" y="0"/>
+                </a:cubicBezTo>
+                <a:cubicBezTo>
+                  <a:pt x="2236576" y="145"/>
+                  <a:pt x="2145330" y="5482"/>
+                  <a:pt x="2387864" y="0"/>
+                </a:cubicBezTo>
+                <a:cubicBezTo>
+                  <a:pt x="2630398" y="-5482"/>
+                  <a:pt x="2793207" y="18487"/>
+                  <a:pt x="2957695" y="0"/>
+                </a:cubicBezTo>
+                <a:cubicBezTo>
+                  <a:pt x="3122183" y="-18487"/>
+                  <a:pt x="3579141" y="19003"/>
+                  <a:pt x="3853144" y="0"/>
+                </a:cubicBezTo>
+                <a:cubicBezTo>
+                  <a:pt x="4127147" y="-19003"/>
+                  <a:pt x="4209857" y="12211"/>
+                  <a:pt x="4314436" y="0"/>
+                </a:cubicBezTo>
+                <a:cubicBezTo>
+                  <a:pt x="4419015" y="-12211"/>
+                  <a:pt x="4762459" y="-17220"/>
+                  <a:pt x="5209885" y="0"/>
+                </a:cubicBezTo>
+                <a:cubicBezTo>
+                  <a:pt x="5657311" y="17220"/>
+                  <a:pt x="5692663" y="-3290"/>
+                  <a:pt x="6105335" y="0"/>
+                </a:cubicBezTo>
+                <a:cubicBezTo>
+                  <a:pt x="6518007" y="3290"/>
+                  <a:pt x="6455516" y="-5124"/>
+                  <a:pt x="6783705" y="0"/>
+                </a:cubicBezTo>
+                <a:cubicBezTo>
+                  <a:pt x="7111894" y="5124"/>
+                  <a:pt x="7441941" y="-17829"/>
+                  <a:pt x="7679154" y="0"/>
+                </a:cubicBezTo>
+                <a:cubicBezTo>
+                  <a:pt x="7916367" y="17829"/>
+                  <a:pt x="8102967" y="-24363"/>
+                  <a:pt x="8248985" y="0"/>
+                </a:cubicBezTo>
+                <a:cubicBezTo>
+                  <a:pt x="8395003" y="24363"/>
+                  <a:pt x="8552393" y="25505"/>
+                  <a:pt x="8818817" y="0"/>
+                </a:cubicBezTo>
+                <a:cubicBezTo>
+                  <a:pt x="9085241" y="-25505"/>
+                  <a:pt x="9411308" y="38000"/>
+                  <a:pt x="9605726" y="0"/>
+                </a:cubicBezTo>
+                <a:cubicBezTo>
+                  <a:pt x="9800144" y="-38000"/>
+                  <a:pt x="10006468" y="-25741"/>
+                  <a:pt x="10175558" y="0"/>
+                </a:cubicBezTo>
+                <a:cubicBezTo>
+                  <a:pt x="10344648" y="25741"/>
+                  <a:pt x="10696282" y="695"/>
+                  <a:pt x="10853928" y="0"/>
+                </a:cubicBezTo>
+                <a:cubicBezTo>
+                  <a:pt x="10853521" y="8690"/>
+                  <a:pt x="10853774" y="14141"/>
+                  <a:pt x="10853928" y="18288"/>
+                </a:cubicBezTo>
+                <a:cubicBezTo>
+                  <a:pt x="10608124" y="24255"/>
+                  <a:pt x="10343415" y="22307"/>
+                  <a:pt x="10067018" y="18288"/>
+                </a:cubicBezTo>
+                <a:cubicBezTo>
+                  <a:pt x="9790621" y="14270"/>
+                  <a:pt x="9843266" y="3564"/>
+                  <a:pt x="9714266" y="18288"/>
+                </a:cubicBezTo>
+                <a:cubicBezTo>
+                  <a:pt x="9585266" y="33012"/>
+                  <a:pt x="9379484" y="1875"/>
+                  <a:pt x="9252974" y="18288"/>
+                </a:cubicBezTo>
+                <a:cubicBezTo>
+                  <a:pt x="9126464" y="34701"/>
+                  <a:pt x="8580678" y="-4904"/>
+                  <a:pt x="8357525" y="18288"/>
+                </a:cubicBezTo>
+                <a:cubicBezTo>
+                  <a:pt x="8134372" y="41480"/>
+                  <a:pt x="7903199" y="26458"/>
+                  <a:pt x="7679154" y="18288"/>
+                </a:cubicBezTo>
+                <a:cubicBezTo>
+                  <a:pt x="7455109" y="10118"/>
+                  <a:pt x="7435944" y="27109"/>
+                  <a:pt x="7217862" y="18288"/>
+                </a:cubicBezTo>
+                <a:cubicBezTo>
+                  <a:pt x="6999780" y="9467"/>
+                  <a:pt x="6680409" y="18985"/>
+                  <a:pt x="6539492" y="18288"/>
+                </a:cubicBezTo>
+                <a:cubicBezTo>
+                  <a:pt x="6398575" y="17592"/>
+                  <a:pt x="6312077" y="33018"/>
+                  <a:pt x="6186739" y="18288"/>
+                </a:cubicBezTo>
+                <a:cubicBezTo>
+                  <a:pt x="6061401" y="3558"/>
+                  <a:pt x="5947033" y="12075"/>
+                  <a:pt x="5833986" y="18288"/>
+                </a:cubicBezTo>
+                <a:cubicBezTo>
+                  <a:pt x="5720939" y="24501"/>
+                  <a:pt x="5482226" y="8586"/>
+                  <a:pt x="5155616" y="18288"/>
+                </a:cubicBezTo>
+                <a:cubicBezTo>
+                  <a:pt x="4829006" y="27991"/>
+                  <a:pt x="4841274" y="29316"/>
+                  <a:pt x="4694324" y="18288"/>
+                </a:cubicBezTo>
+                <a:cubicBezTo>
+                  <a:pt x="4547374" y="7260"/>
+                  <a:pt x="4077675" y="7013"/>
+                  <a:pt x="3907414" y="18288"/>
+                </a:cubicBezTo>
+                <a:cubicBezTo>
+                  <a:pt x="3737153" y="29564"/>
+                  <a:pt x="3538393" y="21630"/>
+                  <a:pt x="3446122" y="18288"/>
+                </a:cubicBezTo>
+                <a:cubicBezTo>
+                  <a:pt x="3353851" y="14946"/>
+                  <a:pt x="2990320" y="-8091"/>
+                  <a:pt x="2659212" y="18288"/>
+                </a:cubicBezTo>
+                <a:cubicBezTo>
+                  <a:pt x="2328104" y="44667"/>
+                  <a:pt x="2427653" y="9607"/>
+                  <a:pt x="2306460" y="18288"/>
+                </a:cubicBezTo>
+                <a:cubicBezTo>
+                  <a:pt x="2185267" y="26969"/>
+                  <a:pt x="1719763" y="3717"/>
+                  <a:pt x="1519550" y="18288"/>
+                </a:cubicBezTo>
+                <a:cubicBezTo>
+                  <a:pt x="1319337" y="32860"/>
+                  <a:pt x="1167371" y="17040"/>
+                  <a:pt x="1058258" y="18288"/>
+                </a:cubicBezTo>
+                <a:cubicBezTo>
+                  <a:pt x="949145" y="19536"/>
+                  <a:pt x="780234" y="31447"/>
+                  <a:pt x="705505" y="18288"/>
+                </a:cubicBezTo>
+                <a:cubicBezTo>
+                  <a:pt x="630776" y="5129"/>
+                  <a:pt x="215796" y="30056"/>
+                  <a:pt x="0" y="18288"/>
+                </a:cubicBezTo>
+                <a:cubicBezTo>
+                  <a:pt x="-53" y="11301"/>
+                  <a:pt x="-649" y="7756"/>
+                  <a:pt x="0" y="0"/>
+                </a:cubicBezTo>
+                <a:close/>
+              </a:path>
+            </a:pathLst>
+          </a:custGeom>
+          <a:solidFill>
+            <a:schemeClr val="accent2"/>
+          </a:solidFill>
+          <a:ln w="41275" cap="rnd">
+            <a:solidFill>
+              <a:schemeClr val="accent2"/>
+            </a:solidFill>
+            <a:round/>
+            <a:extLst>
+              <a:ext uri="{C807C97D-BFC1-408E-A445-0C87EB9F89A2}">
+                <ask:lineSketchStyleProps xmlns:ask="http://schemas.microsoft.com/office/drawing/2018/sketchyshapes" sd="1219033472">
+                  <a:prstGeom prst="rect">
+                    <a:avLst/>
+                  </a:prstGeom>
+                  <ask:type>
+                    <ask:lineSketchFreehand/>
+                  </ask:type>
+                </ask:lineSketchStyleProps>
+              </a:ext>
+            </a:extLst>
+          </a:ln>
+        </p:spPr>
+        <p:style>
+          <a:lnRef idx="2">
+            <a:schemeClr val="accent1">
+              <a:shade val="50000"/>
+            </a:schemeClr>
+          </a:lnRef>
+          <a:fillRef idx="1">
+            <a:schemeClr val="accent1"/>
+          </a:fillRef>
+          <a:effectRef idx="0">
+            <a:schemeClr val="accent1"/>
+          </a:effectRef>
+          <a:fontRef idx="minor">
+            <a:schemeClr val="lt1"/>
+          </a:fontRef>
+        </p:style>
+        <p:txBody>
+          <a:bodyPr rtlCol="0" anchor="ctr"/>
+          <a:lstStyle/>
+          <a:p>
+            <a:pPr algn="ctr"/>
+            <a:endParaRPr lang="en-US"/>
+          </a:p>
+        </p:txBody>
+      </p:sp>
+      <p:sp>
+        <p:nvSpPr>
+          <p:cNvPr id="3" name="Объект 2"/>
+          <p:cNvSpPr>
+            <a:spLocks noGrp="1"/>
+          </p:cNvSpPr>
+          <p:nvPr>
+            <p:ph sz="half" idx="1"/>
+          </p:nvPr>
+        </p:nvSpPr>
+        <p:spPr>
+          <a:xfrm>
+            <a:off x="838200" y="1929384"/>
+            <a:ext cx="10515600" cy="4251960"/>
           </a:xfrm>
         </p:spPr>
         <p:txBody>
-          <a:bodyPr>
+          <a:bodyPr vert="horz" lIns="91440" tIns="45720" rIns="91440" bIns="45720" rtlCol="0">
             <a:normAutofit/>
           </a:bodyPr>
           <a:lstStyle/>
           <a:p>
             <a:r>
-              <a:rPr lang="en-US" sz="1400" b="1" dirty="0" smtClean="0"/>
+              <a:rPr lang="en-US" sz="1400" b="1" dirty="0"/>
               <a:t>Visual data modeling </a:t>
             </a:r>
             <a:r>
-              <a:rPr lang="en-US" sz="1400" dirty="0" smtClean="0"/>
+              <a:rPr lang="en-US" sz="1400" dirty="0"/>
               <a:t>enables you to focus on your domain-specific objects instead of cloud infrastructure.</a:t>
             </a:r>
           </a:p>
           <a:p>
             <a:r>
-              <a:rPr lang="en-US" sz="1400" dirty="0" smtClean="0"/>
+              <a:rPr lang="en-US" sz="1400" dirty="0"/>
               <a:t>Set up </a:t>
             </a:r>
             <a:r>
-              <a:rPr lang="en-US" sz="1400" b="1" dirty="0" smtClean="0"/>
+              <a:rPr lang="en-US" sz="1400" b="1" dirty="0"/>
               <a:t>authentication</a:t>
             </a:r>
             <a:r>
-              <a:rPr lang="en-US" sz="1400" dirty="0" smtClean="0"/>
+              <a:rPr lang="en-US" sz="1400" dirty="0"/>
               <a:t> for your app.</a:t>
             </a:r>
           </a:p>
           <a:p>
             <a:r>
-              <a:rPr lang="en-US" sz="1400" dirty="0" smtClean="0"/>
+              <a:rPr lang="en-US" sz="1400" dirty="0"/>
               <a:t>Powerful and easy to understand authorization.</a:t>
             </a:r>
           </a:p>
           <a:p>
             <a:r>
-              <a:rPr lang="en-US" sz="1400" dirty="0" smtClean="0"/>
+              <a:rPr lang="en-US" sz="1400" dirty="0"/>
               <a:t>Infrastructure-as-code configures all backend capabilities with AWS </a:t>
             </a:r>
             <a:r>
-              <a:rPr lang="en-US" sz="1400" dirty="0" err="1" smtClean="0"/>
+              <a:rPr lang="en-US" sz="1400"/>
               <a:t>CloudFormation</a:t>
             </a:r>
             <a:r>
-              <a:rPr lang="en-US" sz="1400" dirty="0" smtClean="0"/>
+              <a:rPr lang="en-US" sz="1400" dirty="0"/>
               <a:t>.</a:t>
             </a:r>
           </a:p>
           <a:p>
             <a:r>
-              <a:rPr lang="en-US" sz="1400" dirty="0" smtClean="0"/>
+              <a:rPr lang="en-US" sz="1400" dirty="0"/>
               <a:t>Works with the </a:t>
             </a:r>
             <a:r>
-              <a:rPr lang="en-US" sz="1400" b="1" dirty="0" smtClean="0"/>
+              <a:rPr lang="en-US" sz="1400" b="1" dirty="0"/>
               <a:t>Amplify Command Line Interface </a:t>
             </a:r>
             <a:r>
-              <a:rPr lang="en-US" sz="1400" dirty="0" smtClean="0"/>
+              <a:rPr lang="en-US" sz="1400" dirty="0"/>
               <a:t>(CLI). All updates you make in Studio can be pulled into the CLI.</a:t>
             </a:r>
           </a:p>
           <a:p>
             <a:r>
-              <a:rPr lang="en-US" sz="1400" dirty="0" smtClean="0"/>
+              <a:rPr lang="en-US" sz="1400" dirty="0"/>
               <a:t>Invite users via email to configure and manage the backend. These users will also be able to log in to the Amplify CLI with their email.</a:t>
             </a:r>
           </a:p>
           <a:p>
             <a:r>
-              <a:rPr lang="en-US" sz="1400" dirty="0" smtClean="0"/>
+              <a:rPr lang="en-US" sz="1400" dirty="0"/>
               <a:t>Manage users and groups for your app.</a:t>
             </a:r>
           </a:p>
           <a:p>
             <a:r>
-              <a:rPr lang="en-US" sz="1400" dirty="0" smtClean="0"/>
+              <a:rPr lang="en-US" sz="1400" dirty="0"/>
               <a:t>Use </a:t>
             </a:r>
             <a:r>
-              <a:rPr lang="en-US" sz="1400" b="1" dirty="0" smtClean="0"/>
+              <a:rPr lang="en-US" sz="1400" b="1" dirty="0"/>
               <a:t>Studio's visual designer </a:t>
             </a:r>
             <a:r>
-              <a:rPr lang="en-US" sz="1400" dirty="0" smtClean="0"/>
+              <a:rPr lang="en-US" sz="1400" dirty="0"/>
               <a:t>to build frontend UI components. Choose from dozens of designs in the pre-built UI component library.</a:t>
             </a:r>
           </a:p>
           <a:p>
             <a:r>
-              <a:rPr lang="en-US" sz="1400" b="1" dirty="0" smtClean="0"/>
+              <a:rPr lang="en-US" sz="1400" b="1" dirty="0"/>
               <a:t>Import</a:t>
             </a:r>
             <a:r>
-              <a:rPr lang="en-US" sz="1400" dirty="0" smtClean="0"/>
+              <a:rPr lang="en-US" sz="1400" dirty="0"/>
               <a:t> </a:t>
             </a:r>
             <a:r>
-              <a:rPr lang="en-US" sz="1400" b="1" dirty="0" err="1" smtClean="0"/>
+              <a:rPr lang="en-US" sz="1400" b="1"/>
               <a:t>Figma</a:t>
             </a:r>
             <a:r>
-              <a:rPr lang="en-US" sz="1400" dirty="0" smtClean="0"/>
+              <a:rPr lang="en-US" sz="1400" dirty="0"/>
               <a:t> prototypes built by designers into Studio as React code.</a:t>
             </a:r>
           </a:p>
           <a:p>
             <a:r>
-              <a:rPr lang="en-US" sz="1400" dirty="0" smtClean="0"/>
+              <a:rPr lang="en-US" sz="1400" dirty="0"/>
               <a:t>Customize your frontend UI with themes to apply global styles to your app's components.</a:t>
             </a:r>
           </a:p>
           <a:p>
             <a:r>
-              <a:rPr lang="en-US" sz="1400" dirty="0" smtClean="0"/>
+              <a:rPr lang="en-US" sz="1400" dirty="0"/>
               <a:t>Configure and test your UI components directly within Studio to see how they update and display data.</a:t>
             </a:r>
           </a:p>
           <a:p>
             <a:r>
-              <a:rPr lang="en-US" sz="1400" dirty="0" smtClean="0"/>
+              <a:rPr lang="en-US" sz="1400" dirty="0"/>
               <a:t>Bind your cloud-connected backend to your frontend UI in a few simple steps.</a:t>
             </a:r>
-            <a:endParaRPr lang="en-US" sz="1400" dirty="0"/>
           </a:p>
         </p:txBody>
       </p:sp>
@@ -4903,6 +7368,14 @@
 <file path=ppt/slides/slide6.xml><?xml version="1.0" encoding="utf-8"?>
 <p:sld xmlns:a="http://schemas.openxmlformats.org/drawingml/2006/main" xmlns:r="http://schemas.openxmlformats.org/officeDocument/2006/relationships" xmlns:p="http://schemas.openxmlformats.org/presentationml/2006/main">
   <p:cSld>
+    <p:bg>
+      <p:bgPr>
+        <a:solidFill>
+          <a:schemeClr val="bg1"/>
+        </a:solidFill>
+        <a:effectLst/>
+      </p:bgPr>
+    </p:bg>
     <p:spTree>
       <p:nvGrpSpPr>
         <p:cNvPr id="1" name=""/>
@@ -4917,6 +7390,66 @@
           <a:chExt cx="0" cy="0"/>
         </a:xfrm>
       </p:grpSpPr>
+      <p:sp useBgFill="1">
+        <p:nvSpPr>
+          <p:cNvPr id="9" name="Rectangle 8">
+            <a:extLst>
+              <a:ext uri="{FF2B5EF4-FFF2-40B4-BE49-F238E27FC236}">
+                <a16:creationId xmlns:a16="http://schemas.microsoft.com/office/drawing/2014/main" id="{BCED4D40-4B67-4331-AC48-79B82B4A47D8}"/>
+              </a:ext>
+              <a:ext uri="{C183D7F6-B498-43B3-948B-1728B52AA6E4}">
+                <adec:decorative xmlns:adec="http://schemas.microsoft.com/office/drawing/2017/decorative" val="1"/>
+              </a:ext>
+            </a:extLst>
+          </p:cNvPr>
+          <p:cNvSpPr>
+            <a:spLocks noGrp="1" noRot="1" noChangeAspect="1" noMove="1" noResize="1" noEditPoints="1" noAdjustHandles="1" noChangeArrowheads="1" noChangeShapeType="1" noTextEdit="1"/>
+          </p:cNvSpPr>
+          <p:nvPr>
+            <p:extLst>
+              <p:ext uri="{386F3935-93C4-4BCD-93E2-E3B085C9AB24}">
+                <p16:designElem xmlns:p16="http://schemas.microsoft.com/office/powerpoint/2015/main" val="1"/>
+              </p:ext>
+            </p:extLst>
+          </p:nvPr>
+        </p:nvSpPr>
+        <p:spPr>
+          <a:xfrm>
+            <a:off x="0" y="0"/>
+            <a:ext cx="12192000" cy="6858000"/>
+          </a:xfrm>
+          <a:prstGeom prst="rect">
+            <a:avLst/>
+          </a:prstGeom>
+          <a:ln>
+            <a:noFill/>
+          </a:ln>
+        </p:spPr>
+        <p:style>
+          <a:lnRef idx="2">
+            <a:schemeClr val="accent1">
+              <a:shade val="50000"/>
+            </a:schemeClr>
+          </a:lnRef>
+          <a:fillRef idx="1">
+            <a:schemeClr val="accent1"/>
+          </a:fillRef>
+          <a:effectRef idx="0">
+            <a:schemeClr val="accent1"/>
+          </a:effectRef>
+          <a:fontRef idx="minor">
+            <a:schemeClr val="lt1"/>
+          </a:fontRef>
+        </p:style>
+        <p:txBody>
+          <a:bodyPr rtlCol="0" anchor="ctr"/>
+          <a:lstStyle/>
+          <a:p>
+            <a:pPr algn="ctr"/>
+            <a:endParaRPr lang="en-US"/>
+          </a:p>
+        </p:txBody>
+      </p:sp>
       <p:sp>
         <p:nvSpPr>
           <p:cNvPr id="2" name="Заголовок 1"/>
@@ -4927,18 +7460,373 @@
             <p:ph type="title"/>
           </p:nvPr>
         </p:nvSpPr>
-        <p:spPr/>
-        <p:txBody>
-          <a:bodyPr>
+        <p:spPr>
+          <a:xfrm>
+            <a:off x="638881" y="417576"/>
+            <a:ext cx="10909640" cy="1249394"/>
+          </a:xfrm>
+        </p:spPr>
+        <p:txBody>
+          <a:bodyPr vert="horz" lIns="91440" tIns="45720" rIns="91440" bIns="45720" rtlCol="0" anchor="ctr">
             <a:normAutofit/>
           </a:bodyPr>
           <a:lstStyle/>
           <a:p>
-            <a:r>
-              <a:rPr lang="en-US" sz="3200" dirty="0" smtClean="0"/>
+            <a:pPr algn="ctr"/>
+            <a:r>
+              <a:rPr lang="en-US" sz="6600" kern="1200">
+                <a:solidFill>
+                  <a:schemeClr val="tx1"/>
+                </a:solidFill>
+                <a:latin typeface="+mj-lt"/>
+                <a:ea typeface="+mj-ea"/>
+                <a:cs typeface="+mj-cs"/>
+              </a:rPr>
               <a:t>Amplify Studio diagram</a:t>
             </a:r>
-            <a:endParaRPr lang="en-US" sz="3200" dirty="0"/>
+          </a:p>
+        </p:txBody>
+      </p:sp>
+      <p:sp>
+        <p:nvSpPr>
+          <p:cNvPr id="11" name="sketch line">
+            <a:extLst>
+              <a:ext uri="{FF2B5EF4-FFF2-40B4-BE49-F238E27FC236}">
+                <a16:creationId xmlns:a16="http://schemas.microsoft.com/office/drawing/2014/main" id="{670CEDEF-4F34-412E-84EE-329C1E936AF5}"/>
+              </a:ext>
+              <a:ext uri="{C183D7F6-B498-43B3-948B-1728B52AA6E4}">
+                <adec:decorative xmlns:adec="http://schemas.microsoft.com/office/drawing/2017/decorative" val="1"/>
+              </a:ext>
+            </a:extLst>
+          </p:cNvPr>
+          <p:cNvSpPr>
+            <a:spLocks noGrp="1" noRot="1" noChangeAspect="1" noMove="1" noResize="1" noEditPoints="1" noAdjustHandles="1" noChangeArrowheads="1" noChangeShapeType="1" noTextEdit="1"/>
+          </p:cNvSpPr>
+          <p:nvPr>
+            <p:extLst>
+              <p:ext uri="{386F3935-93C4-4BCD-93E2-E3B085C9AB24}">
+                <p16:designElem xmlns:p16="http://schemas.microsoft.com/office/powerpoint/2015/main" val="1"/>
+              </p:ext>
+            </p:extLst>
+          </p:nvPr>
+        </p:nvSpPr>
+        <p:spPr>
+          <a:xfrm>
+            <a:off x="3807702" y="1733454"/>
+            <a:ext cx="4572000" cy="18288"/>
+          </a:xfrm>
+          <a:custGeom>
+            <a:avLst/>
+            <a:gdLst>
+              <a:gd name="connsiteX0" fmla="*/ 0 w 4572000"/>
+              <a:gd name="connsiteY0" fmla="*/ 0 h 18288"/>
+              <a:gd name="connsiteX1" fmla="*/ 515983 w 4572000"/>
+              <a:gd name="connsiteY1" fmla="*/ 0 h 18288"/>
+              <a:gd name="connsiteX2" fmla="*/ 1031966 w 4572000"/>
+              <a:gd name="connsiteY2" fmla="*/ 0 h 18288"/>
+              <a:gd name="connsiteX3" fmla="*/ 1639389 w 4572000"/>
+              <a:gd name="connsiteY3" fmla="*/ 0 h 18288"/>
+              <a:gd name="connsiteX4" fmla="*/ 2383971 w 4572000"/>
+              <a:gd name="connsiteY4" fmla="*/ 0 h 18288"/>
+              <a:gd name="connsiteX5" fmla="*/ 2945674 w 4572000"/>
+              <a:gd name="connsiteY5" fmla="*/ 0 h 18288"/>
+              <a:gd name="connsiteX6" fmla="*/ 3507377 w 4572000"/>
+              <a:gd name="connsiteY6" fmla="*/ 0 h 18288"/>
+              <a:gd name="connsiteX7" fmla="*/ 4572000 w 4572000"/>
+              <a:gd name="connsiteY7" fmla="*/ 0 h 18288"/>
+              <a:gd name="connsiteX8" fmla="*/ 4572000 w 4572000"/>
+              <a:gd name="connsiteY8" fmla="*/ 18288 h 18288"/>
+              <a:gd name="connsiteX9" fmla="*/ 3873137 w 4572000"/>
+              <a:gd name="connsiteY9" fmla="*/ 18288 h 18288"/>
+              <a:gd name="connsiteX10" fmla="*/ 3311434 w 4572000"/>
+              <a:gd name="connsiteY10" fmla="*/ 18288 h 18288"/>
+              <a:gd name="connsiteX11" fmla="*/ 2749731 w 4572000"/>
+              <a:gd name="connsiteY11" fmla="*/ 18288 h 18288"/>
+              <a:gd name="connsiteX12" fmla="*/ 2050869 w 4572000"/>
+              <a:gd name="connsiteY12" fmla="*/ 18288 h 18288"/>
+              <a:gd name="connsiteX13" fmla="*/ 1306286 w 4572000"/>
+              <a:gd name="connsiteY13" fmla="*/ 18288 h 18288"/>
+              <a:gd name="connsiteX14" fmla="*/ 790303 w 4572000"/>
+              <a:gd name="connsiteY14" fmla="*/ 18288 h 18288"/>
+              <a:gd name="connsiteX15" fmla="*/ 0 w 4572000"/>
+              <a:gd name="connsiteY15" fmla="*/ 18288 h 18288"/>
+              <a:gd name="connsiteX16" fmla="*/ 0 w 4572000"/>
+              <a:gd name="connsiteY16" fmla="*/ 0 h 18288"/>
+            </a:gdLst>
+            <a:ahLst/>
+            <a:cxnLst>
+              <a:cxn ang="0">
+                <a:pos x="connsiteX0" y="connsiteY0"/>
+              </a:cxn>
+              <a:cxn ang="0">
+                <a:pos x="connsiteX1" y="connsiteY1"/>
+              </a:cxn>
+              <a:cxn ang="0">
+                <a:pos x="connsiteX2" y="connsiteY2"/>
+              </a:cxn>
+              <a:cxn ang="0">
+                <a:pos x="connsiteX3" y="connsiteY3"/>
+              </a:cxn>
+              <a:cxn ang="0">
+                <a:pos x="connsiteX4" y="connsiteY4"/>
+              </a:cxn>
+              <a:cxn ang="0">
+                <a:pos x="connsiteX5" y="connsiteY5"/>
+              </a:cxn>
+              <a:cxn ang="0">
+                <a:pos x="connsiteX6" y="connsiteY6"/>
+              </a:cxn>
+              <a:cxn ang="0">
+                <a:pos x="connsiteX7" y="connsiteY7"/>
+              </a:cxn>
+              <a:cxn ang="0">
+                <a:pos x="connsiteX8" y="connsiteY8"/>
+              </a:cxn>
+              <a:cxn ang="0">
+                <a:pos x="connsiteX9" y="connsiteY9"/>
+              </a:cxn>
+              <a:cxn ang="0">
+                <a:pos x="connsiteX10" y="connsiteY10"/>
+              </a:cxn>
+              <a:cxn ang="0">
+                <a:pos x="connsiteX11" y="connsiteY11"/>
+              </a:cxn>
+              <a:cxn ang="0">
+                <a:pos x="connsiteX12" y="connsiteY12"/>
+              </a:cxn>
+              <a:cxn ang="0">
+                <a:pos x="connsiteX13" y="connsiteY13"/>
+              </a:cxn>
+              <a:cxn ang="0">
+                <a:pos x="connsiteX14" y="connsiteY14"/>
+              </a:cxn>
+              <a:cxn ang="0">
+                <a:pos x="connsiteX15" y="connsiteY15"/>
+              </a:cxn>
+              <a:cxn ang="0">
+                <a:pos x="connsiteX16" y="connsiteY16"/>
+              </a:cxn>
+            </a:cxnLst>
+            <a:rect l="l" t="t" r="r" b="b"/>
+            <a:pathLst>
+              <a:path w="4572000" h="18288" fill="none" extrusionOk="0">
+                <a:moveTo>
+                  <a:pt x="0" y="0"/>
+                </a:moveTo>
+                <a:cubicBezTo>
+                  <a:pt x="105156" y="-20963"/>
+                  <a:pt x="340432" y="822"/>
+                  <a:pt x="515983" y="0"/>
+                </a:cubicBezTo>
+                <a:cubicBezTo>
+                  <a:pt x="691534" y="-822"/>
+                  <a:pt x="850679" y="16479"/>
+                  <a:pt x="1031966" y="0"/>
+                </a:cubicBezTo>
+                <a:cubicBezTo>
+                  <a:pt x="1213253" y="-16479"/>
+                  <a:pt x="1443646" y="-18730"/>
+                  <a:pt x="1639389" y="0"/>
+                </a:cubicBezTo>
+                <a:cubicBezTo>
+                  <a:pt x="1835132" y="18730"/>
+                  <a:pt x="2159975" y="18531"/>
+                  <a:pt x="2383971" y="0"/>
+                </a:cubicBezTo>
+                <a:cubicBezTo>
+                  <a:pt x="2607967" y="-18531"/>
+                  <a:pt x="2719096" y="-12030"/>
+                  <a:pt x="2945674" y="0"/>
+                </a:cubicBezTo>
+                <a:cubicBezTo>
+                  <a:pt x="3172252" y="12030"/>
+                  <a:pt x="3269167" y="27666"/>
+                  <a:pt x="3507377" y="0"/>
+                </a:cubicBezTo>
+                <a:cubicBezTo>
+                  <a:pt x="3745587" y="-27666"/>
+                  <a:pt x="4116741" y="18705"/>
+                  <a:pt x="4572000" y="0"/>
+                </a:cubicBezTo>
+                <a:cubicBezTo>
+                  <a:pt x="4572895" y="8974"/>
+                  <a:pt x="4571454" y="9359"/>
+                  <a:pt x="4572000" y="18288"/>
+                </a:cubicBezTo>
+                <a:cubicBezTo>
+                  <a:pt x="4374698" y="3942"/>
+                  <a:pt x="4098874" y="-11042"/>
+                  <a:pt x="3873137" y="18288"/>
+                </a:cubicBezTo>
+                <a:cubicBezTo>
+                  <a:pt x="3647400" y="47618"/>
+                  <a:pt x="3517055" y="5421"/>
+                  <a:pt x="3311434" y="18288"/>
+                </a:cubicBezTo>
+                <a:cubicBezTo>
+                  <a:pt x="3105813" y="31155"/>
+                  <a:pt x="3025168" y="17856"/>
+                  <a:pt x="2749731" y="18288"/>
+                </a:cubicBezTo>
+                <a:cubicBezTo>
+                  <a:pt x="2474294" y="18720"/>
+                  <a:pt x="2291766" y="-14168"/>
+                  <a:pt x="2050869" y="18288"/>
+                </a:cubicBezTo>
+                <a:cubicBezTo>
+                  <a:pt x="1809972" y="50744"/>
+                  <a:pt x="1540276" y="46798"/>
+                  <a:pt x="1306286" y="18288"/>
+                </a:cubicBezTo>
+                <a:cubicBezTo>
+                  <a:pt x="1072296" y="-10222"/>
+                  <a:pt x="972445" y="19645"/>
+                  <a:pt x="790303" y="18288"/>
+                </a:cubicBezTo>
+                <a:cubicBezTo>
+                  <a:pt x="608161" y="16931"/>
+                  <a:pt x="200981" y="8241"/>
+                  <a:pt x="0" y="18288"/>
+                </a:cubicBezTo>
+                <a:cubicBezTo>
+                  <a:pt x="-229" y="14222"/>
+                  <a:pt x="509" y="5816"/>
+                  <a:pt x="0" y="0"/>
+                </a:cubicBezTo>
+                <a:close/>
+              </a:path>
+              <a:path w="4572000" h="18288" stroke="0" extrusionOk="0">
+                <a:moveTo>
+                  <a:pt x="0" y="0"/>
+                </a:moveTo>
+                <a:cubicBezTo>
+                  <a:pt x="143285" y="-9565"/>
+                  <a:pt x="327959" y="-11498"/>
+                  <a:pt x="561703" y="0"/>
+                </a:cubicBezTo>
+                <a:cubicBezTo>
+                  <a:pt x="795447" y="11498"/>
+                  <a:pt x="838260" y="18255"/>
+                  <a:pt x="1077686" y="0"/>
+                </a:cubicBezTo>
+                <a:cubicBezTo>
+                  <a:pt x="1317112" y="-18255"/>
+                  <a:pt x="1437472" y="23514"/>
+                  <a:pt x="1639389" y="0"/>
+                </a:cubicBezTo>
+                <a:cubicBezTo>
+                  <a:pt x="1841306" y="-23514"/>
+                  <a:pt x="2037142" y="-12551"/>
+                  <a:pt x="2292531" y="0"/>
+                </a:cubicBezTo>
+                <a:cubicBezTo>
+                  <a:pt x="2547920" y="12551"/>
+                  <a:pt x="2810436" y="-20352"/>
+                  <a:pt x="2991394" y="0"/>
+                </a:cubicBezTo>
+                <a:cubicBezTo>
+                  <a:pt x="3172352" y="20352"/>
+                  <a:pt x="3530025" y="-13347"/>
+                  <a:pt x="3735977" y="0"/>
+                </a:cubicBezTo>
+                <a:cubicBezTo>
+                  <a:pt x="3941929" y="13347"/>
+                  <a:pt x="4161497" y="34086"/>
+                  <a:pt x="4572000" y="0"/>
+                </a:cubicBezTo>
+                <a:cubicBezTo>
+                  <a:pt x="4571545" y="6162"/>
+                  <a:pt x="4571903" y="11775"/>
+                  <a:pt x="4572000" y="18288"/>
+                </a:cubicBezTo>
+                <a:cubicBezTo>
+                  <a:pt x="4228040" y="36490"/>
+                  <a:pt x="4199736" y="42557"/>
+                  <a:pt x="3873137" y="18288"/>
+                </a:cubicBezTo>
+                <a:cubicBezTo>
+                  <a:pt x="3546538" y="-5981"/>
+                  <a:pt x="3472124" y="16809"/>
+                  <a:pt x="3128554" y="18288"/>
+                </a:cubicBezTo>
+                <a:cubicBezTo>
+                  <a:pt x="2784984" y="19767"/>
+                  <a:pt x="2735896" y="-17781"/>
+                  <a:pt x="2383971" y="18288"/>
+                </a:cubicBezTo>
+                <a:cubicBezTo>
+                  <a:pt x="2032046" y="54357"/>
+                  <a:pt x="2019324" y="2920"/>
+                  <a:pt x="1867989" y="18288"/>
+                </a:cubicBezTo>
+                <a:cubicBezTo>
+                  <a:pt x="1716654" y="33656"/>
+                  <a:pt x="1418675" y="32575"/>
+                  <a:pt x="1169126" y="18288"/>
+                </a:cubicBezTo>
+                <a:cubicBezTo>
+                  <a:pt x="919577" y="4001"/>
+                  <a:pt x="798537" y="16165"/>
+                  <a:pt x="561703" y="18288"/>
+                </a:cubicBezTo>
+                <a:cubicBezTo>
+                  <a:pt x="324869" y="20411"/>
+                  <a:pt x="221395" y="-912"/>
+                  <a:pt x="0" y="18288"/>
+                </a:cubicBezTo>
+                <a:cubicBezTo>
+                  <a:pt x="766" y="10800"/>
+                  <a:pt x="-457" y="8180"/>
+                  <a:pt x="0" y="0"/>
+                </a:cubicBezTo>
+                <a:close/>
+              </a:path>
+            </a:pathLst>
+          </a:custGeom>
+          <a:solidFill>
+            <a:schemeClr val="accent2"/>
+          </a:solidFill>
+          <a:ln w="41275" cap="rnd">
+            <a:solidFill>
+              <a:schemeClr val="accent2"/>
+            </a:solidFill>
+            <a:round/>
+            <a:extLst>
+              <a:ext uri="{C807C97D-BFC1-408E-A445-0C87EB9F89A2}">
+                <ask:lineSketchStyleProps xmlns:ask="http://schemas.microsoft.com/office/drawing/2018/sketchyshapes" sd="2727557108">
+                  <a:prstGeom prst="rect">
+                    <a:avLst/>
+                  </a:prstGeom>
+                  <ask:type>
+                    <ask:lineSketchFreehand/>
+                  </ask:type>
+                </ask:lineSketchStyleProps>
+              </a:ext>
+            </a:extLst>
+          </a:ln>
+        </p:spPr>
+        <p:style>
+          <a:lnRef idx="2">
+            <a:schemeClr val="accent1">
+              <a:shade val="50000"/>
+            </a:schemeClr>
+          </a:lnRef>
+          <a:fillRef idx="1">
+            <a:schemeClr val="accent1"/>
+          </a:fillRef>
+          <a:effectRef idx="0">
+            <a:schemeClr val="accent1"/>
+          </a:effectRef>
+          <a:fontRef idx="minor">
+            <a:schemeClr val="lt1"/>
+          </a:fontRef>
+        </p:style>
+        <p:txBody>
+          <a:bodyPr rtlCol="0" anchor="ctr"/>
+          <a:lstStyle/>
+          <a:p>
+            <a:pPr algn="ctr"/>
+            <a:endParaRPr lang="en-US"/>
           </a:p>
         </p:txBody>
       </p:sp>
@@ -4958,8 +7846,8 @@
         </p:blipFill>
         <p:spPr>
           <a:xfrm>
-            <a:off x="546531" y="2420683"/>
-            <a:ext cx="11098937" cy="3550349"/>
+            <a:off x="490800" y="2633472"/>
+            <a:ext cx="11207351" cy="3586353"/>
           </a:xfrm>
           <a:prstGeom prst="rect">
             <a:avLst/>
@@ -4982,6 +7870,14 @@
 <file path=ppt/slides/slide7.xml><?xml version="1.0" encoding="utf-8"?>
 <p:sld xmlns:a="http://schemas.openxmlformats.org/drawingml/2006/main" xmlns:r="http://schemas.openxmlformats.org/officeDocument/2006/relationships" xmlns:p="http://schemas.openxmlformats.org/presentationml/2006/main">
   <p:cSld>
+    <p:bg>
+      <p:bgPr>
+        <a:solidFill>
+          <a:schemeClr val="bg1"/>
+        </a:solidFill>
+        <a:effectLst/>
+      </p:bgPr>
+    </p:bg>
     <p:spTree>
       <p:nvGrpSpPr>
         <p:cNvPr id="1" name=""/>
@@ -4996,6 +7892,66 @@
           <a:chExt cx="0" cy="0"/>
         </a:xfrm>
       </p:grpSpPr>
+      <p:sp useBgFill="1">
+        <p:nvSpPr>
+          <p:cNvPr id="8" name="Rectangle 7">
+            <a:extLst>
+              <a:ext uri="{FF2B5EF4-FFF2-40B4-BE49-F238E27FC236}">
+                <a16:creationId xmlns:a16="http://schemas.microsoft.com/office/drawing/2014/main" id="{100EDD19-6802-4EC3-95CE-CFFAB042CFD6}"/>
+              </a:ext>
+              <a:ext uri="{C183D7F6-B498-43B3-948B-1728B52AA6E4}">
+                <adec:decorative xmlns:adec="http://schemas.microsoft.com/office/drawing/2017/decorative" val="1"/>
+              </a:ext>
+            </a:extLst>
+          </p:cNvPr>
+          <p:cNvSpPr>
+            <a:spLocks noGrp="1" noRot="1" noChangeAspect="1" noMove="1" noResize="1" noEditPoints="1" noAdjustHandles="1" noChangeArrowheads="1" noChangeShapeType="1" noTextEdit="1"/>
+          </p:cNvSpPr>
+          <p:nvPr>
+            <p:extLst>
+              <p:ext uri="{386F3935-93C4-4BCD-93E2-E3B085C9AB24}">
+                <p16:designElem xmlns:p16="http://schemas.microsoft.com/office/powerpoint/2015/main" val="1"/>
+              </p:ext>
+            </p:extLst>
+          </p:nvPr>
+        </p:nvSpPr>
+        <p:spPr>
+          <a:xfrm>
+            <a:off x="0" y="0"/>
+            <a:ext cx="12188952" cy="6858000"/>
+          </a:xfrm>
+          <a:prstGeom prst="rect">
+            <a:avLst/>
+          </a:prstGeom>
+          <a:ln>
+            <a:noFill/>
+          </a:ln>
+        </p:spPr>
+        <p:style>
+          <a:lnRef idx="2">
+            <a:schemeClr val="accent1">
+              <a:shade val="50000"/>
+            </a:schemeClr>
+          </a:lnRef>
+          <a:fillRef idx="1">
+            <a:schemeClr val="accent1"/>
+          </a:fillRef>
+          <a:effectRef idx="0">
+            <a:schemeClr val="accent1"/>
+          </a:effectRef>
+          <a:fontRef idx="minor">
+            <a:schemeClr val="lt1"/>
+          </a:fontRef>
+        </p:style>
+        <p:txBody>
+          <a:bodyPr rtlCol="0" anchor="ctr"/>
+          <a:lstStyle/>
+          <a:p>
+            <a:pPr algn="ctr"/>
+            <a:endParaRPr lang="en-US"/>
+          </a:p>
+        </p:txBody>
+      </p:sp>
       <p:sp>
         <p:nvSpPr>
           <p:cNvPr id="2" name="Заголовок 1"/>
@@ -5006,74 +7962,710 @@
             <p:ph type="title"/>
           </p:nvPr>
         </p:nvSpPr>
-        <p:spPr/>
-        <p:txBody>
-          <a:bodyPr>
+        <p:spPr>
+          <a:xfrm>
+            <a:off x="838200" y="365125"/>
+            <a:ext cx="10515600" cy="1325563"/>
+          </a:xfrm>
+        </p:spPr>
+        <p:txBody>
+          <a:bodyPr vert="horz" lIns="91440" tIns="45720" rIns="91440" bIns="45720" rtlCol="0" anchor="ctr">
             <a:normAutofit/>
           </a:bodyPr>
           <a:lstStyle/>
           <a:p>
             <a:r>
-              <a:rPr lang="en-US" sz="3200" dirty="0" smtClean="0"/>
+              <a:rPr lang="en-US" sz="5400" kern="1200">
+                <a:solidFill>
+                  <a:schemeClr val="tx1"/>
+                </a:solidFill>
+                <a:latin typeface="+mj-lt"/>
+                <a:ea typeface="+mj-ea"/>
+                <a:cs typeface="+mj-cs"/>
+              </a:rPr>
               <a:t>Monitoring</a:t>
             </a:r>
-            <a:endParaRPr lang="en-US" sz="3200" dirty="0"/>
-          </a:p>
-        </p:txBody>
-      </p:sp>
-      <p:sp>
-        <p:nvSpPr>
-          <p:cNvPr id="3" name="Объект 2"/>
-          <p:cNvSpPr>
-            <a:spLocks noGrp="1"/>
-          </p:cNvSpPr>
-          <p:nvPr>
-            <p:ph sz="half" idx="1"/>
+          </a:p>
+        </p:txBody>
+      </p:sp>
+      <p:sp>
+        <p:nvSpPr>
+          <p:cNvPr id="10" name="sketch line">
+            <a:extLst>
+              <a:ext uri="{FF2B5EF4-FFF2-40B4-BE49-F238E27FC236}">
+                <a16:creationId xmlns:a16="http://schemas.microsoft.com/office/drawing/2014/main" id="{DB17E863-922E-4C26-BD64-E8FD41D28661}"/>
+              </a:ext>
+              <a:ext uri="{C183D7F6-B498-43B3-948B-1728B52AA6E4}">
+                <adec:decorative xmlns:adec="http://schemas.microsoft.com/office/drawing/2017/decorative" val="1"/>
+              </a:ext>
+            </a:extLst>
+          </p:cNvPr>
+          <p:cNvSpPr>
+            <a:spLocks noGrp="1" noRot="1" noChangeAspect="1" noMove="1" noResize="1" noEditPoints="1" noAdjustHandles="1" noChangeArrowheads="1" noChangeShapeType="1" noTextEdit="1"/>
+          </p:cNvSpPr>
+          <p:nvPr>
+            <p:extLst>
+              <p:ext uri="{386F3935-93C4-4BCD-93E2-E3B085C9AB24}">
+                <p16:designElem xmlns:p16="http://schemas.microsoft.com/office/powerpoint/2015/main" val="1"/>
+              </p:ext>
+            </p:extLst>
           </p:nvPr>
         </p:nvSpPr>
         <p:spPr>
           <a:xfrm>
-            <a:off x="838200" y="1825625"/>
-            <a:ext cx="7510272" cy="4351338"/>
+            <a:off x="669036" y="1677373"/>
+            <a:ext cx="10853928" cy="18288"/>
+          </a:xfrm>
+          <a:custGeom>
+            <a:avLst/>
+            <a:gdLst>
+              <a:gd name="connsiteX0" fmla="*/ 0 w 10853928"/>
+              <a:gd name="connsiteY0" fmla="*/ 0 h 18288"/>
+              <a:gd name="connsiteX1" fmla="*/ 461292 w 10853928"/>
+              <a:gd name="connsiteY1" fmla="*/ 0 h 18288"/>
+              <a:gd name="connsiteX2" fmla="*/ 1139662 w 10853928"/>
+              <a:gd name="connsiteY2" fmla="*/ 0 h 18288"/>
+              <a:gd name="connsiteX3" fmla="*/ 1926572 w 10853928"/>
+              <a:gd name="connsiteY3" fmla="*/ 0 h 18288"/>
+              <a:gd name="connsiteX4" fmla="*/ 2279325 w 10853928"/>
+              <a:gd name="connsiteY4" fmla="*/ 0 h 18288"/>
+              <a:gd name="connsiteX5" fmla="*/ 2632078 w 10853928"/>
+              <a:gd name="connsiteY5" fmla="*/ 0 h 18288"/>
+              <a:gd name="connsiteX6" fmla="*/ 3527527 w 10853928"/>
+              <a:gd name="connsiteY6" fmla="*/ 0 h 18288"/>
+              <a:gd name="connsiteX7" fmla="*/ 4205897 w 10853928"/>
+              <a:gd name="connsiteY7" fmla="*/ 0 h 18288"/>
+              <a:gd name="connsiteX8" fmla="*/ 4558650 w 10853928"/>
+              <a:gd name="connsiteY8" fmla="*/ 0 h 18288"/>
+              <a:gd name="connsiteX9" fmla="*/ 5237020 w 10853928"/>
+              <a:gd name="connsiteY9" fmla="*/ 0 h 18288"/>
+              <a:gd name="connsiteX10" fmla="*/ 6132469 w 10853928"/>
+              <a:gd name="connsiteY10" fmla="*/ 0 h 18288"/>
+              <a:gd name="connsiteX11" fmla="*/ 6702301 w 10853928"/>
+              <a:gd name="connsiteY11" fmla="*/ 0 h 18288"/>
+              <a:gd name="connsiteX12" fmla="*/ 7272132 w 10853928"/>
+              <a:gd name="connsiteY12" fmla="*/ 0 h 18288"/>
+              <a:gd name="connsiteX13" fmla="*/ 7950502 w 10853928"/>
+              <a:gd name="connsiteY13" fmla="*/ 0 h 18288"/>
+              <a:gd name="connsiteX14" fmla="*/ 8737412 w 10853928"/>
+              <a:gd name="connsiteY14" fmla="*/ 0 h 18288"/>
+              <a:gd name="connsiteX15" fmla="*/ 9524322 w 10853928"/>
+              <a:gd name="connsiteY15" fmla="*/ 0 h 18288"/>
+              <a:gd name="connsiteX16" fmla="*/ 10853928 w 10853928"/>
+              <a:gd name="connsiteY16" fmla="*/ 0 h 18288"/>
+              <a:gd name="connsiteX17" fmla="*/ 10853928 w 10853928"/>
+              <a:gd name="connsiteY17" fmla="*/ 18288 h 18288"/>
+              <a:gd name="connsiteX18" fmla="*/ 10392636 w 10853928"/>
+              <a:gd name="connsiteY18" fmla="*/ 18288 h 18288"/>
+              <a:gd name="connsiteX19" fmla="*/ 9497187 w 10853928"/>
+              <a:gd name="connsiteY19" fmla="*/ 18288 h 18288"/>
+              <a:gd name="connsiteX20" fmla="*/ 8818817 w 10853928"/>
+              <a:gd name="connsiteY20" fmla="*/ 18288 h 18288"/>
+              <a:gd name="connsiteX21" fmla="*/ 8466064 w 10853928"/>
+              <a:gd name="connsiteY21" fmla="*/ 18288 h 18288"/>
+              <a:gd name="connsiteX22" fmla="*/ 7787693 w 10853928"/>
+              <a:gd name="connsiteY22" fmla="*/ 18288 h 18288"/>
+              <a:gd name="connsiteX23" fmla="*/ 7217862 w 10853928"/>
+              <a:gd name="connsiteY23" fmla="*/ 18288 h 18288"/>
+              <a:gd name="connsiteX24" fmla="*/ 6648031 w 10853928"/>
+              <a:gd name="connsiteY24" fmla="*/ 18288 h 18288"/>
+              <a:gd name="connsiteX25" fmla="*/ 6078200 w 10853928"/>
+              <a:gd name="connsiteY25" fmla="*/ 18288 h 18288"/>
+              <a:gd name="connsiteX26" fmla="*/ 5508368 w 10853928"/>
+              <a:gd name="connsiteY26" fmla="*/ 18288 h 18288"/>
+              <a:gd name="connsiteX27" fmla="*/ 4721459 w 10853928"/>
+              <a:gd name="connsiteY27" fmla="*/ 18288 h 18288"/>
+              <a:gd name="connsiteX28" fmla="*/ 4043088 w 10853928"/>
+              <a:gd name="connsiteY28" fmla="*/ 18288 h 18288"/>
+              <a:gd name="connsiteX29" fmla="*/ 3690336 w 10853928"/>
+              <a:gd name="connsiteY29" fmla="*/ 18288 h 18288"/>
+              <a:gd name="connsiteX30" fmla="*/ 3120504 w 10853928"/>
+              <a:gd name="connsiteY30" fmla="*/ 18288 h 18288"/>
+              <a:gd name="connsiteX31" fmla="*/ 2333595 w 10853928"/>
+              <a:gd name="connsiteY31" fmla="*/ 18288 h 18288"/>
+              <a:gd name="connsiteX32" fmla="*/ 1872303 w 10853928"/>
+              <a:gd name="connsiteY32" fmla="*/ 18288 h 18288"/>
+              <a:gd name="connsiteX33" fmla="*/ 976854 w 10853928"/>
+              <a:gd name="connsiteY33" fmla="*/ 18288 h 18288"/>
+              <a:gd name="connsiteX34" fmla="*/ 0 w 10853928"/>
+              <a:gd name="connsiteY34" fmla="*/ 18288 h 18288"/>
+              <a:gd name="connsiteX35" fmla="*/ 0 w 10853928"/>
+              <a:gd name="connsiteY35" fmla="*/ 0 h 18288"/>
+            </a:gdLst>
+            <a:ahLst/>
+            <a:cxnLst>
+              <a:cxn ang="0">
+                <a:pos x="connsiteX0" y="connsiteY0"/>
+              </a:cxn>
+              <a:cxn ang="0">
+                <a:pos x="connsiteX1" y="connsiteY1"/>
+              </a:cxn>
+              <a:cxn ang="0">
+                <a:pos x="connsiteX2" y="connsiteY2"/>
+              </a:cxn>
+              <a:cxn ang="0">
+                <a:pos x="connsiteX3" y="connsiteY3"/>
+              </a:cxn>
+              <a:cxn ang="0">
+                <a:pos x="connsiteX4" y="connsiteY4"/>
+              </a:cxn>
+              <a:cxn ang="0">
+                <a:pos x="connsiteX5" y="connsiteY5"/>
+              </a:cxn>
+              <a:cxn ang="0">
+                <a:pos x="connsiteX6" y="connsiteY6"/>
+              </a:cxn>
+              <a:cxn ang="0">
+                <a:pos x="connsiteX7" y="connsiteY7"/>
+              </a:cxn>
+              <a:cxn ang="0">
+                <a:pos x="connsiteX8" y="connsiteY8"/>
+              </a:cxn>
+              <a:cxn ang="0">
+                <a:pos x="connsiteX9" y="connsiteY9"/>
+              </a:cxn>
+              <a:cxn ang="0">
+                <a:pos x="connsiteX10" y="connsiteY10"/>
+              </a:cxn>
+              <a:cxn ang="0">
+                <a:pos x="connsiteX11" y="connsiteY11"/>
+              </a:cxn>
+              <a:cxn ang="0">
+                <a:pos x="connsiteX12" y="connsiteY12"/>
+              </a:cxn>
+              <a:cxn ang="0">
+                <a:pos x="connsiteX13" y="connsiteY13"/>
+              </a:cxn>
+              <a:cxn ang="0">
+                <a:pos x="connsiteX14" y="connsiteY14"/>
+              </a:cxn>
+              <a:cxn ang="0">
+                <a:pos x="connsiteX15" y="connsiteY15"/>
+              </a:cxn>
+              <a:cxn ang="0">
+                <a:pos x="connsiteX16" y="connsiteY16"/>
+              </a:cxn>
+              <a:cxn ang="0">
+                <a:pos x="connsiteX17" y="connsiteY17"/>
+              </a:cxn>
+              <a:cxn ang="0">
+                <a:pos x="connsiteX18" y="connsiteY18"/>
+              </a:cxn>
+              <a:cxn ang="0">
+                <a:pos x="connsiteX19" y="connsiteY19"/>
+              </a:cxn>
+              <a:cxn ang="0">
+                <a:pos x="connsiteX20" y="connsiteY20"/>
+              </a:cxn>
+              <a:cxn ang="0">
+                <a:pos x="connsiteX21" y="connsiteY21"/>
+              </a:cxn>
+              <a:cxn ang="0">
+                <a:pos x="connsiteX22" y="connsiteY22"/>
+              </a:cxn>
+              <a:cxn ang="0">
+                <a:pos x="connsiteX23" y="connsiteY23"/>
+              </a:cxn>
+              <a:cxn ang="0">
+                <a:pos x="connsiteX24" y="connsiteY24"/>
+              </a:cxn>
+              <a:cxn ang="0">
+                <a:pos x="connsiteX25" y="connsiteY25"/>
+              </a:cxn>
+              <a:cxn ang="0">
+                <a:pos x="connsiteX26" y="connsiteY26"/>
+              </a:cxn>
+              <a:cxn ang="0">
+                <a:pos x="connsiteX27" y="connsiteY27"/>
+              </a:cxn>
+              <a:cxn ang="0">
+                <a:pos x="connsiteX28" y="connsiteY28"/>
+              </a:cxn>
+              <a:cxn ang="0">
+                <a:pos x="connsiteX29" y="connsiteY29"/>
+              </a:cxn>
+              <a:cxn ang="0">
+                <a:pos x="connsiteX30" y="connsiteY30"/>
+              </a:cxn>
+              <a:cxn ang="0">
+                <a:pos x="connsiteX31" y="connsiteY31"/>
+              </a:cxn>
+              <a:cxn ang="0">
+                <a:pos x="connsiteX32" y="connsiteY32"/>
+              </a:cxn>
+              <a:cxn ang="0">
+                <a:pos x="connsiteX33" y="connsiteY33"/>
+              </a:cxn>
+              <a:cxn ang="0">
+                <a:pos x="connsiteX34" y="connsiteY34"/>
+              </a:cxn>
+              <a:cxn ang="0">
+                <a:pos x="connsiteX35" y="connsiteY35"/>
+              </a:cxn>
+            </a:cxnLst>
+            <a:rect l="l" t="t" r="r" b="b"/>
+            <a:pathLst>
+              <a:path w="10853928" h="18288" fill="none" extrusionOk="0">
+                <a:moveTo>
+                  <a:pt x="0" y="0"/>
+                </a:moveTo>
+                <a:cubicBezTo>
+                  <a:pt x="146993" y="-19076"/>
+                  <a:pt x="347684" y="-4790"/>
+                  <a:pt x="461292" y="0"/>
+                </a:cubicBezTo>
+                <a:cubicBezTo>
+                  <a:pt x="574900" y="4790"/>
+                  <a:pt x="808367" y="19821"/>
+                  <a:pt x="1139662" y="0"/>
+                </a:cubicBezTo>
+                <a:cubicBezTo>
+                  <a:pt x="1470957" y="-19821"/>
+                  <a:pt x="1627405" y="5721"/>
+                  <a:pt x="1926572" y="0"/>
+                </a:cubicBezTo>
+                <a:cubicBezTo>
+                  <a:pt x="2225739" y="-5721"/>
+                  <a:pt x="2137730" y="-3235"/>
+                  <a:pt x="2279325" y="0"/>
+                </a:cubicBezTo>
+                <a:cubicBezTo>
+                  <a:pt x="2420920" y="3235"/>
+                  <a:pt x="2456518" y="9685"/>
+                  <a:pt x="2632078" y="0"/>
+                </a:cubicBezTo>
+                <a:cubicBezTo>
+                  <a:pt x="2807638" y="-9685"/>
+                  <a:pt x="3211516" y="-43007"/>
+                  <a:pt x="3527527" y="0"/>
+                </a:cubicBezTo>
+                <a:cubicBezTo>
+                  <a:pt x="3843538" y="43007"/>
+                  <a:pt x="4058833" y="22042"/>
+                  <a:pt x="4205897" y="0"/>
+                </a:cubicBezTo>
+                <a:cubicBezTo>
+                  <a:pt x="4352961" y="-22042"/>
+                  <a:pt x="4474805" y="-11846"/>
+                  <a:pt x="4558650" y="0"/>
+                </a:cubicBezTo>
+                <a:cubicBezTo>
+                  <a:pt x="4642495" y="11846"/>
+                  <a:pt x="5041928" y="-6069"/>
+                  <a:pt x="5237020" y="0"/>
+                </a:cubicBezTo>
+                <a:cubicBezTo>
+                  <a:pt x="5432112" y="6069"/>
+                  <a:pt x="5943266" y="-17479"/>
+                  <a:pt x="6132469" y="0"/>
+                </a:cubicBezTo>
+                <a:cubicBezTo>
+                  <a:pt x="6321672" y="17479"/>
+                  <a:pt x="6483872" y="26234"/>
+                  <a:pt x="6702301" y="0"/>
+                </a:cubicBezTo>
+                <a:cubicBezTo>
+                  <a:pt x="6920730" y="-26234"/>
+                  <a:pt x="6991194" y="-15156"/>
+                  <a:pt x="7272132" y="0"/>
+                </a:cubicBezTo>
+                <a:cubicBezTo>
+                  <a:pt x="7553070" y="15156"/>
+                  <a:pt x="7684444" y="-32961"/>
+                  <a:pt x="7950502" y="0"/>
+                </a:cubicBezTo>
+                <a:cubicBezTo>
+                  <a:pt x="8216560" y="32961"/>
+                  <a:pt x="8493290" y="-10491"/>
+                  <a:pt x="8737412" y="0"/>
+                </a:cubicBezTo>
+                <a:cubicBezTo>
+                  <a:pt x="8981534" y="10491"/>
+                  <a:pt x="9191586" y="-13899"/>
+                  <a:pt x="9524322" y="0"/>
+                </a:cubicBezTo>
+                <a:cubicBezTo>
+                  <a:pt x="9857058" y="13899"/>
+                  <a:pt x="10297509" y="7485"/>
+                  <a:pt x="10853928" y="0"/>
+                </a:cubicBezTo>
+                <a:cubicBezTo>
+                  <a:pt x="10854574" y="4451"/>
+                  <a:pt x="10854418" y="9226"/>
+                  <a:pt x="10853928" y="18288"/>
+                </a:cubicBezTo>
+                <a:cubicBezTo>
+                  <a:pt x="10691638" y="28522"/>
+                  <a:pt x="10574319" y="29578"/>
+                  <a:pt x="10392636" y="18288"/>
+                </a:cubicBezTo>
+                <a:cubicBezTo>
+                  <a:pt x="10210953" y="6998"/>
+                  <a:pt x="9836277" y="-16742"/>
+                  <a:pt x="9497187" y="18288"/>
+                </a:cubicBezTo>
+                <a:cubicBezTo>
+                  <a:pt x="9158097" y="53318"/>
+                  <a:pt x="9119479" y="30714"/>
+                  <a:pt x="8818817" y="18288"/>
+                </a:cubicBezTo>
+                <a:cubicBezTo>
+                  <a:pt x="8518155" y="5863"/>
+                  <a:pt x="8640037" y="6483"/>
+                  <a:pt x="8466064" y="18288"/>
+                </a:cubicBezTo>
+                <a:cubicBezTo>
+                  <a:pt x="8292091" y="30093"/>
+                  <a:pt x="7997656" y="18914"/>
+                  <a:pt x="7787693" y="18288"/>
+                </a:cubicBezTo>
+                <a:cubicBezTo>
+                  <a:pt x="7577730" y="17662"/>
+                  <a:pt x="7412468" y="21416"/>
+                  <a:pt x="7217862" y="18288"/>
+                </a:cubicBezTo>
+                <a:cubicBezTo>
+                  <a:pt x="7023256" y="15160"/>
+                  <a:pt x="6898018" y="14824"/>
+                  <a:pt x="6648031" y="18288"/>
+                </a:cubicBezTo>
+                <a:cubicBezTo>
+                  <a:pt x="6398044" y="21752"/>
+                  <a:pt x="6254402" y="38625"/>
+                  <a:pt x="6078200" y="18288"/>
+                </a:cubicBezTo>
+                <a:cubicBezTo>
+                  <a:pt x="5901998" y="-2049"/>
+                  <a:pt x="5622886" y="3213"/>
+                  <a:pt x="5508368" y="18288"/>
+                </a:cubicBezTo>
+                <a:cubicBezTo>
+                  <a:pt x="5393850" y="33363"/>
+                  <a:pt x="5036260" y="26830"/>
+                  <a:pt x="4721459" y="18288"/>
+                </a:cubicBezTo>
+                <a:cubicBezTo>
+                  <a:pt x="4406658" y="9746"/>
+                  <a:pt x="4239221" y="41551"/>
+                  <a:pt x="4043088" y="18288"/>
+                </a:cubicBezTo>
+                <a:cubicBezTo>
+                  <a:pt x="3846955" y="-4975"/>
+                  <a:pt x="3818802" y="34658"/>
+                  <a:pt x="3690336" y="18288"/>
+                </a:cubicBezTo>
+                <a:cubicBezTo>
+                  <a:pt x="3561870" y="1918"/>
+                  <a:pt x="3265491" y="42194"/>
+                  <a:pt x="3120504" y="18288"/>
+                </a:cubicBezTo>
+                <a:cubicBezTo>
+                  <a:pt x="2975517" y="-5618"/>
+                  <a:pt x="2720254" y="36673"/>
+                  <a:pt x="2333595" y="18288"/>
+                </a:cubicBezTo>
+                <a:cubicBezTo>
+                  <a:pt x="1946936" y="-97"/>
+                  <a:pt x="2097241" y="5776"/>
+                  <a:pt x="1872303" y="18288"/>
+                </a:cubicBezTo>
+                <a:cubicBezTo>
+                  <a:pt x="1647365" y="30800"/>
+                  <a:pt x="1282708" y="45380"/>
+                  <a:pt x="976854" y="18288"/>
+                </a:cubicBezTo>
+                <a:cubicBezTo>
+                  <a:pt x="671000" y="-8804"/>
+                  <a:pt x="408401" y="-12775"/>
+                  <a:pt x="0" y="18288"/>
+                </a:cubicBezTo>
+                <a:cubicBezTo>
+                  <a:pt x="-213" y="9468"/>
+                  <a:pt x="187" y="4459"/>
+                  <a:pt x="0" y="0"/>
+                </a:cubicBezTo>
+                <a:close/>
+              </a:path>
+              <a:path w="10853928" h="18288" stroke="0" extrusionOk="0">
+                <a:moveTo>
+                  <a:pt x="0" y="0"/>
+                </a:moveTo>
+                <a:cubicBezTo>
+                  <a:pt x="267322" y="15284"/>
+                  <a:pt x="415388" y="-21048"/>
+                  <a:pt x="569831" y="0"/>
+                </a:cubicBezTo>
+                <a:cubicBezTo>
+                  <a:pt x="724274" y="21048"/>
+                  <a:pt x="769333" y="-2353"/>
+                  <a:pt x="922584" y="0"/>
+                </a:cubicBezTo>
+                <a:cubicBezTo>
+                  <a:pt x="1075835" y="2353"/>
+                  <a:pt x="1399490" y="-145"/>
+                  <a:pt x="1818033" y="0"/>
+                </a:cubicBezTo>
+                <a:cubicBezTo>
+                  <a:pt x="2236576" y="145"/>
+                  <a:pt x="2145330" y="5482"/>
+                  <a:pt x="2387864" y="0"/>
+                </a:cubicBezTo>
+                <a:cubicBezTo>
+                  <a:pt x="2630398" y="-5482"/>
+                  <a:pt x="2793207" y="18487"/>
+                  <a:pt x="2957695" y="0"/>
+                </a:cubicBezTo>
+                <a:cubicBezTo>
+                  <a:pt x="3122183" y="-18487"/>
+                  <a:pt x="3579141" y="19003"/>
+                  <a:pt x="3853144" y="0"/>
+                </a:cubicBezTo>
+                <a:cubicBezTo>
+                  <a:pt x="4127147" y="-19003"/>
+                  <a:pt x="4209857" y="12211"/>
+                  <a:pt x="4314436" y="0"/>
+                </a:cubicBezTo>
+                <a:cubicBezTo>
+                  <a:pt x="4419015" y="-12211"/>
+                  <a:pt x="4762459" y="-17220"/>
+                  <a:pt x="5209885" y="0"/>
+                </a:cubicBezTo>
+                <a:cubicBezTo>
+                  <a:pt x="5657311" y="17220"/>
+                  <a:pt x="5692663" y="-3290"/>
+                  <a:pt x="6105335" y="0"/>
+                </a:cubicBezTo>
+                <a:cubicBezTo>
+                  <a:pt x="6518007" y="3290"/>
+                  <a:pt x="6455516" y="-5124"/>
+                  <a:pt x="6783705" y="0"/>
+                </a:cubicBezTo>
+                <a:cubicBezTo>
+                  <a:pt x="7111894" y="5124"/>
+                  <a:pt x="7441941" y="-17829"/>
+                  <a:pt x="7679154" y="0"/>
+                </a:cubicBezTo>
+                <a:cubicBezTo>
+                  <a:pt x="7916367" y="17829"/>
+                  <a:pt x="8102967" y="-24363"/>
+                  <a:pt x="8248985" y="0"/>
+                </a:cubicBezTo>
+                <a:cubicBezTo>
+                  <a:pt x="8395003" y="24363"/>
+                  <a:pt x="8552393" y="25505"/>
+                  <a:pt x="8818817" y="0"/>
+                </a:cubicBezTo>
+                <a:cubicBezTo>
+                  <a:pt x="9085241" y="-25505"/>
+                  <a:pt x="9411308" y="38000"/>
+                  <a:pt x="9605726" y="0"/>
+                </a:cubicBezTo>
+                <a:cubicBezTo>
+                  <a:pt x="9800144" y="-38000"/>
+                  <a:pt x="10006468" y="-25741"/>
+                  <a:pt x="10175558" y="0"/>
+                </a:cubicBezTo>
+                <a:cubicBezTo>
+                  <a:pt x="10344648" y="25741"/>
+                  <a:pt x="10696282" y="695"/>
+                  <a:pt x="10853928" y="0"/>
+                </a:cubicBezTo>
+                <a:cubicBezTo>
+                  <a:pt x="10853521" y="8690"/>
+                  <a:pt x="10853774" y="14141"/>
+                  <a:pt x="10853928" y="18288"/>
+                </a:cubicBezTo>
+                <a:cubicBezTo>
+                  <a:pt x="10608124" y="24255"/>
+                  <a:pt x="10343415" y="22307"/>
+                  <a:pt x="10067018" y="18288"/>
+                </a:cubicBezTo>
+                <a:cubicBezTo>
+                  <a:pt x="9790621" y="14270"/>
+                  <a:pt x="9843266" y="3564"/>
+                  <a:pt x="9714266" y="18288"/>
+                </a:cubicBezTo>
+                <a:cubicBezTo>
+                  <a:pt x="9585266" y="33012"/>
+                  <a:pt x="9379484" y="1875"/>
+                  <a:pt x="9252974" y="18288"/>
+                </a:cubicBezTo>
+                <a:cubicBezTo>
+                  <a:pt x="9126464" y="34701"/>
+                  <a:pt x="8580678" y="-4904"/>
+                  <a:pt x="8357525" y="18288"/>
+                </a:cubicBezTo>
+                <a:cubicBezTo>
+                  <a:pt x="8134372" y="41480"/>
+                  <a:pt x="7903199" y="26458"/>
+                  <a:pt x="7679154" y="18288"/>
+                </a:cubicBezTo>
+                <a:cubicBezTo>
+                  <a:pt x="7455109" y="10118"/>
+                  <a:pt x="7435944" y="27109"/>
+                  <a:pt x="7217862" y="18288"/>
+                </a:cubicBezTo>
+                <a:cubicBezTo>
+                  <a:pt x="6999780" y="9467"/>
+                  <a:pt x="6680409" y="18985"/>
+                  <a:pt x="6539492" y="18288"/>
+                </a:cubicBezTo>
+                <a:cubicBezTo>
+                  <a:pt x="6398575" y="17592"/>
+                  <a:pt x="6312077" y="33018"/>
+                  <a:pt x="6186739" y="18288"/>
+                </a:cubicBezTo>
+                <a:cubicBezTo>
+                  <a:pt x="6061401" y="3558"/>
+                  <a:pt x="5947033" y="12075"/>
+                  <a:pt x="5833986" y="18288"/>
+                </a:cubicBezTo>
+                <a:cubicBezTo>
+                  <a:pt x="5720939" y="24501"/>
+                  <a:pt x="5482226" y="8586"/>
+                  <a:pt x="5155616" y="18288"/>
+                </a:cubicBezTo>
+                <a:cubicBezTo>
+                  <a:pt x="4829006" y="27991"/>
+                  <a:pt x="4841274" y="29316"/>
+                  <a:pt x="4694324" y="18288"/>
+                </a:cubicBezTo>
+                <a:cubicBezTo>
+                  <a:pt x="4547374" y="7260"/>
+                  <a:pt x="4077675" y="7013"/>
+                  <a:pt x="3907414" y="18288"/>
+                </a:cubicBezTo>
+                <a:cubicBezTo>
+                  <a:pt x="3737153" y="29564"/>
+                  <a:pt x="3538393" y="21630"/>
+                  <a:pt x="3446122" y="18288"/>
+                </a:cubicBezTo>
+                <a:cubicBezTo>
+                  <a:pt x="3353851" y="14946"/>
+                  <a:pt x="2990320" y="-8091"/>
+                  <a:pt x="2659212" y="18288"/>
+                </a:cubicBezTo>
+                <a:cubicBezTo>
+                  <a:pt x="2328104" y="44667"/>
+                  <a:pt x="2427653" y="9607"/>
+                  <a:pt x="2306460" y="18288"/>
+                </a:cubicBezTo>
+                <a:cubicBezTo>
+                  <a:pt x="2185267" y="26969"/>
+                  <a:pt x="1719763" y="3717"/>
+                  <a:pt x="1519550" y="18288"/>
+                </a:cubicBezTo>
+                <a:cubicBezTo>
+                  <a:pt x="1319337" y="32860"/>
+                  <a:pt x="1167371" y="17040"/>
+                  <a:pt x="1058258" y="18288"/>
+                </a:cubicBezTo>
+                <a:cubicBezTo>
+                  <a:pt x="949145" y="19536"/>
+                  <a:pt x="780234" y="31447"/>
+                  <a:pt x="705505" y="18288"/>
+                </a:cubicBezTo>
+                <a:cubicBezTo>
+                  <a:pt x="630776" y="5129"/>
+                  <a:pt x="215796" y="30056"/>
+                  <a:pt x="0" y="18288"/>
+                </a:cubicBezTo>
+                <a:cubicBezTo>
+                  <a:pt x="-53" y="11301"/>
+                  <a:pt x="-649" y="7756"/>
+                  <a:pt x="0" y="0"/>
+                </a:cubicBezTo>
+                <a:close/>
+              </a:path>
+            </a:pathLst>
+          </a:custGeom>
+          <a:solidFill>
+            <a:schemeClr val="accent2"/>
+          </a:solidFill>
+          <a:ln w="41275" cap="rnd">
+            <a:solidFill>
+              <a:schemeClr val="accent2"/>
+            </a:solidFill>
+            <a:round/>
+            <a:extLst>
+              <a:ext uri="{C807C97D-BFC1-408E-A445-0C87EB9F89A2}">
+                <ask:lineSketchStyleProps xmlns:ask="http://schemas.microsoft.com/office/drawing/2018/sketchyshapes" sd="1219033472">
+                  <a:prstGeom prst="rect">
+                    <a:avLst/>
+                  </a:prstGeom>
+                  <ask:type>
+                    <ask:lineSketchFreehand/>
+                  </ask:type>
+                </ask:lineSketchStyleProps>
+              </a:ext>
+            </a:extLst>
+          </a:ln>
+        </p:spPr>
+        <p:style>
+          <a:lnRef idx="2">
+            <a:schemeClr val="accent1">
+              <a:shade val="50000"/>
+            </a:schemeClr>
+          </a:lnRef>
+          <a:fillRef idx="1">
+            <a:schemeClr val="accent1"/>
+          </a:fillRef>
+          <a:effectRef idx="0">
+            <a:schemeClr val="accent1"/>
+          </a:effectRef>
+          <a:fontRef idx="minor">
+            <a:schemeClr val="lt1"/>
+          </a:fontRef>
+        </p:style>
+        <p:txBody>
+          <a:bodyPr rtlCol="0" anchor="ctr"/>
+          <a:lstStyle/>
+          <a:p>
+            <a:pPr algn="ctr"/>
+            <a:endParaRPr lang="en-US"/>
+          </a:p>
+        </p:txBody>
+      </p:sp>
+      <p:sp>
+        <p:nvSpPr>
+          <p:cNvPr id="3" name="Объект 2"/>
+          <p:cNvSpPr>
+            <a:spLocks noGrp="1"/>
+          </p:cNvSpPr>
+          <p:nvPr>
+            <p:ph sz="half" idx="1"/>
+          </p:nvPr>
+        </p:nvSpPr>
+        <p:spPr>
+          <a:xfrm>
+            <a:off x="838200" y="1929384"/>
+            <a:ext cx="10515600" cy="4251960"/>
           </a:xfrm>
         </p:spPr>
         <p:txBody>
-          <a:bodyPr>
+          <a:bodyPr vert="horz" lIns="91440" tIns="45720" rIns="91440" bIns="45720" rtlCol="0">
             <a:normAutofit/>
           </a:bodyPr>
           <a:lstStyle/>
           <a:p>
-            <a:pPr marL="0" indent="0">
-              <a:buNone/>
-            </a:pPr>
-            <a:r>
-              <a:rPr lang="en-US" sz="1400" dirty="0" smtClean="0"/>
-              <a:t>AWS Amplify emits metrics through Amazon </a:t>
-            </a:r>
-            <a:r>
-              <a:rPr lang="en-US" sz="1400" dirty="0" err="1" smtClean="0"/>
-              <a:t>CloudWatch</a:t>
-            </a:r>
-            <a:r>
-              <a:rPr lang="en-US" sz="1400" dirty="0" smtClean="0"/>
-              <a:t> and provides access logs with detailed information about requests made to your app. </a:t>
-            </a:r>
-          </a:p>
-          <a:p>
-            <a:pPr marL="0" indent="0">
-              <a:buNone/>
-            </a:pPr>
-            <a:r>
-              <a:rPr lang="en-US" sz="1400" dirty="0"/>
-              <a:t>AWS Amplify is integrated with Amazon </a:t>
-            </a:r>
-            <a:r>
-              <a:rPr lang="en-US" sz="1400" dirty="0" err="1"/>
-              <a:t>CloudWatch</a:t>
-            </a:r>
-            <a:r>
-              <a:rPr lang="en-US" sz="1400" dirty="0"/>
-              <a:t>, allowing you to monitor metrics for your Amplify applications in near real-time. You can create alarms that send notifications when a metric exceeds a threshold you set.</a:t>
+            <a:pPr marL="0"/>
+            <a:r>
+              <a:rPr lang="en-US" sz="2200" dirty="0"/>
+              <a:t>AWS Amplify emits metrics through Amazon CloudWatch and provides access logs with detailed information about requests made to your app. </a:t>
+            </a:r>
+          </a:p>
+          <a:p>
+            <a:pPr marL="0"/>
+            <a:r>
+              <a:rPr lang="en-US" sz="2200" dirty="0"/>
+              <a:t>AWS Amplify is integrated with Amazon CloudWatch, allowing you to monitor metrics for your Amplify applications in near real-time. </a:t>
+            </a:r>
+          </a:p>
+          <a:p>
+            <a:pPr marL="0"/>
+            <a:r>
+              <a:rPr lang="en-US" sz="2200" dirty="0"/>
+              <a:t>You can create alarms that send notifications when a metric exceeds a threshold you set.</a:t>
             </a:r>
           </a:p>
         </p:txBody>
@@ -5094,6 +8686,14 @@
 <file path=ppt/slides/slide8.xml><?xml version="1.0" encoding="utf-8"?>
 <p:sld xmlns:a="http://schemas.openxmlformats.org/drawingml/2006/main" xmlns:r="http://schemas.openxmlformats.org/officeDocument/2006/relationships" xmlns:p="http://schemas.openxmlformats.org/presentationml/2006/main">
   <p:cSld>
+    <p:bg>
+      <p:bgPr>
+        <a:solidFill>
+          <a:schemeClr val="bg1"/>
+        </a:solidFill>
+        <a:effectLst/>
+      </p:bgPr>
+    </p:bg>
     <p:spTree>
       <p:nvGrpSpPr>
         <p:cNvPr id="1" name=""/>
@@ -5108,6 +8708,66 @@
           <a:chExt cx="0" cy="0"/>
         </a:xfrm>
       </p:grpSpPr>
+      <p:sp useBgFill="1">
+        <p:nvSpPr>
+          <p:cNvPr id="8" name="Rectangle 7">
+            <a:extLst>
+              <a:ext uri="{FF2B5EF4-FFF2-40B4-BE49-F238E27FC236}">
+                <a16:creationId xmlns:a16="http://schemas.microsoft.com/office/drawing/2014/main" id="{100EDD19-6802-4EC3-95CE-CFFAB042CFD6}"/>
+              </a:ext>
+              <a:ext uri="{C183D7F6-B498-43B3-948B-1728B52AA6E4}">
+                <adec:decorative xmlns:adec="http://schemas.microsoft.com/office/drawing/2017/decorative" val="1"/>
+              </a:ext>
+            </a:extLst>
+          </p:cNvPr>
+          <p:cNvSpPr>
+            <a:spLocks noGrp="1" noRot="1" noChangeAspect="1" noMove="1" noResize="1" noEditPoints="1" noAdjustHandles="1" noChangeArrowheads="1" noChangeShapeType="1" noTextEdit="1"/>
+          </p:cNvSpPr>
+          <p:nvPr>
+            <p:extLst>
+              <p:ext uri="{386F3935-93C4-4BCD-93E2-E3B085C9AB24}">
+                <p16:designElem xmlns:p16="http://schemas.microsoft.com/office/powerpoint/2015/main" val="1"/>
+              </p:ext>
+            </p:extLst>
+          </p:nvPr>
+        </p:nvSpPr>
+        <p:spPr>
+          <a:xfrm>
+            <a:off x="0" y="0"/>
+            <a:ext cx="12188952" cy="6858000"/>
+          </a:xfrm>
+          <a:prstGeom prst="rect">
+            <a:avLst/>
+          </a:prstGeom>
+          <a:ln>
+            <a:noFill/>
+          </a:ln>
+        </p:spPr>
+        <p:style>
+          <a:lnRef idx="2">
+            <a:schemeClr val="accent1">
+              <a:shade val="50000"/>
+            </a:schemeClr>
+          </a:lnRef>
+          <a:fillRef idx="1">
+            <a:schemeClr val="accent1"/>
+          </a:fillRef>
+          <a:effectRef idx="0">
+            <a:schemeClr val="accent1"/>
+          </a:effectRef>
+          <a:fontRef idx="minor">
+            <a:schemeClr val="lt1"/>
+          </a:fontRef>
+        </p:style>
+        <p:txBody>
+          <a:bodyPr rtlCol="0" anchor="ctr"/>
+          <a:lstStyle/>
+          <a:p>
+            <a:pPr algn="ctr"/>
+            <a:endParaRPr lang="en-US"/>
+          </a:p>
+        </p:txBody>
+      </p:sp>
       <p:sp>
         <p:nvSpPr>
           <p:cNvPr id="2" name="Заголовок 1"/>
@@ -5118,73 +8778,730 @@
             <p:ph type="title"/>
           </p:nvPr>
         </p:nvSpPr>
-        <p:spPr/>
-        <p:txBody>
-          <a:bodyPr>
+        <p:spPr>
+          <a:xfrm>
+            <a:off x="838200" y="365125"/>
+            <a:ext cx="10515600" cy="1325563"/>
+          </a:xfrm>
+        </p:spPr>
+        <p:txBody>
+          <a:bodyPr vert="horz" lIns="91440" tIns="45720" rIns="91440" bIns="45720" rtlCol="0" anchor="ctr">
             <a:normAutofit/>
           </a:bodyPr>
           <a:lstStyle/>
           <a:p>
             <a:r>
-              <a:rPr lang="en-US" sz="3200" dirty="0" smtClean="0"/>
+              <a:rPr lang="en-US" sz="5400" kern="1200">
+                <a:solidFill>
+                  <a:schemeClr val="tx1"/>
+                </a:solidFill>
+                <a:latin typeface="+mj-lt"/>
+                <a:ea typeface="+mj-ea"/>
+                <a:cs typeface="+mj-cs"/>
+              </a:rPr>
               <a:t>Notifications</a:t>
             </a:r>
-            <a:endParaRPr lang="en-US" sz="3200" dirty="0"/>
-          </a:p>
-        </p:txBody>
-      </p:sp>
-      <p:sp>
-        <p:nvSpPr>
-          <p:cNvPr id="3" name="Объект 2"/>
-          <p:cNvSpPr>
-            <a:spLocks noGrp="1"/>
-          </p:cNvSpPr>
-          <p:nvPr>
-            <p:ph sz="half" idx="1"/>
+          </a:p>
+        </p:txBody>
+      </p:sp>
+      <p:sp>
+        <p:nvSpPr>
+          <p:cNvPr id="10" name="sketch line">
+            <a:extLst>
+              <a:ext uri="{FF2B5EF4-FFF2-40B4-BE49-F238E27FC236}">
+                <a16:creationId xmlns:a16="http://schemas.microsoft.com/office/drawing/2014/main" id="{DB17E863-922E-4C26-BD64-E8FD41D28661}"/>
+              </a:ext>
+              <a:ext uri="{C183D7F6-B498-43B3-948B-1728B52AA6E4}">
+                <adec:decorative xmlns:adec="http://schemas.microsoft.com/office/drawing/2017/decorative" val="1"/>
+              </a:ext>
+            </a:extLst>
+          </p:cNvPr>
+          <p:cNvSpPr>
+            <a:spLocks noGrp="1" noRot="1" noChangeAspect="1" noMove="1" noResize="1" noEditPoints="1" noAdjustHandles="1" noChangeArrowheads="1" noChangeShapeType="1" noTextEdit="1"/>
+          </p:cNvSpPr>
+          <p:nvPr>
+            <p:extLst>
+              <p:ext uri="{386F3935-93C4-4BCD-93E2-E3B085C9AB24}">
+                <p16:designElem xmlns:p16="http://schemas.microsoft.com/office/powerpoint/2015/main" val="1"/>
+              </p:ext>
+            </p:extLst>
           </p:nvPr>
         </p:nvSpPr>
         <p:spPr>
           <a:xfrm>
-            <a:off x="838200" y="1825625"/>
-            <a:ext cx="8287512" cy="4351338"/>
+            <a:off x="669036" y="1677373"/>
+            <a:ext cx="10853928" cy="18288"/>
+          </a:xfrm>
+          <a:custGeom>
+            <a:avLst/>
+            <a:gdLst>
+              <a:gd name="connsiteX0" fmla="*/ 0 w 10853928"/>
+              <a:gd name="connsiteY0" fmla="*/ 0 h 18288"/>
+              <a:gd name="connsiteX1" fmla="*/ 461292 w 10853928"/>
+              <a:gd name="connsiteY1" fmla="*/ 0 h 18288"/>
+              <a:gd name="connsiteX2" fmla="*/ 1139662 w 10853928"/>
+              <a:gd name="connsiteY2" fmla="*/ 0 h 18288"/>
+              <a:gd name="connsiteX3" fmla="*/ 1926572 w 10853928"/>
+              <a:gd name="connsiteY3" fmla="*/ 0 h 18288"/>
+              <a:gd name="connsiteX4" fmla="*/ 2279325 w 10853928"/>
+              <a:gd name="connsiteY4" fmla="*/ 0 h 18288"/>
+              <a:gd name="connsiteX5" fmla="*/ 2632078 w 10853928"/>
+              <a:gd name="connsiteY5" fmla="*/ 0 h 18288"/>
+              <a:gd name="connsiteX6" fmla="*/ 3527527 w 10853928"/>
+              <a:gd name="connsiteY6" fmla="*/ 0 h 18288"/>
+              <a:gd name="connsiteX7" fmla="*/ 4205897 w 10853928"/>
+              <a:gd name="connsiteY7" fmla="*/ 0 h 18288"/>
+              <a:gd name="connsiteX8" fmla="*/ 4558650 w 10853928"/>
+              <a:gd name="connsiteY8" fmla="*/ 0 h 18288"/>
+              <a:gd name="connsiteX9" fmla="*/ 5237020 w 10853928"/>
+              <a:gd name="connsiteY9" fmla="*/ 0 h 18288"/>
+              <a:gd name="connsiteX10" fmla="*/ 6132469 w 10853928"/>
+              <a:gd name="connsiteY10" fmla="*/ 0 h 18288"/>
+              <a:gd name="connsiteX11" fmla="*/ 6702301 w 10853928"/>
+              <a:gd name="connsiteY11" fmla="*/ 0 h 18288"/>
+              <a:gd name="connsiteX12" fmla="*/ 7272132 w 10853928"/>
+              <a:gd name="connsiteY12" fmla="*/ 0 h 18288"/>
+              <a:gd name="connsiteX13" fmla="*/ 7950502 w 10853928"/>
+              <a:gd name="connsiteY13" fmla="*/ 0 h 18288"/>
+              <a:gd name="connsiteX14" fmla="*/ 8737412 w 10853928"/>
+              <a:gd name="connsiteY14" fmla="*/ 0 h 18288"/>
+              <a:gd name="connsiteX15" fmla="*/ 9524322 w 10853928"/>
+              <a:gd name="connsiteY15" fmla="*/ 0 h 18288"/>
+              <a:gd name="connsiteX16" fmla="*/ 10853928 w 10853928"/>
+              <a:gd name="connsiteY16" fmla="*/ 0 h 18288"/>
+              <a:gd name="connsiteX17" fmla="*/ 10853928 w 10853928"/>
+              <a:gd name="connsiteY17" fmla="*/ 18288 h 18288"/>
+              <a:gd name="connsiteX18" fmla="*/ 10392636 w 10853928"/>
+              <a:gd name="connsiteY18" fmla="*/ 18288 h 18288"/>
+              <a:gd name="connsiteX19" fmla="*/ 9497187 w 10853928"/>
+              <a:gd name="connsiteY19" fmla="*/ 18288 h 18288"/>
+              <a:gd name="connsiteX20" fmla="*/ 8818817 w 10853928"/>
+              <a:gd name="connsiteY20" fmla="*/ 18288 h 18288"/>
+              <a:gd name="connsiteX21" fmla="*/ 8466064 w 10853928"/>
+              <a:gd name="connsiteY21" fmla="*/ 18288 h 18288"/>
+              <a:gd name="connsiteX22" fmla="*/ 7787693 w 10853928"/>
+              <a:gd name="connsiteY22" fmla="*/ 18288 h 18288"/>
+              <a:gd name="connsiteX23" fmla="*/ 7217862 w 10853928"/>
+              <a:gd name="connsiteY23" fmla="*/ 18288 h 18288"/>
+              <a:gd name="connsiteX24" fmla="*/ 6648031 w 10853928"/>
+              <a:gd name="connsiteY24" fmla="*/ 18288 h 18288"/>
+              <a:gd name="connsiteX25" fmla="*/ 6078200 w 10853928"/>
+              <a:gd name="connsiteY25" fmla="*/ 18288 h 18288"/>
+              <a:gd name="connsiteX26" fmla="*/ 5508368 w 10853928"/>
+              <a:gd name="connsiteY26" fmla="*/ 18288 h 18288"/>
+              <a:gd name="connsiteX27" fmla="*/ 4721459 w 10853928"/>
+              <a:gd name="connsiteY27" fmla="*/ 18288 h 18288"/>
+              <a:gd name="connsiteX28" fmla="*/ 4043088 w 10853928"/>
+              <a:gd name="connsiteY28" fmla="*/ 18288 h 18288"/>
+              <a:gd name="connsiteX29" fmla="*/ 3690336 w 10853928"/>
+              <a:gd name="connsiteY29" fmla="*/ 18288 h 18288"/>
+              <a:gd name="connsiteX30" fmla="*/ 3120504 w 10853928"/>
+              <a:gd name="connsiteY30" fmla="*/ 18288 h 18288"/>
+              <a:gd name="connsiteX31" fmla="*/ 2333595 w 10853928"/>
+              <a:gd name="connsiteY31" fmla="*/ 18288 h 18288"/>
+              <a:gd name="connsiteX32" fmla="*/ 1872303 w 10853928"/>
+              <a:gd name="connsiteY32" fmla="*/ 18288 h 18288"/>
+              <a:gd name="connsiteX33" fmla="*/ 976854 w 10853928"/>
+              <a:gd name="connsiteY33" fmla="*/ 18288 h 18288"/>
+              <a:gd name="connsiteX34" fmla="*/ 0 w 10853928"/>
+              <a:gd name="connsiteY34" fmla="*/ 18288 h 18288"/>
+              <a:gd name="connsiteX35" fmla="*/ 0 w 10853928"/>
+              <a:gd name="connsiteY35" fmla="*/ 0 h 18288"/>
+            </a:gdLst>
+            <a:ahLst/>
+            <a:cxnLst>
+              <a:cxn ang="0">
+                <a:pos x="connsiteX0" y="connsiteY0"/>
+              </a:cxn>
+              <a:cxn ang="0">
+                <a:pos x="connsiteX1" y="connsiteY1"/>
+              </a:cxn>
+              <a:cxn ang="0">
+                <a:pos x="connsiteX2" y="connsiteY2"/>
+              </a:cxn>
+              <a:cxn ang="0">
+                <a:pos x="connsiteX3" y="connsiteY3"/>
+              </a:cxn>
+              <a:cxn ang="0">
+                <a:pos x="connsiteX4" y="connsiteY4"/>
+              </a:cxn>
+              <a:cxn ang="0">
+                <a:pos x="connsiteX5" y="connsiteY5"/>
+              </a:cxn>
+              <a:cxn ang="0">
+                <a:pos x="connsiteX6" y="connsiteY6"/>
+              </a:cxn>
+              <a:cxn ang="0">
+                <a:pos x="connsiteX7" y="connsiteY7"/>
+              </a:cxn>
+              <a:cxn ang="0">
+                <a:pos x="connsiteX8" y="connsiteY8"/>
+              </a:cxn>
+              <a:cxn ang="0">
+                <a:pos x="connsiteX9" y="connsiteY9"/>
+              </a:cxn>
+              <a:cxn ang="0">
+                <a:pos x="connsiteX10" y="connsiteY10"/>
+              </a:cxn>
+              <a:cxn ang="0">
+                <a:pos x="connsiteX11" y="connsiteY11"/>
+              </a:cxn>
+              <a:cxn ang="0">
+                <a:pos x="connsiteX12" y="connsiteY12"/>
+              </a:cxn>
+              <a:cxn ang="0">
+                <a:pos x="connsiteX13" y="connsiteY13"/>
+              </a:cxn>
+              <a:cxn ang="0">
+                <a:pos x="connsiteX14" y="connsiteY14"/>
+              </a:cxn>
+              <a:cxn ang="0">
+                <a:pos x="connsiteX15" y="connsiteY15"/>
+              </a:cxn>
+              <a:cxn ang="0">
+                <a:pos x="connsiteX16" y="connsiteY16"/>
+              </a:cxn>
+              <a:cxn ang="0">
+                <a:pos x="connsiteX17" y="connsiteY17"/>
+              </a:cxn>
+              <a:cxn ang="0">
+                <a:pos x="connsiteX18" y="connsiteY18"/>
+              </a:cxn>
+              <a:cxn ang="0">
+                <a:pos x="connsiteX19" y="connsiteY19"/>
+              </a:cxn>
+              <a:cxn ang="0">
+                <a:pos x="connsiteX20" y="connsiteY20"/>
+              </a:cxn>
+              <a:cxn ang="0">
+                <a:pos x="connsiteX21" y="connsiteY21"/>
+              </a:cxn>
+              <a:cxn ang="0">
+                <a:pos x="connsiteX22" y="connsiteY22"/>
+              </a:cxn>
+              <a:cxn ang="0">
+                <a:pos x="connsiteX23" y="connsiteY23"/>
+              </a:cxn>
+              <a:cxn ang="0">
+                <a:pos x="connsiteX24" y="connsiteY24"/>
+              </a:cxn>
+              <a:cxn ang="0">
+                <a:pos x="connsiteX25" y="connsiteY25"/>
+              </a:cxn>
+              <a:cxn ang="0">
+                <a:pos x="connsiteX26" y="connsiteY26"/>
+              </a:cxn>
+              <a:cxn ang="0">
+                <a:pos x="connsiteX27" y="connsiteY27"/>
+              </a:cxn>
+              <a:cxn ang="0">
+                <a:pos x="connsiteX28" y="connsiteY28"/>
+              </a:cxn>
+              <a:cxn ang="0">
+                <a:pos x="connsiteX29" y="connsiteY29"/>
+              </a:cxn>
+              <a:cxn ang="0">
+                <a:pos x="connsiteX30" y="connsiteY30"/>
+              </a:cxn>
+              <a:cxn ang="0">
+                <a:pos x="connsiteX31" y="connsiteY31"/>
+              </a:cxn>
+              <a:cxn ang="0">
+                <a:pos x="connsiteX32" y="connsiteY32"/>
+              </a:cxn>
+              <a:cxn ang="0">
+                <a:pos x="connsiteX33" y="connsiteY33"/>
+              </a:cxn>
+              <a:cxn ang="0">
+                <a:pos x="connsiteX34" y="connsiteY34"/>
+              </a:cxn>
+              <a:cxn ang="0">
+                <a:pos x="connsiteX35" y="connsiteY35"/>
+              </a:cxn>
+            </a:cxnLst>
+            <a:rect l="l" t="t" r="r" b="b"/>
+            <a:pathLst>
+              <a:path w="10853928" h="18288" fill="none" extrusionOk="0">
+                <a:moveTo>
+                  <a:pt x="0" y="0"/>
+                </a:moveTo>
+                <a:cubicBezTo>
+                  <a:pt x="146993" y="-19076"/>
+                  <a:pt x="347684" y="-4790"/>
+                  <a:pt x="461292" y="0"/>
+                </a:cubicBezTo>
+                <a:cubicBezTo>
+                  <a:pt x="574900" y="4790"/>
+                  <a:pt x="808367" y="19821"/>
+                  <a:pt x="1139662" y="0"/>
+                </a:cubicBezTo>
+                <a:cubicBezTo>
+                  <a:pt x="1470957" y="-19821"/>
+                  <a:pt x="1627405" y="5721"/>
+                  <a:pt x="1926572" y="0"/>
+                </a:cubicBezTo>
+                <a:cubicBezTo>
+                  <a:pt x="2225739" y="-5721"/>
+                  <a:pt x="2137730" y="-3235"/>
+                  <a:pt x="2279325" y="0"/>
+                </a:cubicBezTo>
+                <a:cubicBezTo>
+                  <a:pt x="2420920" y="3235"/>
+                  <a:pt x="2456518" y="9685"/>
+                  <a:pt x="2632078" y="0"/>
+                </a:cubicBezTo>
+                <a:cubicBezTo>
+                  <a:pt x="2807638" y="-9685"/>
+                  <a:pt x="3211516" y="-43007"/>
+                  <a:pt x="3527527" y="0"/>
+                </a:cubicBezTo>
+                <a:cubicBezTo>
+                  <a:pt x="3843538" y="43007"/>
+                  <a:pt x="4058833" y="22042"/>
+                  <a:pt x="4205897" y="0"/>
+                </a:cubicBezTo>
+                <a:cubicBezTo>
+                  <a:pt x="4352961" y="-22042"/>
+                  <a:pt x="4474805" y="-11846"/>
+                  <a:pt x="4558650" y="0"/>
+                </a:cubicBezTo>
+                <a:cubicBezTo>
+                  <a:pt x="4642495" y="11846"/>
+                  <a:pt x="5041928" y="-6069"/>
+                  <a:pt x="5237020" y="0"/>
+                </a:cubicBezTo>
+                <a:cubicBezTo>
+                  <a:pt x="5432112" y="6069"/>
+                  <a:pt x="5943266" y="-17479"/>
+                  <a:pt x="6132469" y="0"/>
+                </a:cubicBezTo>
+                <a:cubicBezTo>
+                  <a:pt x="6321672" y="17479"/>
+                  <a:pt x="6483872" y="26234"/>
+                  <a:pt x="6702301" y="0"/>
+                </a:cubicBezTo>
+                <a:cubicBezTo>
+                  <a:pt x="6920730" y="-26234"/>
+                  <a:pt x="6991194" y="-15156"/>
+                  <a:pt x="7272132" y="0"/>
+                </a:cubicBezTo>
+                <a:cubicBezTo>
+                  <a:pt x="7553070" y="15156"/>
+                  <a:pt x="7684444" y="-32961"/>
+                  <a:pt x="7950502" y="0"/>
+                </a:cubicBezTo>
+                <a:cubicBezTo>
+                  <a:pt x="8216560" y="32961"/>
+                  <a:pt x="8493290" y="-10491"/>
+                  <a:pt x="8737412" y="0"/>
+                </a:cubicBezTo>
+                <a:cubicBezTo>
+                  <a:pt x="8981534" y="10491"/>
+                  <a:pt x="9191586" y="-13899"/>
+                  <a:pt x="9524322" y="0"/>
+                </a:cubicBezTo>
+                <a:cubicBezTo>
+                  <a:pt x="9857058" y="13899"/>
+                  <a:pt x="10297509" y="7485"/>
+                  <a:pt x="10853928" y="0"/>
+                </a:cubicBezTo>
+                <a:cubicBezTo>
+                  <a:pt x="10854574" y="4451"/>
+                  <a:pt x="10854418" y="9226"/>
+                  <a:pt x="10853928" y="18288"/>
+                </a:cubicBezTo>
+                <a:cubicBezTo>
+                  <a:pt x="10691638" y="28522"/>
+                  <a:pt x="10574319" y="29578"/>
+                  <a:pt x="10392636" y="18288"/>
+                </a:cubicBezTo>
+                <a:cubicBezTo>
+                  <a:pt x="10210953" y="6998"/>
+                  <a:pt x="9836277" y="-16742"/>
+                  <a:pt x="9497187" y="18288"/>
+                </a:cubicBezTo>
+                <a:cubicBezTo>
+                  <a:pt x="9158097" y="53318"/>
+                  <a:pt x="9119479" y="30714"/>
+                  <a:pt x="8818817" y="18288"/>
+                </a:cubicBezTo>
+                <a:cubicBezTo>
+                  <a:pt x="8518155" y="5863"/>
+                  <a:pt x="8640037" y="6483"/>
+                  <a:pt x="8466064" y="18288"/>
+                </a:cubicBezTo>
+                <a:cubicBezTo>
+                  <a:pt x="8292091" y="30093"/>
+                  <a:pt x="7997656" y="18914"/>
+                  <a:pt x="7787693" y="18288"/>
+                </a:cubicBezTo>
+                <a:cubicBezTo>
+                  <a:pt x="7577730" y="17662"/>
+                  <a:pt x="7412468" y="21416"/>
+                  <a:pt x="7217862" y="18288"/>
+                </a:cubicBezTo>
+                <a:cubicBezTo>
+                  <a:pt x="7023256" y="15160"/>
+                  <a:pt x="6898018" y="14824"/>
+                  <a:pt x="6648031" y="18288"/>
+                </a:cubicBezTo>
+                <a:cubicBezTo>
+                  <a:pt x="6398044" y="21752"/>
+                  <a:pt x="6254402" y="38625"/>
+                  <a:pt x="6078200" y="18288"/>
+                </a:cubicBezTo>
+                <a:cubicBezTo>
+                  <a:pt x="5901998" y="-2049"/>
+                  <a:pt x="5622886" y="3213"/>
+                  <a:pt x="5508368" y="18288"/>
+                </a:cubicBezTo>
+                <a:cubicBezTo>
+                  <a:pt x="5393850" y="33363"/>
+                  <a:pt x="5036260" y="26830"/>
+                  <a:pt x="4721459" y="18288"/>
+                </a:cubicBezTo>
+                <a:cubicBezTo>
+                  <a:pt x="4406658" y="9746"/>
+                  <a:pt x="4239221" y="41551"/>
+                  <a:pt x="4043088" y="18288"/>
+                </a:cubicBezTo>
+                <a:cubicBezTo>
+                  <a:pt x="3846955" y="-4975"/>
+                  <a:pt x="3818802" y="34658"/>
+                  <a:pt x="3690336" y="18288"/>
+                </a:cubicBezTo>
+                <a:cubicBezTo>
+                  <a:pt x="3561870" y="1918"/>
+                  <a:pt x="3265491" y="42194"/>
+                  <a:pt x="3120504" y="18288"/>
+                </a:cubicBezTo>
+                <a:cubicBezTo>
+                  <a:pt x="2975517" y="-5618"/>
+                  <a:pt x="2720254" y="36673"/>
+                  <a:pt x="2333595" y="18288"/>
+                </a:cubicBezTo>
+                <a:cubicBezTo>
+                  <a:pt x="1946936" y="-97"/>
+                  <a:pt x="2097241" y="5776"/>
+                  <a:pt x="1872303" y="18288"/>
+                </a:cubicBezTo>
+                <a:cubicBezTo>
+                  <a:pt x="1647365" y="30800"/>
+                  <a:pt x="1282708" y="45380"/>
+                  <a:pt x="976854" y="18288"/>
+                </a:cubicBezTo>
+                <a:cubicBezTo>
+                  <a:pt x="671000" y="-8804"/>
+                  <a:pt x="408401" y="-12775"/>
+                  <a:pt x="0" y="18288"/>
+                </a:cubicBezTo>
+                <a:cubicBezTo>
+                  <a:pt x="-213" y="9468"/>
+                  <a:pt x="187" y="4459"/>
+                  <a:pt x="0" y="0"/>
+                </a:cubicBezTo>
+                <a:close/>
+              </a:path>
+              <a:path w="10853928" h="18288" stroke="0" extrusionOk="0">
+                <a:moveTo>
+                  <a:pt x="0" y="0"/>
+                </a:moveTo>
+                <a:cubicBezTo>
+                  <a:pt x="267322" y="15284"/>
+                  <a:pt x="415388" y="-21048"/>
+                  <a:pt x="569831" y="0"/>
+                </a:cubicBezTo>
+                <a:cubicBezTo>
+                  <a:pt x="724274" y="21048"/>
+                  <a:pt x="769333" y="-2353"/>
+                  <a:pt x="922584" y="0"/>
+                </a:cubicBezTo>
+                <a:cubicBezTo>
+                  <a:pt x="1075835" y="2353"/>
+                  <a:pt x="1399490" y="-145"/>
+                  <a:pt x="1818033" y="0"/>
+                </a:cubicBezTo>
+                <a:cubicBezTo>
+                  <a:pt x="2236576" y="145"/>
+                  <a:pt x="2145330" y="5482"/>
+                  <a:pt x="2387864" y="0"/>
+                </a:cubicBezTo>
+                <a:cubicBezTo>
+                  <a:pt x="2630398" y="-5482"/>
+                  <a:pt x="2793207" y="18487"/>
+                  <a:pt x="2957695" y="0"/>
+                </a:cubicBezTo>
+                <a:cubicBezTo>
+                  <a:pt x="3122183" y="-18487"/>
+                  <a:pt x="3579141" y="19003"/>
+                  <a:pt x="3853144" y="0"/>
+                </a:cubicBezTo>
+                <a:cubicBezTo>
+                  <a:pt x="4127147" y="-19003"/>
+                  <a:pt x="4209857" y="12211"/>
+                  <a:pt x="4314436" y="0"/>
+                </a:cubicBezTo>
+                <a:cubicBezTo>
+                  <a:pt x="4419015" y="-12211"/>
+                  <a:pt x="4762459" y="-17220"/>
+                  <a:pt x="5209885" y="0"/>
+                </a:cubicBezTo>
+                <a:cubicBezTo>
+                  <a:pt x="5657311" y="17220"/>
+                  <a:pt x="5692663" y="-3290"/>
+                  <a:pt x="6105335" y="0"/>
+                </a:cubicBezTo>
+                <a:cubicBezTo>
+                  <a:pt x="6518007" y="3290"/>
+                  <a:pt x="6455516" y="-5124"/>
+                  <a:pt x="6783705" y="0"/>
+                </a:cubicBezTo>
+                <a:cubicBezTo>
+                  <a:pt x="7111894" y="5124"/>
+                  <a:pt x="7441941" y="-17829"/>
+                  <a:pt x="7679154" y="0"/>
+                </a:cubicBezTo>
+                <a:cubicBezTo>
+                  <a:pt x="7916367" y="17829"/>
+                  <a:pt x="8102967" y="-24363"/>
+                  <a:pt x="8248985" y="0"/>
+                </a:cubicBezTo>
+                <a:cubicBezTo>
+                  <a:pt x="8395003" y="24363"/>
+                  <a:pt x="8552393" y="25505"/>
+                  <a:pt x="8818817" y="0"/>
+                </a:cubicBezTo>
+                <a:cubicBezTo>
+                  <a:pt x="9085241" y="-25505"/>
+                  <a:pt x="9411308" y="38000"/>
+                  <a:pt x="9605726" y="0"/>
+                </a:cubicBezTo>
+                <a:cubicBezTo>
+                  <a:pt x="9800144" y="-38000"/>
+                  <a:pt x="10006468" y="-25741"/>
+                  <a:pt x="10175558" y="0"/>
+                </a:cubicBezTo>
+                <a:cubicBezTo>
+                  <a:pt x="10344648" y="25741"/>
+                  <a:pt x="10696282" y="695"/>
+                  <a:pt x="10853928" y="0"/>
+                </a:cubicBezTo>
+                <a:cubicBezTo>
+                  <a:pt x="10853521" y="8690"/>
+                  <a:pt x="10853774" y="14141"/>
+                  <a:pt x="10853928" y="18288"/>
+                </a:cubicBezTo>
+                <a:cubicBezTo>
+                  <a:pt x="10608124" y="24255"/>
+                  <a:pt x="10343415" y="22307"/>
+                  <a:pt x="10067018" y="18288"/>
+                </a:cubicBezTo>
+                <a:cubicBezTo>
+                  <a:pt x="9790621" y="14270"/>
+                  <a:pt x="9843266" y="3564"/>
+                  <a:pt x="9714266" y="18288"/>
+                </a:cubicBezTo>
+                <a:cubicBezTo>
+                  <a:pt x="9585266" y="33012"/>
+                  <a:pt x="9379484" y="1875"/>
+                  <a:pt x="9252974" y="18288"/>
+                </a:cubicBezTo>
+                <a:cubicBezTo>
+                  <a:pt x="9126464" y="34701"/>
+                  <a:pt x="8580678" y="-4904"/>
+                  <a:pt x="8357525" y="18288"/>
+                </a:cubicBezTo>
+                <a:cubicBezTo>
+                  <a:pt x="8134372" y="41480"/>
+                  <a:pt x="7903199" y="26458"/>
+                  <a:pt x="7679154" y="18288"/>
+                </a:cubicBezTo>
+                <a:cubicBezTo>
+                  <a:pt x="7455109" y="10118"/>
+                  <a:pt x="7435944" y="27109"/>
+                  <a:pt x="7217862" y="18288"/>
+                </a:cubicBezTo>
+                <a:cubicBezTo>
+                  <a:pt x="6999780" y="9467"/>
+                  <a:pt x="6680409" y="18985"/>
+                  <a:pt x="6539492" y="18288"/>
+                </a:cubicBezTo>
+                <a:cubicBezTo>
+                  <a:pt x="6398575" y="17592"/>
+                  <a:pt x="6312077" y="33018"/>
+                  <a:pt x="6186739" y="18288"/>
+                </a:cubicBezTo>
+                <a:cubicBezTo>
+                  <a:pt x="6061401" y="3558"/>
+                  <a:pt x="5947033" y="12075"/>
+                  <a:pt x="5833986" y="18288"/>
+                </a:cubicBezTo>
+                <a:cubicBezTo>
+                  <a:pt x="5720939" y="24501"/>
+                  <a:pt x="5482226" y="8586"/>
+                  <a:pt x="5155616" y="18288"/>
+                </a:cubicBezTo>
+                <a:cubicBezTo>
+                  <a:pt x="4829006" y="27991"/>
+                  <a:pt x="4841274" y="29316"/>
+                  <a:pt x="4694324" y="18288"/>
+                </a:cubicBezTo>
+                <a:cubicBezTo>
+                  <a:pt x="4547374" y="7260"/>
+                  <a:pt x="4077675" y="7013"/>
+                  <a:pt x="3907414" y="18288"/>
+                </a:cubicBezTo>
+                <a:cubicBezTo>
+                  <a:pt x="3737153" y="29564"/>
+                  <a:pt x="3538393" y="21630"/>
+                  <a:pt x="3446122" y="18288"/>
+                </a:cubicBezTo>
+                <a:cubicBezTo>
+                  <a:pt x="3353851" y="14946"/>
+                  <a:pt x="2990320" y="-8091"/>
+                  <a:pt x="2659212" y="18288"/>
+                </a:cubicBezTo>
+                <a:cubicBezTo>
+                  <a:pt x="2328104" y="44667"/>
+                  <a:pt x="2427653" y="9607"/>
+                  <a:pt x="2306460" y="18288"/>
+                </a:cubicBezTo>
+                <a:cubicBezTo>
+                  <a:pt x="2185267" y="26969"/>
+                  <a:pt x="1719763" y="3717"/>
+                  <a:pt x="1519550" y="18288"/>
+                </a:cubicBezTo>
+                <a:cubicBezTo>
+                  <a:pt x="1319337" y="32860"/>
+                  <a:pt x="1167371" y="17040"/>
+                  <a:pt x="1058258" y="18288"/>
+                </a:cubicBezTo>
+                <a:cubicBezTo>
+                  <a:pt x="949145" y="19536"/>
+                  <a:pt x="780234" y="31447"/>
+                  <a:pt x="705505" y="18288"/>
+                </a:cubicBezTo>
+                <a:cubicBezTo>
+                  <a:pt x="630776" y="5129"/>
+                  <a:pt x="215796" y="30056"/>
+                  <a:pt x="0" y="18288"/>
+                </a:cubicBezTo>
+                <a:cubicBezTo>
+                  <a:pt x="-53" y="11301"/>
+                  <a:pt x="-649" y="7756"/>
+                  <a:pt x="0" y="0"/>
+                </a:cubicBezTo>
+                <a:close/>
+              </a:path>
+            </a:pathLst>
+          </a:custGeom>
+          <a:solidFill>
+            <a:schemeClr val="accent2"/>
+          </a:solidFill>
+          <a:ln w="41275" cap="rnd">
+            <a:solidFill>
+              <a:schemeClr val="accent2"/>
+            </a:solidFill>
+            <a:round/>
+            <a:extLst>
+              <a:ext uri="{C807C97D-BFC1-408E-A445-0C87EB9F89A2}">
+                <ask:lineSketchStyleProps xmlns:ask="http://schemas.microsoft.com/office/drawing/2018/sketchyshapes" sd="1219033472">
+                  <a:prstGeom prst="rect">
+                    <a:avLst/>
+                  </a:prstGeom>
+                  <ask:type>
+                    <ask:lineSketchFreehand/>
+                  </ask:type>
+                </ask:lineSketchStyleProps>
+              </a:ext>
+            </a:extLst>
+          </a:ln>
+        </p:spPr>
+        <p:style>
+          <a:lnRef idx="2">
+            <a:schemeClr val="accent1">
+              <a:shade val="50000"/>
+            </a:schemeClr>
+          </a:lnRef>
+          <a:fillRef idx="1">
+            <a:schemeClr val="accent1"/>
+          </a:fillRef>
+          <a:effectRef idx="0">
+            <a:schemeClr val="accent1"/>
+          </a:effectRef>
+          <a:fontRef idx="minor">
+            <a:schemeClr val="lt1"/>
+          </a:fontRef>
+        </p:style>
+        <p:txBody>
+          <a:bodyPr rtlCol="0" anchor="ctr"/>
+          <a:lstStyle/>
+          <a:p>
+            <a:pPr algn="ctr"/>
+            <a:endParaRPr lang="en-US"/>
+          </a:p>
+        </p:txBody>
+      </p:sp>
+      <p:sp>
+        <p:nvSpPr>
+          <p:cNvPr id="3" name="Объект 2"/>
+          <p:cNvSpPr>
+            <a:spLocks noGrp="1"/>
+          </p:cNvSpPr>
+          <p:nvPr>
+            <p:ph sz="half" idx="1"/>
+          </p:nvPr>
+        </p:nvSpPr>
+        <p:spPr>
+          <a:xfrm>
+            <a:off x="838200" y="1929384"/>
+            <a:ext cx="10515600" cy="4251960"/>
           </a:xfrm>
         </p:spPr>
         <p:txBody>
-          <a:bodyPr>
+          <a:bodyPr vert="horz" lIns="91440" tIns="45720" rIns="91440" bIns="45720" rtlCol="0">
             <a:normAutofit/>
           </a:bodyPr>
           <a:lstStyle/>
           <a:p>
-            <a:pPr marL="0" indent="0">
-              <a:buNone/>
-            </a:pPr>
-            <a:r>
-              <a:rPr lang="en-US" sz="1400" dirty="0"/>
+            <a:pPr marL="0"/>
+            <a:r>
+              <a:rPr lang="en-US" sz="2200" dirty="0"/>
               <a:t>You can set up notifications for an </a:t>
             </a:r>
             <a:r>
-              <a:rPr lang="en-US" sz="1400" b="1" dirty="0"/>
+              <a:rPr lang="en-US" sz="2200" b="1" dirty="0"/>
               <a:t>AWS Amplify </a:t>
             </a:r>
             <a:r>
-              <a:rPr lang="en-US" sz="1400" dirty="0"/>
+              <a:rPr lang="en-US" sz="2200" dirty="0"/>
               <a:t>app to alert stakeholders or team members when a build succeeds or fails. </a:t>
             </a:r>
-            <a:r>
-              <a:rPr lang="en-US" sz="1400" b="1" dirty="0"/>
+          </a:p>
+          <a:p>
+            <a:pPr marL="0"/>
+            <a:r>
+              <a:rPr lang="en-US" sz="2200" b="1" dirty="0"/>
               <a:t>Amplify Hosting </a:t>
             </a:r>
             <a:r>
-              <a:rPr lang="en-US" sz="1400" dirty="0"/>
+              <a:rPr lang="en-US" sz="2200" dirty="0"/>
               <a:t>creates an </a:t>
             </a:r>
             <a:r>
-              <a:rPr lang="en-US" sz="1400" b="1" dirty="0"/>
+              <a:rPr lang="en-US" sz="2200" b="1" dirty="0"/>
               <a:t>Amazon Simple Notification Service (SNS) topic </a:t>
             </a:r>
             <a:r>
-              <a:rPr lang="en-US" sz="1400" dirty="0"/>
-              <a:t>in your account and uses it to configure email notifications. Notifications can be configured to apply to all branches or specific branches of an Amplify app.</a:t>
+              <a:rPr lang="en-US" sz="2200" dirty="0"/>
+              <a:t>in your account and uses it to configure email notifications. </a:t>
+            </a:r>
+          </a:p>
+          <a:p>
+            <a:pPr marL="0"/>
+            <a:r>
+              <a:rPr lang="en-US" sz="2200" dirty="0"/>
+              <a:t>Notifications can be configured to apply to all branches or specific branches of an Amplify app.</a:t>
             </a:r>
           </a:p>
         </p:txBody>
@@ -5205,6 +9522,14 @@
 <file path=ppt/slides/slide9.xml><?xml version="1.0" encoding="utf-8"?>
 <p:sld xmlns:a="http://schemas.openxmlformats.org/drawingml/2006/main" xmlns:r="http://schemas.openxmlformats.org/officeDocument/2006/relationships" xmlns:p="http://schemas.openxmlformats.org/presentationml/2006/main">
   <p:cSld>
+    <p:bg>
+      <p:bgPr>
+        <a:solidFill>
+          <a:schemeClr val="bg1"/>
+        </a:solidFill>
+        <a:effectLst/>
+      </p:bgPr>
+    </p:bg>
     <p:spTree>
       <p:nvGrpSpPr>
         <p:cNvPr id="1" name=""/>
@@ -5219,6 +9544,66 @@
           <a:chExt cx="0" cy="0"/>
         </a:xfrm>
       </p:grpSpPr>
+      <p:sp useBgFill="1">
+        <p:nvSpPr>
+          <p:cNvPr id="8" name="Rectangle 7">
+            <a:extLst>
+              <a:ext uri="{FF2B5EF4-FFF2-40B4-BE49-F238E27FC236}">
+                <a16:creationId xmlns:a16="http://schemas.microsoft.com/office/drawing/2014/main" id="{100EDD19-6802-4EC3-95CE-CFFAB042CFD6}"/>
+              </a:ext>
+              <a:ext uri="{C183D7F6-B498-43B3-948B-1728B52AA6E4}">
+                <adec:decorative xmlns:adec="http://schemas.microsoft.com/office/drawing/2017/decorative" val="1"/>
+              </a:ext>
+            </a:extLst>
+          </p:cNvPr>
+          <p:cNvSpPr>
+            <a:spLocks noGrp="1" noRot="1" noChangeAspect="1" noMove="1" noResize="1" noEditPoints="1" noAdjustHandles="1" noChangeArrowheads="1" noChangeShapeType="1" noTextEdit="1"/>
+          </p:cNvSpPr>
+          <p:nvPr>
+            <p:extLst>
+              <p:ext uri="{386F3935-93C4-4BCD-93E2-E3B085C9AB24}">
+                <p16:designElem xmlns:p16="http://schemas.microsoft.com/office/powerpoint/2015/main" val="1"/>
+              </p:ext>
+            </p:extLst>
+          </p:nvPr>
+        </p:nvSpPr>
+        <p:spPr>
+          <a:xfrm>
+            <a:off x="0" y="0"/>
+            <a:ext cx="12188952" cy="6858000"/>
+          </a:xfrm>
+          <a:prstGeom prst="rect">
+            <a:avLst/>
+          </a:prstGeom>
+          <a:ln>
+            <a:noFill/>
+          </a:ln>
+        </p:spPr>
+        <p:style>
+          <a:lnRef idx="2">
+            <a:schemeClr val="accent1">
+              <a:shade val="50000"/>
+            </a:schemeClr>
+          </a:lnRef>
+          <a:fillRef idx="1">
+            <a:schemeClr val="accent1"/>
+          </a:fillRef>
+          <a:effectRef idx="0">
+            <a:schemeClr val="accent1"/>
+          </a:effectRef>
+          <a:fontRef idx="minor">
+            <a:schemeClr val="lt1"/>
+          </a:fontRef>
+        </p:style>
+        <p:txBody>
+          <a:bodyPr rtlCol="0" anchor="ctr"/>
+          <a:lstStyle/>
+          <a:p>
+            <a:pPr algn="ctr"/>
+            <a:endParaRPr lang="en-US"/>
+          </a:p>
+        </p:txBody>
+      </p:sp>
       <p:sp>
         <p:nvSpPr>
           <p:cNvPr id="2" name="Заголовок 1"/>
@@ -5229,151 +9614,747 @@
             <p:ph type="title"/>
           </p:nvPr>
         </p:nvSpPr>
-        <p:spPr/>
-        <p:txBody>
-          <a:bodyPr>
+        <p:spPr>
+          <a:xfrm>
+            <a:off x="838200" y="365125"/>
+            <a:ext cx="10515600" cy="1325563"/>
+          </a:xfrm>
+        </p:spPr>
+        <p:txBody>
+          <a:bodyPr vert="horz" lIns="91440" tIns="45720" rIns="91440" bIns="45720" rtlCol="0" anchor="ctr">
             <a:normAutofit/>
           </a:bodyPr>
           <a:lstStyle/>
           <a:p>
             <a:r>
-              <a:rPr lang="en-US" sz="3200" dirty="0"/>
-              <a:t>Logging Amplify API calls using AWS </a:t>
-            </a:r>
-            <a:r>
-              <a:rPr lang="en-US" sz="3200" dirty="0" err="1"/>
-              <a:t>CloudTrail</a:t>
-            </a:r>
-            <a:endParaRPr lang="en-US" sz="3200" dirty="0"/>
-          </a:p>
-        </p:txBody>
-      </p:sp>
-      <p:sp>
-        <p:nvSpPr>
-          <p:cNvPr id="3" name="Объект 2"/>
-          <p:cNvSpPr>
-            <a:spLocks noGrp="1"/>
-          </p:cNvSpPr>
-          <p:nvPr>
-            <p:ph sz="half" idx="1"/>
+              <a:rPr lang="en-US" sz="4200" kern="1200">
+                <a:solidFill>
+                  <a:schemeClr val="tx1"/>
+                </a:solidFill>
+                <a:latin typeface="+mj-lt"/>
+                <a:ea typeface="+mj-ea"/>
+                <a:cs typeface="+mj-cs"/>
+              </a:rPr>
+              <a:t>Logging Amplify API calls using AWS CloudTrail</a:t>
+            </a:r>
+          </a:p>
+        </p:txBody>
+      </p:sp>
+      <p:sp>
+        <p:nvSpPr>
+          <p:cNvPr id="10" name="sketch line">
+            <a:extLst>
+              <a:ext uri="{FF2B5EF4-FFF2-40B4-BE49-F238E27FC236}">
+                <a16:creationId xmlns:a16="http://schemas.microsoft.com/office/drawing/2014/main" id="{DB17E863-922E-4C26-BD64-E8FD41D28661}"/>
+              </a:ext>
+              <a:ext uri="{C183D7F6-B498-43B3-948B-1728B52AA6E4}">
+                <adec:decorative xmlns:adec="http://schemas.microsoft.com/office/drawing/2017/decorative" val="1"/>
+              </a:ext>
+            </a:extLst>
+          </p:cNvPr>
+          <p:cNvSpPr>
+            <a:spLocks noGrp="1" noRot="1" noChangeAspect="1" noMove="1" noResize="1" noEditPoints="1" noAdjustHandles="1" noChangeArrowheads="1" noChangeShapeType="1" noTextEdit="1"/>
+          </p:cNvSpPr>
+          <p:nvPr>
+            <p:extLst>
+              <p:ext uri="{386F3935-93C4-4BCD-93E2-E3B085C9AB24}">
+                <p16:designElem xmlns:p16="http://schemas.microsoft.com/office/powerpoint/2015/main" val="1"/>
+              </p:ext>
+            </p:extLst>
           </p:nvPr>
         </p:nvSpPr>
         <p:spPr>
           <a:xfrm>
-            <a:off x="838200" y="1825625"/>
-            <a:ext cx="8287512" cy="4351338"/>
+            <a:off x="669036" y="1677373"/>
+            <a:ext cx="10853928" cy="18288"/>
+          </a:xfrm>
+          <a:custGeom>
+            <a:avLst/>
+            <a:gdLst>
+              <a:gd name="connsiteX0" fmla="*/ 0 w 10853928"/>
+              <a:gd name="connsiteY0" fmla="*/ 0 h 18288"/>
+              <a:gd name="connsiteX1" fmla="*/ 461292 w 10853928"/>
+              <a:gd name="connsiteY1" fmla="*/ 0 h 18288"/>
+              <a:gd name="connsiteX2" fmla="*/ 1139662 w 10853928"/>
+              <a:gd name="connsiteY2" fmla="*/ 0 h 18288"/>
+              <a:gd name="connsiteX3" fmla="*/ 1926572 w 10853928"/>
+              <a:gd name="connsiteY3" fmla="*/ 0 h 18288"/>
+              <a:gd name="connsiteX4" fmla="*/ 2279325 w 10853928"/>
+              <a:gd name="connsiteY4" fmla="*/ 0 h 18288"/>
+              <a:gd name="connsiteX5" fmla="*/ 2632078 w 10853928"/>
+              <a:gd name="connsiteY5" fmla="*/ 0 h 18288"/>
+              <a:gd name="connsiteX6" fmla="*/ 3527527 w 10853928"/>
+              <a:gd name="connsiteY6" fmla="*/ 0 h 18288"/>
+              <a:gd name="connsiteX7" fmla="*/ 4205897 w 10853928"/>
+              <a:gd name="connsiteY7" fmla="*/ 0 h 18288"/>
+              <a:gd name="connsiteX8" fmla="*/ 4558650 w 10853928"/>
+              <a:gd name="connsiteY8" fmla="*/ 0 h 18288"/>
+              <a:gd name="connsiteX9" fmla="*/ 5237020 w 10853928"/>
+              <a:gd name="connsiteY9" fmla="*/ 0 h 18288"/>
+              <a:gd name="connsiteX10" fmla="*/ 6132469 w 10853928"/>
+              <a:gd name="connsiteY10" fmla="*/ 0 h 18288"/>
+              <a:gd name="connsiteX11" fmla="*/ 6702301 w 10853928"/>
+              <a:gd name="connsiteY11" fmla="*/ 0 h 18288"/>
+              <a:gd name="connsiteX12" fmla="*/ 7272132 w 10853928"/>
+              <a:gd name="connsiteY12" fmla="*/ 0 h 18288"/>
+              <a:gd name="connsiteX13" fmla="*/ 7950502 w 10853928"/>
+              <a:gd name="connsiteY13" fmla="*/ 0 h 18288"/>
+              <a:gd name="connsiteX14" fmla="*/ 8737412 w 10853928"/>
+              <a:gd name="connsiteY14" fmla="*/ 0 h 18288"/>
+              <a:gd name="connsiteX15" fmla="*/ 9524322 w 10853928"/>
+              <a:gd name="connsiteY15" fmla="*/ 0 h 18288"/>
+              <a:gd name="connsiteX16" fmla="*/ 10853928 w 10853928"/>
+              <a:gd name="connsiteY16" fmla="*/ 0 h 18288"/>
+              <a:gd name="connsiteX17" fmla="*/ 10853928 w 10853928"/>
+              <a:gd name="connsiteY17" fmla="*/ 18288 h 18288"/>
+              <a:gd name="connsiteX18" fmla="*/ 10392636 w 10853928"/>
+              <a:gd name="connsiteY18" fmla="*/ 18288 h 18288"/>
+              <a:gd name="connsiteX19" fmla="*/ 9497187 w 10853928"/>
+              <a:gd name="connsiteY19" fmla="*/ 18288 h 18288"/>
+              <a:gd name="connsiteX20" fmla="*/ 8818817 w 10853928"/>
+              <a:gd name="connsiteY20" fmla="*/ 18288 h 18288"/>
+              <a:gd name="connsiteX21" fmla="*/ 8466064 w 10853928"/>
+              <a:gd name="connsiteY21" fmla="*/ 18288 h 18288"/>
+              <a:gd name="connsiteX22" fmla="*/ 7787693 w 10853928"/>
+              <a:gd name="connsiteY22" fmla="*/ 18288 h 18288"/>
+              <a:gd name="connsiteX23" fmla="*/ 7217862 w 10853928"/>
+              <a:gd name="connsiteY23" fmla="*/ 18288 h 18288"/>
+              <a:gd name="connsiteX24" fmla="*/ 6648031 w 10853928"/>
+              <a:gd name="connsiteY24" fmla="*/ 18288 h 18288"/>
+              <a:gd name="connsiteX25" fmla="*/ 6078200 w 10853928"/>
+              <a:gd name="connsiteY25" fmla="*/ 18288 h 18288"/>
+              <a:gd name="connsiteX26" fmla="*/ 5508368 w 10853928"/>
+              <a:gd name="connsiteY26" fmla="*/ 18288 h 18288"/>
+              <a:gd name="connsiteX27" fmla="*/ 4721459 w 10853928"/>
+              <a:gd name="connsiteY27" fmla="*/ 18288 h 18288"/>
+              <a:gd name="connsiteX28" fmla="*/ 4043088 w 10853928"/>
+              <a:gd name="connsiteY28" fmla="*/ 18288 h 18288"/>
+              <a:gd name="connsiteX29" fmla="*/ 3690336 w 10853928"/>
+              <a:gd name="connsiteY29" fmla="*/ 18288 h 18288"/>
+              <a:gd name="connsiteX30" fmla="*/ 3120504 w 10853928"/>
+              <a:gd name="connsiteY30" fmla="*/ 18288 h 18288"/>
+              <a:gd name="connsiteX31" fmla="*/ 2333595 w 10853928"/>
+              <a:gd name="connsiteY31" fmla="*/ 18288 h 18288"/>
+              <a:gd name="connsiteX32" fmla="*/ 1872303 w 10853928"/>
+              <a:gd name="connsiteY32" fmla="*/ 18288 h 18288"/>
+              <a:gd name="connsiteX33" fmla="*/ 976854 w 10853928"/>
+              <a:gd name="connsiteY33" fmla="*/ 18288 h 18288"/>
+              <a:gd name="connsiteX34" fmla="*/ 0 w 10853928"/>
+              <a:gd name="connsiteY34" fmla="*/ 18288 h 18288"/>
+              <a:gd name="connsiteX35" fmla="*/ 0 w 10853928"/>
+              <a:gd name="connsiteY35" fmla="*/ 0 h 18288"/>
+            </a:gdLst>
+            <a:ahLst/>
+            <a:cxnLst>
+              <a:cxn ang="0">
+                <a:pos x="connsiteX0" y="connsiteY0"/>
+              </a:cxn>
+              <a:cxn ang="0">
+                <a:pos x="connsiteX1" y="connsiteY1"/>
+              </a:cxn>
+              <a:cxn ang="0">
+                <a:pos x="connsiteX2" y="connsiteY2"/>
+              </a:cxn>
+              <a:cxn ang="0">
+                <a:pos x="connsiteX3" y="connsiteY3"/>
+              </a:cxn>
+              <a:cxn ang="0">
+                <a:pos x="connsiteX4" y="connsiteY4"/>
+              </a:cxn>
+              <a:cxn ang="0">
+                <a:pos x="connsiteX5" y="connsiteY5"/>
+              </a:cxn>
+              <a:cxn ang="0">
+                <a:pos x="connsiteX6" y="connsiteY6"/>
+              </a:cxn>
+              <a:cxn ang="0">
+                <a:pos x="connsiteX7" y="connsiteY7"/>
+              </a:cxn>
+              <a:cxn ang="0">
+                <a:pos x="connsiteX8" y="connsiteY8"/>
+              </a:cxn>
+              <a:cxn ang="0">
+                <a:pos x="connsiteX9" y="connsiteY9"/>
+              </a:cxn>
+              <a:cxn ang="0">
+                <a:pos x="connsiteX10" y="connsiteY10"/>
+              </a:cxn>
+              <a:cxn ang="0">
+                <a:pos x="connsiteX11" y="connsiteY11"/>
+              </a:cxn>
+              <a:cxn ang="0">
+                <a:pos x="connsiteX12" y="connsiteY12"/>
+              </a:cxn>
+              <a:cxn ang="0">
+                <a:pos x="connsiteX13" y="connsiteY13"/>
+              </a:cxn>
+              <a:cxn ang="0">
+                <a:pos x="connsiteX14" y="connsiteY14"/>
+              </a:cxn>
+              <a:cxn ang="0">
+                <a:pos x="connsiteX15" y="connsiteY15"/>
+              </a:cxn>
+              <a:cxn ang="0">
+                <a:pos x="connsiteX16" y="connsiteY16"/>
+              </a:cxn>
+              <a:cxn ang="0">
+                <a:pos x="connsiteX17" y="connsiteY17"/>
+              </a:cxn>
+              <a:cxn ang="0">
+                <a:pos x="connsiteX18" y="connsiteY18"/>
+              </a:cxn>
+              <a:cxn ang="0">
+                <a:pos x="connsiteX19" y="connsiteY19"/>
+              </a:cxn>
+              <a:cxn ang="0">
+                <a:pos x="connsiteX20" y="connsiteY20"/>
+              </a:cxn>
+              <a:cxn ang="0">
+                <a:pos x="connsiteX21" y="connsiteY21"/>
+              </a:cxn>
+              <a:cxn ang="0">
+                <a:pos x="connsiteX22" y="connsiteY22"/>
+              </a:cxn>
+              <a:cxn ang="0">
+                <a:pos x="connsiteX23" y="connsiteY23"/>
+              </a:cxn>
+              <a:cxn ang="0">
+                <a:pos x="connsiteX24" y="connsiteY24"/>
+              </a:cxn>
+              <a:cxn ang="0">
+                <a:pos x="connsiteX25" y="connsiteY25"/>
+              </a:cxn>
+              <a:cxn ang="0">
+                <a:pos x="connsiteX26" y="connsiteY26"/>
+              </a:cxn>
+              <a:cxn ang="0">
+                <a:pos x="connsiteX27" y="connsiteY27"/>
+              </a:cxn>
+              <a:cxn ang="0">
+                <a:pos x="connsiteX28" y="connsiteY28"/>
+              </a:cxn>
+              <a:cxn ang="0">
+                <a:pos x="connsiteX29" y="connsiteY29"/>
+              </a:cxn>
+              <a:cxn ang="0">
+                <a:pos x="connsiteX30" y="connsiteY30"/>
+              </a:cxn>
+              <a:cxn ang="0">
+                <a:pos x="connsiteX31" y="connsiteY31"/>
+              </a:cxn>
+              <a:cxn ang="0">
+                <a:pos x="connsiteX32" y="connsiteY32"/>
+              </a:cxn>
+              <a:cxn ang="0">
+                <a:pos x="connsiteX33" y="connsiteY33"/>
+              </a:cxn>
+              <a:cxn ang="0">
+                <a:pos x="connsiteX34" y="connsiteY34"/>
+              </a:cxn>
+              <a:cxn ang="0">
+                <a:pos x="connsiteX35" y="connsiteY35"/>
+              </a:cxn>
+            </a:cxnLst>
+            <a:rect l="l" t="t" r="r" b="b"/>
+            <a:pathLst>
+              <a:path w="10853928" h="18288" fill="none" extrusionOk="0">
+                <a:moveTo>
+                  <a:pt x="0" y="0"/>
+                </a:moveTo>
+                <a:cubicBezTo>
+                  <a:pt x="146993" y="-19076"/>
+                  <a:pt x="347684" y="-4790"/>
+                  <a:pt x="461292" y="0"/>
+                </a:cubicBezTo>
+                <a:cubicBezTo>
+                  <a:pt x="574900" y="4790"/>
+                  <a:pt x="808367" y="19821"/>
+                  <a:pt x="1139662" y="0"/>
+                </a:cubicBezTo>
+                <a:cubicBezTo>
+                  <a:pt x="1470957" y="-19821"/>
+                  <a:pt x="1627405" y="5721"/>
+                  <a:pt x="1926572" y="0"/>
+                </a:cubicBezTo>
+                <a:cubicBezTo>
+                  <a:pt x="2225739" y="-5721"/>
+                  <a:pt x="2137730" y="-3235"/>
+                  <a:pt x="2279325" y="0"/>
+                </a:cubicBezTo>
+                <a:cubicBezTo>
+                  <a:pt x="2420920" y="3235"/>
+                  <a:pt x="2456518" y="9685"/>
+                  <a:pt x="2632078" y="0"/>
+                </a:cubicBezTo>
+                <a:cubicBezTo>
+                  <a:pt x="2807638" y="-9685"/>
+                  <a:pt x="3211516" y="-43007"/>
+                  <a:pt x="3527527" y="0"/>
+                </a:cubicBezTo>
+                <a:cubicBezTo>
+                  <a:pt x="3843538" y="43007"/>
+                  <a:pt x="4058833" y="22042"/>
+                  <a:pt x="4205897" y="0"/>
+                </a:cubicBezTo>
+                <a:cubicBezTo>
+                  <a:pt x="4352961" y="-22042"/>
+                  <a:pt x="4474805" y="-11846"/>
+                  <a:pt x="4558650" y="0"/>
+                </a:cubicBezTo>
+                <a:cubicBezTo>
+                  <a:pt x="4642495" y="11846"/>
+                  <a:pt x="5041928" y="-6069"/>
+                  <a:pt x="5237020" y="0"/>
+                </a:cubicBezTo>
+                <a:cubicBezTo>
+                  <a:pt x="5432112" y="6069"/>
+                  <a:pt x="5943266" y="-17479"/>
+                  <a:pt x="6132469" y="0"/>
+                </a:cubicBezTo>
+                <a:cubicBezTo>
+                  <a:pt x="6321672" y="17479"/>
+                  <a:pt x="6483872" y="26234"/>
+                  <a:pt x="6702301" y="0"/>
+                </a:cubicBezTo>
+                <a:cubicBezTo>
+                  <a:pt x="6920730" y="-26234"/>
+                  <a:pt x="6991194" y="-15156"/>
+                  <a:pt x="7272132" y="0"/>
+                </a:cubicBezTo>
+                <a:cubicBezTo>
+                  <a:pt x="7553070" y="15156"/>
+                  <a:pt x="7684444" y="-32961"/>
+                  <a:pt x="7950502" y="0"/>
+                </a:cubicBezTo>
+                <a:cubicBezTo>
+                  <a:pt x="8216560" y="32961"/>
+                  <a:pt x="8493290" y="-10491"/>
+                  <a:pt x="8737412" y="0"/>
+                </a:cubicBezTo>
+                <a:cubicBezTo>
+                  <a:pt x="8981534" y="10491"/>
+                  <a:pt x="9191586" y="-13899"/>
+                  <a:pt x="9524322" y="0"/>
+                </a:cubicBezTo>
+                <a:cubicBezTo>
+                  <a:pt x="9857058" y="13899"/>
+                  <a:pt x="10297509" y="7485"/>
+                  <a:pt x="10853928" y="0"/>
+                </a:cubicBezTo>
+                <a:cubicBezTo>
+                  <a:pt x="10854574" y="4451"/>
+                  <a:pt x="10854418" y="9226"/>
+                  <a:pt x="10853928" y="18288"/>
+                </a:cubicBezTo>
+                <a:cubicBezTo>
+                  <a:pt x="10691638" y="28522"/>
+                  <a:pt x="10574319" y="29578"/>
+                  <a:pt x="10392636" y="18288"/>
+                </a:cubicBezTo>
+                <a:cubicBezTo>
+                  <a:pt x="10210953" y="6998"/>
+                  <a:pt x="9836277" y="-16742"/>
+                  <a:pt x="9497187" y="18288"/>
+                </a:cubicBezTo>
+                <a:cubicBezTo>
+                  <a:pt x="9158097" y="53318"/>
+                  <a:pt x="9119479" y="30714"/>
+                  <a:pt x="8818817" y="18288"/>
+                </a:cubicBezTo>
+                <a:cubicBezTo>
+                  <a:pt x="8518155" y="5863"/>
+                  <a:pt x="8640037" y="6483"/>
+                  <a:pt x="8466064" y="18288"/>
+                </a:cubicBezTo>
+                <a:cubicBezTo>
+                  <a:pt x="8292091" y="30093"/>
+                  <a:pt x="7997656" y="18914"/>
+                  <a:pt x="7787693" y="18288"/>
+                </a:cubicBezTo>
+                <a:cubicBezTo>
+                  <a:pt x="7577730" y="17662"/>
+                  <a:pt x="7412468" y="21416"/>
+                  <a:pt x="7217862" y="18288"/>
+                </a:cubicBezTo>
+                <a:cubicBezTo>
+                  <a:pt x="7023256" y="15160"/>
+                  <a:pt x="6898018" y="14824"/>
+                  <a:pt x="6648031" y="18288"/>
+                </a:cubicBezTo>
+                <a:cubicBezTo>
+                  <a:pt x="6398044" y="21752"/>
+                  <a:pt x="6254402" y="38625"/>
+                  <a:pt x="6078200" y="18288"/>
+                </a:cubicBezTo>
+                <a:cubicBezTo>
+                  <a:pt x="5901998" y="-2049"/>
+                  <a:pt x="5622886" y="3213"/>
+                  <a:pt x="5508368" y="18288"/>
+                </a:cubicBezTo>
+                <a:cubicBezTo>
+                  <a:pt x="5393850" y="33363"/>
+                  <a:pt x="5036260" y="26830"/>
+                  <a:pt x="4721459" y="18288"/>
+                </a:cubicBezTo>
+                <a:cubicBezTo>
+                  <a:pt x="4406658" y="9746"/>
+                  <a:pt x="4239221" y="41551"/>
+                  <a:pt x="4043088" y="18288"/>
+                </a:cubicBezTo>
+                <a:cubicBezTo>
+                  <a:pt x="3846955" y="-4975"/>
+                  <a:pt x="3818802" y="34658"/>
+                  <a:pt x="3690336" y="18288"/>
+                </a:cubicBezTo>
+                <a:cubicBezTo>
+                  <a:pt x="3561870" y="1918"/>
+                  <a:pt x="3265491" y="42194"/>
+                  <a:pt x="3120504" y="18288"/>
+                </a:cubicBezTo>
+                <a:cubicBezTo>
+                  <a:pt x="2975517" y="-5618"/>
+                  <a:pt x="2720254" y="36673"/>
+                  <a:pt x="2333595" y="18288"/>
+                </a:cubicBezTo>
+                <a:cubicBezTo>
+                  <a:pt x="1946936" y="-97"/>
+                  <a:pt x="2097241" y="5776"/>
+                  <a:pt x="1872303" y="18288"/>
+                </a:cubicBezTo>
+                <a:cubicBezTo>
+                  <a:pt x="1647365" y="30800"/>
+                  <a:pt x="1282708" y="45380"/>
+                  <a:pt x="976854" y="18288"/>
+                </a:cubicBezTo>
+                <a:cubicBezTo>
+                  <a:pt x="671000" y="-8804"/>
+                  <a:pt x="408401" y="-12775"/>
+                  <a:pt x="0" y="18288"/>
+                </a:cubicBezTo>
+                <a:cubicBezTo>
+                  <a:pt x="-213" y="9468"/>
+                  <a:pt x="187" y="4459"/>
+                  <a:pt x="0" y="0"/>
+                </a:cubicBezTo>
+                <a:close/>
+              </a:path>
+              <a:path w="10853928" h="18288" stroke="0" extrusionOk="0">
+                <a:moveTo>
+                  <a:pt x="0" y="0"/>
+                </a:moveTo>
+                <a:cubicBezTo>
+                  <a:pt x="267322" y="15284"/>
+                  <a:pt x="415388" y="-21048"/>
+                  <a:pt x="569831" y="0"/>
+                </a:cubicBezTo>
+                <a:cubicBezTo>
+                  <a:pt x="724274" y="21048"/>
+                  <a:pt x="769333" y="-2353"/>
+                  <a:pt x="922584" y="0"/>
+                </a:cubicBezTo>
+                <a:cubicBezTo>
+                  <a:pt x="1075835" y="2353"/>
+                  <a:pt x="1399490" y="-145"/>
+                  <a:pt x="1818033" y="0"/>
+                </a:cubicBezTo>
+                <a:cubicBezTo>
+                  <a:pt x="2236576" y="145"/>
+                  <a:pt x="2145330" y="5482"/>
+                  <a:pt x="2387864" y="0"/>
+                </a:cubicBezTo>
+                <a:cubicBezTo>
+                  <a:pt x="2630398" y="-5482"/>
+                  <a:pt x="2793207" y="18487"/>
+                  <a:pt x="2957695" y="0"/>
+                </a:cubicBezTo>
+                <a:cubicBezTo>
+                  <a:pt x="3122183" y="-18487"/>
+                  <a:pt x="3579141" y="19003"/>
+                  <a:pt x="3853144" y="0"/>
+                </a:cubicBezTo>
+                <a:cubicBezTo>
+                  <a:pt x="4127147" y="-19003"/>
+                  <a:pt x="4209857" y="12211"/>
+                  <a:pt x="4314436" y="0"/>
+                </a:cubicBezTo>
+                <a:cubicBezTo>
+                  <a:pt x="4419015" y="-12211"/>
+                  <a:pt x="4762459" y="-17220"/>
+                  <a:pt x="5209885" y="0"/>
+                </a:cubicBezTo>
+                <a:cubicBezTo>
+                  <a:pt x="5657311" y="17220"/>
+                  <a:pt x="5692663" y="-3290"/>
+                  <a:pt x="6105335" y="0"/>
+                </a:cubicBezTo>
+                <a:cubicBezTo>
+                  <a:pt x="6518007" y="3290"/>
+                  <a:pt x="6455516" y="-5124"/>
+                  <a:pt x="6783705" y="0"/>
+                </a:cubicBezTo>
+                <a:cubicBezTo>
+                  <a:pt x="7111894" y="5124"/>
+                  <a:pt x="7441941" y="-17829"/>
+                  <a:pt x="7679154" y="0"/>
+                </a:cubicBezTo>
+                <a:cubicBezTo>
+                  <a:pt x="7916367" y="17829"/>
+                  <a:pt x="8102967" y="-24363"/>
+                  <a:pt x="8248985" y="0"/>
+                </a:cubicBezTo>
+                <a:cubicBezTo>
+                  <a:pt x="8395003" y="24363"/>
+                  <a:pt x="8552393" y="25505"/>
+                  <a:pt x="8818817" y="0"/>
+                </a:cubicBezTo>
+                <a:cubicBezTo>
+                  <a:pt x="9085241" y="-25505"/>
+                  <a:pt x="9411308" y="38000"/>
+                  <a:pt x="9605726" y="0"/>
+                </a:cubicBezTo>
+                <a:cubicBezTo>
+                  <a:pt x="9800144" y="-38000"/>
+                  <a:pt x="10006468" y="-25741"/>
+                  <a:pt x="10175558" y="0"/>
+                </a:cubicBezTo>
+                <a:cubicBezTo>
+                  <a:pt x="10344648" y="25741"/>
+                  <a:pt x="10696282" y="695"/>
+                  <a:pt x="10853928" y="0"/>
+                </a:cubicBezTo>
+                <a:cubicBezTo>
+                  <a:pt x="10853521" y="8690"/>
+                  <a:pt x="10853774" y="14141"/>
+                  <a:pt x="10853928" y="18288"/>
+                </a:cubicBezTo>
+                <a:cubicBezTo>
+                  <a:pt x="10608124" y="24255"/>
+                  <a:pt x="10343415" y="22307"/>
+                  <a:pt x="10067018" y="18288"/>
+                </a:cubicBezTo>
+                <a:cubicBezTo>
+                  <a:pt x="9790621" y="14270"/>
+                  <a:pt x="9843266" y="3564"/>
+                  <a:pt x="9714266" y="18288"/>
+                </a:cubicBezTo>
+                <a:cubicBezTo>
+                  <a:pt x="9585266" y="33012"/>
+                  <a:pt x="9379484" y="1875"/>
+                  <a:pt x="9252974" y="18288"/>
+                </a:cubicBezTo>
+                <a:cubicBezTo>
+                  <a:pt x="9126464" y="34701"/>
+                  <a:pt x="8580678" y="-4904"/>
+                  <a:pt x="8357525" y="18288"/>
+                </a:cubicBezTo>
+                <a:cubicBezTo>
+                  <a:pt x="8134372" y="41480"/>
+                  <a:pt x="7903199" y="26458"/>
+                  <a:pt x="7679154" y="18288"/>
+                </a:cubicBezTo>
+                <a:cubicBezTo>
+                  <a:pt x="7455109" y="10118"/>
+                  <a:pt x="7435944" y="27109"/>
+                  <a:pt x="7217862" y="18288"/>
+                </a:cubicBezTo>
+                <a:cubicBezTo>
+                  <a:pt x="6999780" y="9467"/>
+                  <a:pt x="6680409" y="18985"/>
+                  <a:pt x="6539492" y="18288"/>
+                </a:cubicBezTo>
+                <a:cubicBezTo>
+                  <a:pt x="6398575" y="17592"/>
+                  <a:pt x="6312077" y="33018"/>
+                  <a:pt x="6186739" y="18288"/>
+                </a:cubicBezTo>
+                <a:cubicBezTo>
+                  <a:pt x="6061401" y="3558"/>
+                  <a:pt x="5947033" y="12075"/>
+                  <a:pt x="5833986" y="18288"/>
+                </a:cubicBezTo>
+                <a:cubicBezTo>
+                  <a:pt x="5720939" y="24501"/>
+                  <a:pt x="5482226" y="8586"/>
+                  <a:pt x="5155616" y="18288"/>
+                </a:cubicBezTo>
+                <a:cubicBezTo>
+                  <a:pt x="4829006" y="27991"/>
+                  <a:pt x="4841274" y="29316"/>
+                  <a:pt x="4694324" y="18288"/>
+                </a:cubicBezTo>
+                <a:cubicBezTo>
+                  <a:pt x="4547374" y="7260"/>
+                  <a:pt x="4077675" y="7013"/>
+                  <a:pt x="3907414" y="18288"/>
+                </a:cubicBezTo>
+                <a:cubicBezTo>
+                  <a:pt x="3737153" y="29564"/>
+                  <a:pt x="3538393" y="21630"/>
+                  <a:pt x="3446122" y="18288"/>
+                </a:cubicBezTo>
+                <a:cubicBezTo>
+                  <a:pt x="3353851" y="14946"/>
+                  <a:pt x="2990320" y="-8091"/>
+                  <a:pt x="2659212" y="18288"/>
+                </a:cubicBezTo>
+                <a:cubicBezTo>
+                  <a:pt x="2328104" y="44667"/>
+                  <a:pt x="2427653" y="9607"/>
+                  <a:pt x="2306460" y="18288"/>
+                </a:cubicBezTo>
+                <a:cubicBezTo>
+                  <a:pt x="2185267" y="26969"/>
+                  <a:pt x="1719763" y="3717"/>
+                  <a:pt x="1519550" y="18288"/>
+                </a:cubicBezTo>
+                <a:cubicBezTo>
+                  <a:pt x="1319337" y="32860"/>
+                  <a:pt x="1167371" y="17040"/>
+                  <a:pt x="1058258" y="18288"/>
+                </a:cubicBezTo>
+                <a:cubicBezTo>
+                  <a:pt x="949145" y="19536"/>
+                  <a:pt x="780234" y="31447"/>
+                  <a:pt x="705505" y="18288"/>
+                </a:cubicBezTo>
+                <a:cubicBezTo>
+                  <a:pt x="630776" y="5129"/>
+                  <a:pt x="215796" y="30056"/>
+                  <a:pt x="0" y="18288"/>
+                </a:cubicBezTo>
+                <a:cubicBezTo>
+                  <a:pt x="-53" y="11301"/>
+                  <a:pt x="-649" y="7756"/>
+                  <a:pt x="0" y="0"/>
+                </a:cubicBezTo>
+                <a:close/>
+              </a:path>
+            </a:pathLst>
+          </a:custGeom>
+          <a:solidFill>
+            <a:schemeClr val="accent2"/>
+          </a:solidFill>
+          <a:ln w="41275" cap="rnd">
+            <a:solidFill>
+              <a:schemeClr val="accent2"/>
+            </a:solidFill>
+            <a:round/>
+            <a:extLst>
+              <a:ext uri="{C807C97D-BFC1-408E-A445-0C87EB9F89A2}">
+                <ask:lineSketchStyleProps xmlns:ask="http://schemas.microsoft.com/office/drawing/2018/sketchyshapes" sd="1219033472">
+                  <a:prstGeom prst="rect">
+                    <a:avLst/>
+                  </a:prstGeom>
+                  <ask:type>
+                    <ask:lineSketchFreehand/>
+                  </ask:type>
+                </ask:lineSketchStyleProps>
+              </a:ext>
+            </a:extLst>
+          </a:ln>
+        </p:spPr>
+        <p:style>
+          <a:lnRef idx="2">
+            <a:schemeClr val="accent1">
+              <a:shade val="50000"/>
+            </a:schemeClr>
+          </a:lnRef>
+          <a:fillRef idx="1">
+            <a:schemeClr val="accent1"/>
+          </a:fillRef>
+          <a:effectRef idx="0">
+            <a:schemeClr val="accent1"/>
+          </a:effectRef>
+          <a:fontRef idx="minor">
+            <a:schemeClr val="lt1"/>
+          </a:fontRef>
+        </p:style>
+        <p:txBody>
+          <a:bodyPr rtlCol="0" anchor="ctr"/>
+          <a:lstStyle/>
+          <a:p>
+            <a:pPr algn="ctr"/>
+            <a:endParaRPr lang="en-US"/>
+          </a:p>
+        </p:txBody>
+      </p:sp>
+      <p:sp>
+        <p:nvSpPr>
+          <p:cNvPr id="3" name="Объект 2"/>
+          <p:cNvSpPr>
+            <a:spLocks noGrp="1"/>
+          </p:cNvSpPr>
+          <p:nvPr>
+            <p:ph sz="half" idx="1"/>
+          </p:nvPr>
+        </p:nvSpPr>
+        <p:spPr>
+          <a:xfrm>
+            <a:off x="838200" y="1929384"/>
+            <a:ext cx="10515600" cy="4251960"/>
           </a:xfrm>
         </p:spPr>
         <p:txBody>
-          <a:bodyPr>
-            <a:normAutofit/>
+          <a:bodyPr vert="horz" lIns="91440" tIns="45720" rIns="91440" bIns="45720" rtlCol="0">
+            <a:normAutofit lnSpcReduction="10000"/>
           </a:bodyPr>
           <a:lstStyle/>
           <a:p>
-            <a:pPr marL="0" indent="0">
-              <a:buNone/>
-            </a:pPr>
-            <a:r>
-              <a:rPr lang="en-US" sz="1400" dirty="0"/>
-              <a:t>AWS Amplify is integrated with AWS </a:t>
-            </a:r>
-            <a:r>
-              <a:rPr lang="en-US" sz="1400" dirty="0" err="1"/>
-              <a:t>CloudTrail</a:t>
-            </a:r>
-            <a:r>
-              <a:rPr lang="en-US" sz="1400" dirty="0"/>
-              <a:t>, a service that provides a record of actions taken by a user, role, or an AWS service in Amplify. </a:t>
-            </a:r>
-            <a:r>
-              <a:rPr lang="en-US" sz="1400" dirty="0" err="1"/>
-              <a:t>CloudTrail</a:t>
-            </a:r>
-            <a:r>
-              <a:rPr lang="en-US" sz="1400" dirty="0"/>
-              <a:t> captures all API calls for Amplify as events. The calls captured include calls from the Amplify console and code calls to the Amplify API operations. </a:t>
-            </a:r>
-            <a:endParaRPr lang="en-US" sz="1400" dirty="0" smtClean="0"/>
-          </a:p>
-          <a:p>
-            <a:pPr marL="0" indent="0">
-              <a:buNone/>
-            </a:pPr>
-            <a:r>
-              <a:rPr lang="en-US" sz="1400" b="1" dirty="0" smtClean="0"/>
-              <a:t>If </a:t>
-            </a:r>
-            <a:r>
-              <a:rPr lang="en-US" sz="1400" b="1" dirty="0"/>
-              <a:t>you create </a:t>
-            </a:r>
-            <a:r>
-              <a:rPr lang="en-US" sz="1400" dirty="0"/>
-              <a:t>a trail, you can enable continuous delivery of </a:t>
-            </a:r>
-            <a:r>
-              <a:rPr lang="en-US" sz="1400" dirty="0" err="1"/>
-              <a:t>CloudTrail</a:t>
-            </a:r>
-            <a:r>
-              <a:rPr lang="en-US" sz="1400" dirty="0"/>
-              <a:t> events to an Amazon S3 bucket, including events for Amplify. </a:t>
-            </a:r>
-            <a:endParaRPr lang="en-US" sz="1400" dirty="0" smtClean="0"/>
-          </a:p>
-          <a:p>
-            <a:pPr marL="0" indent="0">
-              <a:buNone/>
-            </a:pPr>
-            <a:r>
-              <a:rPr lang="en-US" sz="1400" b="1" dirty="0" smtClean="0"/>
-              <a:t>If </a:t>
-            </a:r>
-            <a:r>
-              <a:rPr lang="en-US" sz="1400" b="1" dirty="0"/>
-              <a:t>you don't configure </a:t>
-            </a:r>
-            <a:r>
-              <a:rPr lang="en-US" sz="1400" dirty="0"/>
-              <a:t>a trail, you can still view the most recent events in the </a:t>
-            </a:r>
-            <a:r>
-              <a:rPr lang="en-US" sz="1400" dirty="0" err="1"/>
-              <a:t>CloudTrail</a:t>
-            </a:r>
-            <a:r>
-              <a:rPr lang="en-US" sz="1400" dirty="0"/>
-              <a:t> console in </a:t>
-            </a:r>
-            <a:r>
-              <a:rPr lang="en-US" sz="1400" b="1" dirty="0"/>
+            <a:pPr marL="0"/>
+            <a:r>
+              <a:rPr lang="en-US" sz="2200" dirty="0"/>
+              <a:t>AWS Amplify is integrated with AWS CloudTrail, a service that provides a record of actions taken by a user, role, or an AWS service in Amplify. </a:t>
+            </a:r>
+          </a:p>
+          <a:p>
+            <a:pPr marL="0"/>
+            <a:r>
+              <a:rPr lang="en-US" sz="2200" dirty="0"/>
+              <a:t>CloudTrail captures all API calls for Amplify as events. </a:t>
+            </a:r>
+          </a:p>
+          <a:p>
+            <a:pPr marL="0"/>
+            <a:r>
+              <a:rPr lang="en-US" sz="2200" dirty="0"/>
+              <a:t>The calls captured include calls from the Amplify console and code calls to the Amplify API operations. </a:t>
+            </a:r>
+          </a:p>
+          <a:p>
+            <a:pPr marL="0"/>
+            <a:r>
+              <a:rPr lang="en-US" sz="2200" b="1" dirty="0"/>
+              <a:t>If you create </a:t>
+            </a:r>
+            <a:r>
+              <a:rPr lang="en-US" sz="2200" dirty="0"/>
+              <a:t>a trail, you can enable continuous delivery of CloudTrail events to an Amazon S3 bucket, including events for Amplify. </a:t>
+            </a:r>
+          </a:p>
+          <a:p>
+            <a:pPr marL="0"/>
+            <a:r>
+              <a:rPr lang="en-US" sz="2200" b="1" dirty="0"/>
+              <a:t>If you don't configure </a:t>
+            </a:r>
+            <a:r>
+              <a:rPr lang="en-US" sz="2200" dirty="0"/>
+              <a:t>a trail, you can still view the most recent events in the CloudTrail console in </a:t>
+            </a:r>
+            <a:r>
+              <a:rPr lang="en-US" sz="2200" b="1" dirty="0"/>
               <a:t>Event history</a:t>
             </a:r>
             <a:r>
-              <a:rPr lang="en-US" sz="1400" dirty="0"/>
+              <a:rPr lang="en-US" sz="2200" dirty="0"/>
               <a:t>. </a:t>
             </a:r>
-            <a:endParaRPr lang="en-US" sz="1400" dirty="0" smtClean="0"/>
-          </a:p>
-          <a:p>
-            <a:pPr marL="0" indent="0">
-              <a:buNone/>
-            </a:pPr>
-            <a:r>
-              <a:rPr lang="en-US" sz="1400" dirty="0" smtClean="0"/>
-              <a:t>Using </a:t>
-            </a:r>
-            <a:r>
-              <a:rPr lang="en-US" sz="1400" dirty="0"/>
-              <a:t>the information that </a:t>
-            </a:r>
-            <a:r>
-              <a:rPr lang="en-US" sz="1400" dirty="0" err="1"/>
-              <a:t>CloudTrail</a:t>
-            </a:r>
-            <a:r>
-              <a:rPr lang="en-US" sz="1400" dirty="0"/>
-              <a:t> collects, you can determine the request that was made to Amplify, the IP address from which the request was made, who made the request, when it was made, and additional details.</a:t>
+          </a:p>
+          <a:p>
+            <a:pPr marL="0"/>
+            <a:r>
+              <a:rPr lang="en-US" sz="2200" dirty="0"/>
+              <a:t>Using the information that CloudTrail collects, you can determine the request that was made to Amplify, the IP address from which the request was made, who made the request, when it was made, and additional details.</a:t>
             </a:r>
           </a:p>
         </p:txBody>
